--- a/00. 기획 수업/과제/201031 기획과제_디자인패턴 uml.pptx
+++ b/00. 기획 수업/과제/201031 기획과제_디자인패턴 uml.pptx
@@ -10,6 +10,8 @@
     <p:sldId id="257" r:id="rId4"/>
     <p:sldId id="258" r:id="rId5"/>
     <p:sldId id="260" r:id="rId6"/>
+    <p:sldId id="261" r:id="rId7"/>
+    <p:sldId id="262" r:id="rId8"/>
   </p:sldIdLst>
   <p:sldSz cx="12192000" cy="6858000"/>
   <p:notesSz cx="6858000" cy="9144000"/>
@@ -274,7 +276,7 @@
           <a:p>
             <a:fld id="{F6080DF6-CA38-4F2E-92FA-9F0C4C67C00A}" type="datetimeFigureOut">
               <a:rPr lang="ko-KR" altLang="en-US" smtClean="0"/>
-              <a:t>2020-10-31</a:t>
+              <a:t>2020-11-06</a:t>
             </a:fld>
             <a:endParaRPr lang="ko-KR" altLang="en-US"/>
           </a:p>
@@ -472,7 +474,7 @@
           <a:p>
             <a:fld id="{F6080DF6-CA38-4F2E-92FA-9F0C4C67C00A}" type="datetimeFigureOut">
               <a:rPr lang="ko-KR" altLang="en-US" smtClean="0"/>
-              <a:t>2020-10-31</a:t>
+              <a:t>2020-11-06</a:t>
             </a:fld>
             <a:endParaRPr lang="ko-KR" altLang="en-US"/>
           </a:p>
@@ -680,7 +682,7 @@
           <a:p>
             <a:fld id="{F6080DF6-CA38-4F2E-92FA-9F0C4C67C00A}" type="datetimeFigureOut">
               <a:rPr lang="ko-KR" altLang="en-US" smtClean="0"/>
-              <a:t>2020-10-31</a:t>
+              <a:t>2020-11-06</a:t>
             </a:fld>
             <a:endParaRPr lang="ko-KR" altLang="en-US"/>
           </a:p>
@@ -878,7 +880,7 @@
           <a:p>
             <a:fld id="{F6080DF6-CA38-4F2E-92FA-9F0C4C67C00A}" type="datetimeFigureOut">
               <a:rPr lang="ko-KR" altLang="en-US" smtClean="0"/>
-              <a:t>2020-10-31</a:t>
+              <a:t>2020-11-06</a:t>
             </a:fld>
             <a:endParaRPr lang="ko-KR" altLang="en-US"/>
           </a:p>
@@ -1153,7 +1155,7 @@
           <a:p>
             <a:fld id="{F6080DF6-CA38-4F2E-92FA-9F0C4C67C00A}" type="datetimeFigureOut">
               <a:rPr lang="ko-KR" altLang="en-US" smtClean="0"/>
-              <a:t>2020-10-31</a:t>
+              <a:t>2020-11-06</a:t>
             </a:fld>
             <a:endParaRPr lang="ko-KR" altLang="en-US"/>
           </a:p>
@@ -1418,7 +1420,7 @@
           <a:p>
             <a:fld id="{F6080DF6-CA38-4F2E-92FA-9F0C4C67C00A}" type="datetimeFigureOut">
               <a:rPr lang="ko-KR" altLang="en-US" smtClean="0"/>
-              <a:t>2020-10-31</a:t>
+              <a:t>2020-11-06</a:t>
             </a:fld>
             <a:endParaRPr lang="ko-KR" altLang="en-US"/>
           </a:p>
@@ -1830,7 +1832,7 @@
           <a:p>
             <a:fld id="{F6080DF6-CA38-4F2E-92FA-9F0C4C67C00A}" type="datetimeFigureOut">
               <a:rPr lang="ko-KR" altLang="en-US" smtClean="0"/>
-              <a:t>2020-10-31</a:t>
+              <a:t>2020-11-06</a:t>
             </a:fld>
             <a:endParaRPr lang="ko-KR" altLang="en-US"/>
           </a:p>
@@ -1971,7 +1973,7 @@
           <a:p>
             <a:fld id="{F6080DF6-CA38-4F2E-92FA-9F0C4C67C00A}" type="datetimeFigureOut">
               <a:rPr lang="ko-KR" altLang="en-US" smtClean="0"/>
-              <a:t>2020-10-31</a:t>
+              <a:t>2020-11-06</a:t>
             </a:fld>
             <a:endParaRPr lang="ko-KR" altLang="en-US"/>
           </a:p>
@@ -2084,7 +2086,7 @@
           <a:p>
             <a:fld id="{F6080DF6-CA38-4F2E-92FA-9F0C4C67C00A}" type="datetimeFigureOut">
               <a:rPr lang="ko-KR" altLang="en-US" smtClean="0"/>
-              <a:t>2020-10-31</a:t>
+              <a:t>2020-11-06</a:t>
             </a:fld>
             <a:endParaRPr lang="ko-KR" altLang="en-US"/>
           </a:p>
@@ -2395,7 +2397,7 @@
           <a:p>
             <a:fld id="{F6080DF6-CA38-4F2E-92FA-9F0C4C67C00A}" type="datetimeFigureOut">
               <a:rPr lang="ko-KR" altLang="en-US" smtClean="0"/>
-              <a:t>2020-10-31</a:t>
+              <a:t>2020-11-06</a:t>
             </a:fld>
             <a:endParaRPr lang="ko-KR" altLang="en-US"/>
           </a:p>
@@ -2683,7 +2685,7 @@
           <a:p>
             <a:fld id="{F6080DF6-CA38-4F2E-92FA-9F0C4C67C00A}" type="datetimeFigureOut">
               <a:rPr lang="ko-KR" altLang="en-US" smtClean="0"/>
-              <a:t>2020-10-31</a:t>
+              <a:t>2020-11-06</a:t>
             </a:fld>
             <a:endParaRPr lang="ko-KR" altLang="en-US"/>
           </a:p>
@@ -2924,7 +2926,7 @@
           <a:p>
             <a:fld id="{F6080DF6-CA38-4F2E-92FA-9F0C4C67C00A}" type="datetimeFigureOut">
               <a:rPr lang="ko-KR" altLang="en-US" smtClean="0"/>
-              <a:t>2020-10-31</a:t>
+              <a:t>2020-11-06</a:t>
             </a:fld>
             <a:endParaRPr lang="ko-KR" altLang="en-US"/>
           </a:p>
@@ -8301,6 +8303,2306 @@
 </p:sld>
 </file>
 
+<file path=ppt/slides/slide6.xml><?xml version="1.0" encoding="utf-8"?>
+<p:sld xmlns:a="http://schemas.openxmlformats.org/drawingml/2006/main" xmlns:r="http://schemas.openxmlformats.org/officeDocument/2006/relationships" xmlns:p="http://schemas.openxmlformats.org/presentationml/2006/main">
+  <p:cSld>
+    <p:spTree>
+      <p:nvGrpSpPr>
+        <p:cNvPr id="1" name=""/>
+        <p:cNvGrpSpPr/>
+        <p:nvPr/>
+      </p:nvGrpSpPr>
+      <p:grpSpPr>
+        <a:xfrm>
+          <a:off x="0" y="0"/>
+          <a:ext cx="0" cy="0"/>
+          <a:chOff x="0" y="0"/>
+          <a:chExt cx="0" cy="0"/>
+        </a:xfrm>
+      </p:grpSpPr>
+      <p:cxnSp>
+        <p:nvCxnSpPr>
+          <p:cNvPr id="31" name="연결선: 꺾임 30">
+            <a:extLst>
+              <a:ext uri="{FF2B5EF4-FFF2-40B4-BE49-F238E27FC236}">
+                <a16:creationId xmlns:a16="http://schemas.microsoft.com/office/drawing/2014/main" id="{6C7C1E7D-1AFC-42AC-A2DA-A592CED0C229}"/>
+              </a:ext>
+            </a:extLst>
+          </p:cNvPr>
+          <p:cNvCxnSpPr>
+            <a:stCxn id="35" idx="0"/>
+            <a:endCxn id="13" idx="2"/>
+          </p:cNvCxnSpPr>
+          <p:nvPr/>
+        </p:nvCxnSpPr>
+        <p:spPr>
+          <a:xfrm rot="5400000" flipH="1" flipV="1">
+            <a:off x="6847807" y="2520968"/>
+            <a:ext cx="1451551" cy="1532803"/>
+          </a:xfrm>
+          <a:prstGeom prst="bentConnector3">
+            <a:avLst/>
+          </a:prstGeom>
+          <a:ln w="19050">
+            <a:solidFill>
+              <a:schemeClr val="tx1"/>
+            </a:solidFill>
+            <a:prstDash val="dash"/>
+            <a:tailEnd type="triangle"/>
+          </a:ln>
+        </p:spPr>
+        <p:style>
+          <a:lnRef idx="1">
+            <a:schemeClr val="dk1"/>
+          </a:lnRef>
+          <a:fillRef idx="0">
+            <a:schemeClr val="dk1"/>
+          </a:fillRef>
+          <a:effectRef idx="0">
+            <a:schemeClr val="dk1"/>
+          </a:effectRef>
+          <a:fontRef idx="minor">
+            <a:schemeClr val="tx1"/>
+          </a:fontRef>
+        </p:style>
+      </p:cxnSp>
+      <p:sp>
+        <p:nvSpPr>
+          <p:cNvPr id="49" name="TextBox 48">
+            <a:extLst>
+              <a:ext uri="{FF2B5EF4-FFF2-40B4-BE49-F238E27FC236}">
+                <a16:creationId xmlns:a16="http://schemas.microsoft.com/office/drawing/2014/main" id="{7CFAB7D3-BA53-46CB-8450-3E3E5AD1C706}"/>
+              </a:ext>
+            </a:extLst>
+          </p:cNvPr>
+          <p:cNvSpPr txBox="1"/>
+          <p:nvPr/>
+        </p:nvSpPr>
+        <p:spPr>
+          <a:xfrm>
+            <a:off x="204267" y="257175"/>
+            <a:ext cx="2220480" cy="369332"/>
+          </a:xfrm>
+          <a:prstGeom prst="rect">
+            <a:avLst/>
+          </a:prstGeom>
+          <a:noFill/>
+        </p:spPr>
+        <p:txBody>
+          <a:bodyPr wrap="none" rtlCol="0">
+            <a:spAutoFit/>
+          </a:bodyPr>
+          <a:lstStyle/>
+          <a:p>
+            <a:r>
+              <a:rPr lang="en-US" altLang="ko-KR" dirty="0">
+                <a:latin typeface="KoPubWorld돋움체 Medium" panose="00000600000000000000" pitchFamily="2" charset="-127"/>
+                <a:ea typeface="KoPubWorld돋움체 Medium" panose="00000600000000000000" pitchFamily="2" charset="-127"/>
+                <a:cs typeface="KoPubWorld돋움체 Medium" panose="00000600000000000000" pitchFamily="2" charset="-127"/>
+              </a:rPr>
+              <a:t>State </a:t>
+            </a:r>
+            <a:r>
+              <a:rPr lang="en-US" altLang="ko-KR" dirty="0" err="1">
+                <a:latin typeface="KoPubWorld돋움체 Medium" panose="00000600000000000000" pitchFamily="2" charset="-127"/>
+                <a:ea typeface="KoPubWorld돋움체 Medium" panose="00000600000000000000" pitchFamily="2" charset="-127"/>
+                <a:cs typeface="KoPubWorld돋움체 Medium" panose="00000600000000000000" pitchFamily="2" charset="-127"/>
+              </a:rPr>
+              <a:t>Pattern_Class</a:t>
+            </a:r>
+            <a:endParaRPr lang="ko-KR" altLang="en-US" dirty="0">
+              <a:latin typeface="KoPubWorld돋움체 Medium" panose="00000600000000000000" pitchFamily="2" charset="-127"/>
+              <a:ea typeface="KoPubWorld돋움체 Medium" panose="00000600000000000000" pitchFamily="2" charset="-127"/>
+              <a:cs typeface="KoPubWorld돋움체 Medium" panose="00000600000000000000" pitchFamily="2" charset="-127"/>
+            </a:endParaRPr>
+          </a:p>
+        </p:txBody>
+      </p:sp>
+      <p:grpSp>
+        <p:nvGrpSpPr>
+          <p:cNvPr id="19" name="그룹 18">
+            <a:extLst>
+              <a:ext uri="{FF2B5EF4-FFF2-40B4-BE49-F238E27FC236}">
+                <a16:creationId xmlns:a16="http://schemas.microsoft.com/office/drawing/2014/main" id="{B0269DA8-499B-4492-B3DF-CBA8CD076A18}"/>
+              </a:ext>
+            </a:extLst>
+          </p:cNvPr>
+          <p:cNvGrpSpPr/>
+          <p:nvPr/>
+        </p:nvGrpSpPr>
+        <p:grpSpPr>
+          <a:xfrm>
+            <a:off x="1846751" y="1451940"/>
+            <a:ext cx="2232001" cy="1109654"/>
+            <a:chOff x="1846751" y="1451940"/>
+            <a:chExt cx="2232001" cy="1109654"/>
+          </a:xfrm>
+        </p:grpSpPr>
+        <p:sp>
+          <p:nvSpPr>
+            <p:cNvPr id="4" name="TextBox 3">
+              <a:extLst>
+                <a:ext uri="{FF2B5EF4-FFF2-40B4-BE49-F238E27FC236}">
+                  <a16:creationId xmlns:a16="http://schemas.microsoft.com/office/drawing/2014/main" id="{64956667-319A-43EA-B1A3-F9ABD63E70F7}"/>
+                </a:ext>
+              </a:extLst>
+            </p:cNvPr>
+            <p:cNvSpPr txBox="1"/>
+            <p:nvPr/>
+          </p:nvSpPr>
+          <p:spPr>
+            <a:xfrm>
+              <a:off x="1846751" y="1451940"/>
+              <a:ext cx="2232000" cy="556676"/>
+            </a:xfrm>
+            <a:prstGeom prst="rect">
+              <a:avLst/>
+            </a:prstGeom>
+            <a:solidFill>
+              <a:schemeClr val="bg1"/>
+            </a:solidFill>
+            <a:ln w="19050">
+              <a:solidFill>
+                <a:schemeClr val="tx1"/>
+              </a:solidFill>
+            </a:ln>
+          </p:spPr>
+          <p:txBody>
+            <a:bodyPr wrap="square" rtlCol="0" anchor="ctr">
+              <a:spAutoFit/>
+            </a:bodyPr>
+            <a:lstStyle/>
+            <a:p>
+              <a:pPr algn="ctr"/>
+              <a:endParaRPr lang="en-US" altLang="ko-KR" sz="500" dirty="0">
+                <a:latin typeface="KoPubWorld돋움체 Medium" panose="00000600000000000000" pitchFamily="2" charset="-127"/>
+                <a:ea typeface="KoPubWorld돋움체 Medium" panose="00000600000000000000" pitchFamily="2" charset="-127"/>
+                <a:cs typeface="KoPubWorld돋움체 Medium" panose="00000600000000000000" pitchFamily="2" charset="-127"/>
+              </a:endParaRPr>
+            </a:p>
+            <a:p>
+              <a:pPr algn="ctr"/>
+              <a:r>
+                <a:rPr lang="en-US" altLang="ko-KR" sz="2000" dirty="0">
+                  <a:latin typeface="KoPubWorld돋움체 Bold" panose="00000800000000000000" pitchFamily="2" charset="-127"/>
+                  <a:ea typeface="KoPubWorld돋움체 Bold" panose="00000800000000000000" pitchFamily="2" charset="-127"/>
+                  <a:cs typeface="KoPubWorld돋움체 Bold" panose="00000800000000000000" pitchFamily="2" charset="-127"/>
+                </a:rPr>
+                <a:t>Context</a:t>
+              </a:r>
+            </a:p>
+            <a:p>
+              <a:pPr algn="ctr"/>
+              <a:endParaRPr lang="ko-KR" altLang="en-US" sz="500" dirty="0">
+                <a:latin typeface="KoPubWorld돋움체 Medium" panose="00000600000000000000" pitchFamily="2" charset="-127"/>
+                <a:ea typeface="KoPubWorld돋움체 Medium" panose="00000600000000000000" pitchFamily="2" charset="-127"/>
+                <a:cs typeface="KoPubWorld돋움체 Medium" panose="00000600000000000000" pitchFamily="2" charset="-127"/>
+              </a:endParaRPr>
+            </a:p>
+          </p:txBody>
+        </p:sp>
+        <p:sp>
+          <p:nvSpPr>
+            <p:cNvPr id="16" name="TextBox 15">
+              <a:extLst>
+                <a:ext uri="{FF2B5EF4-FFF2-40B4-BE49-F238E27FC236}">
+                  <a16:creationId xmlns:a16="http://schemas.microsoft.com/office/drawing/2014/main" id="{D6845A44-0503-4D3E-B0DD-FEEE3BFA3F77}"/>
+                </a:ext>
+              </a:extLst>
+            </p:cNvPr>
+            <p:cNvSpPr txBox="1"/>
+            <p:nvPr/>
+          </p:nvSpPr>
+          <p:spPr>
+            <a:xfrm>
+              <a:off x="1846752" y="2007596"/>
+              <a:ext cx="2232000" cy="553998"/>
+            </a:xfrm>
+            <a:prstGeom prst="rect">
+              <a:avLst/>
+            </a:prstGeom>
+            <a:solidFill>
+              <a:schemeClr val="bg1"/>
+            </a:solidFill>
+            <a:ln w="19050">
+              <a:solidFill>
+                <a:schemeClr val="tx1"/>
+              </a:solidFill>
+            </a:ln>
+          </p:spPr>
+          <p:txBody>
+            <a:bodyPr wrap="square" rtlCol="0" anchor="ctr">
+              <a:spAutoFit/>
+            </a:bodyPr>
+            <a:lstStyle/>
+            <a:p>
+              <a:endParaRPr lang="en-US" altLang="ko-KR" sz="500" dirty="0">
+                <a:latin typeface="KoPubWorld돋움체 Medium" panose="00000600000000000000" pitchFamily="2" charset="-127"/>
+                <a:ea typeface="KoPubWorld돋움체 Medium" panose="00000600000000000000" pitchFamily="2" charset="-127"/>
+                <a:cs typeface="KoPubWorld돋움체 Medium" panose="00000600000000000000" pitchFamily="2" charset="-127"/>
+              </a:endParaRPr>
+            </a:p>
+            <a:p>
+              <a:r>
+                <a:rPr lang="en-US" altLang="ko-KR" sz="2000" dirty="0">
+                  <a:latin typeface="KoPubWorld돋움체 Medium" panose="00000600000000000000" pitchFamily="2" charset="-127"/>
+                  <a:ea typeface="KoPubWorld돋움체 Medium" panose="00000600000000000000" pitchFamily="2" charset="-127"/>
+                  <a:cs typeface="KoPubWorld돋움체 Medium" panose="00000600000000000000" pitchFamily="2" charset="-127"/>
+                </a:rPr>
+                <a:t>+ Request()</a:t>
+              </a:r>
+            </a:p>
+            <a:p>
+              <a:endParaRPr lang="ko-KR" altLang="en-US" sz="500" dirty="0">
+                <a:latin typeface="KoPubWorld돋움체 Medium" panose="00000600000000000000" pitchFamily="2" charset="-127"/>
+                <a:ea typeface="KoPubWorld돋움체 Medium" panose="00000600000000000000" pitchFamily="2" charset="-127"/>
+                <a:cs typeface="KoPubWorld돋움체 Medium" panose="00000600000000000000" pitchFamily="2" charset="-127"/>
+              </a:endParaRPr>
+            </a:p>
+          </p:txBody>
+        </p:sp>
+      </p:grpSp>
+      <p:grpSp>
+        <p:nvGrpSpPr>
+          <p:cNvPr id="18" name="그룹 17">
+            <a:extLst>
+              <a:ext uri="{FF2B5EF4-FFF2-40B4-BE49-F238E27FC236}">
+                <a16:creationId xmlns:a16="http://schemas.microsoft.com/office/drawing/2014/main" id="{BFCC7230-E524-44DB-AE22-75B9206658B4}"/>
+              </a:ext>
+            </a:extLst>
+          </p:cNvPr>
+          <p:cNvGrpSpPr/>
+          <p:nvPr/>
+        </p:nvGrpSpPr>
+        <p:grpSpPr>
+          <a:xfrm>
+            <a:off x="7223983" y="1449895"/>
+            <a:ext cx="2232001" cy="1111698"/>
+            <a:chOff x="6095999" y="-2075778"/>
+            <a:chExt cx="4010525" cy="1111698"/>
+          </a:xfrm>
+        </p:grpSpPr>
+        <p:sp>
+          <p:nvSpPr>
+            <p:cNvPr id="9" name="TextBox 8">
+              <a:extLst>
+                <a:ext uri="{FF2B5EF4-FFF2-40B4-BE49-F238E27FC236}">
+                  <a16:creationId xmlns:a16="http://schemas.microsoft.com/office/drawing/2014/main" id="{0E5B1ADB-ECCD-48CD-8ACC-1C781AC5ED72}"/>
+                </a:ext>
+              </a:extLst>
+            </p:cNvPr>
+            <p:cNvSpPr txBox="1"/>
+            <p:nvPr/>
+          </p:nvSpPr>
+          <p:spPr>
+            <a:xfrm>
+              <a:off x="6095999" y="-2075778"/>
+              <a:ext cx="4010524" cy="556676"/>
+            </a:xfrm>
+            <a:prstGeom prst="rect">
+              <a:avLst/>
+            </a:prstGeom>
+            <a:solidFill>
+              <a:schemeClr val="bg1"/>
+            </a:solidFill>
+            <a:ln w="19050">
+              <a:solidFill>
+                <a:schemeClr val="tx1"/>
+              </a:solidFill>
+            </a:ln>
+          </p:spPr>
+          <p:txBody>
+            <a:bodyPr wrap="square" rtlCol="0" anchor="ctr">
+              <a:spAutoFit/>
+            </a:bodyPr>
+            <a:lstStyle/>
+            <a:p>
+              <a:pPr algn="ctr"/>
+              <a:endParaRPr lang="en-US" altLang="ko-KR" sz="500" dirty="0">
+                <a:latin typeface="KoPubWorld돋움체 Medium" panose="00000600000000000000" pitchFamily="2" charset="-127"/>
+                <a:ea typeface="KoPubWorld돋움체 Medium" panose="00000600000000000000" pitchFamily="2" charset="-127"/>
+                <a:cs typeface="KoPubWorld돋움체 Medium" panose="00000600000000000000" pitchFamily="2" charset="-127"/>
+              </a:endParaRPr>
+            </a:p>
+            <a:p>
+              <a:pPr algn="ctr"/>
+              <a:r>
+                <a:rPr lang="en-US" altLang="ko-KR" sz="2000" dirty="0">
+                  <a:latin typeface="KoPubWorld돋움체 Bold" panose="00000800000000000000" pitchFamily="2" charset="-127"/>
+                  <a:ea typeface="KoPubWorld돋움체 Bold" panose="00000800000000000000" pitchFamily="2" charset="-127"/>
+                  <a:cs typeface="KoPubWorld돋움체 Bold" panose="00000800000000000000" pitchFamily="2" charset="-127"/>
+                </a:rPr>
+                <a:t>State</a:t>
+              </a:r>
+            </a:p>
+            <a:p>
+              <a:pPr algn="ctr"/>
+              <a:endParaRPr lang="ko-KR" altLang="en-US" sz="500" dirty="0">
+                <a:latin typeface="KoPubWorld돋움체 Medium" panose="00000600000000000000" pitchFamily="2" charset="-127"/>
+                <a:ea typeface="KoPubWorld돋움체 Medium" panose="00000600000000000000" pitchFamily="2" charset="-127"/>
+                <a:cs typeface="KoPubWorld돋움체 Medium" panose="00000600000000000000" pitchFamily="2" charset="-127"/>
+              </a:endParaRPr>
+            </a:p>
+          </p:txBody>
+        </p:sp>
+        <p:sp>
+          <p:nvSpPr>
+            <p:cNvPr id="13" name="TextBox 12">
+              <a:extLst>
+                <a:ext uri="{FF2B5EF4-FFF2-40B4-BE49-F238E27FC236}">
+                  <a16:creationId xmlns:a16="http://schemas.microsoft.com/office/drawing/2014/main" id="{2F155D27-4EB8-42BA-8A34-CDC56C9FB509}"/>
+                </a:ext>
+              </a:extLst>
+            </p:cNvPr>
+            <p:cNvSpPr txBox="1"/>
+            <p:nvPr/>
+          </p:nvSpPr>
+          <p:spPr>
+            <a:xfrm>
+              <a:off x="6095999" y="-1518078"/>
+              <a:ext cx="4010525" cy="553998"/>
+            </a:xfrm>
+            <a:prstGeom prst="rect">
+              <a:avLst/>
+            </a:prstGeom>
+            <a:solidFill>
+              <a:schemeClr val="bg1"/>
+            </a:solidFill>
+            <a:ln w="19050">
+              <a:solidFill>
+                <a:schemeClr val="tx1"/>
+              </a:solidFill>
+            </a:ln>
+          </p:spPr>
+          <p:txBody>
+            <a:bodyPr wrap="square" rtlCol="0" anchor="ctr">
+              <a:spAutoFit/>
+            </a:bodyPr>
+            <a:lstStyle/>
+            <a:p>
+              <a:endParaRPr lang="en-US" altLang="ko-KR" sz="500" dirty="0">
+                <a:latin typeface="KoPubWorld돋움체 Medium" panose="00000600000000000000" pitchFamily="2" charset="-127"/>
+                <a:ea typeface="KoPubWorld돋움체 Medium" panose="00000600000000000000" pitchFamily="2" charset="-127"/>
+                <a:cs typeface="KoPubWorld돋움체 Medium" panose="00000600000000000000" pitchFamily="2" charset="-127"/>
+              </a:endParaRPr>
+            </a:p>
+            <a:p>
+              <a:r>
+                <a:rPr lang="en-US" altLang="ko-KR" sz="2000" dirty="0">
+                  <a:latin typeface="KoPubWorld돋움체 Medium" panose="00000600000000000000" pitchFamily="2" charset="-127"/>
+                  <a:ea typeface="KoPubWorld돋움체 Medium" panose="00000600000000000000" pitchFamily="2" charset="-127"/>
+                  <a:cs typeface="KoPubWorld돋움체 Medium" panose="00000600000000000000" pitchFamily="2" charset="-127"/>
+                </a:rPr>
+                <a:t>+ Handle()</a:t>
+              </a:r>
+            </a:p>
+            <a:p>
+              <a:endParaRPr lang="ko-KR" altLang="en-US" sz="500" dirty="0">
+                <a:latin typeface="KoPubWorld돋움체 Medium" panose="00000600000000000000" pitchFamily="2" charset="-127"/>
+                <a:ea typeface="KoPubWorld돋움체 Medium" panose="00000600000000000000" pitchFamily="2" charset="-127"/>
+                <a:cs typeface="KoPubWorld돋움체 Medium" panose="00000600000000000000" pitchFamily="2" charset="-127"/>
+              </a:endParaRPr>
+            </a:p>
+          </p:txBody>
+        </p:sp>
+      </p:grpSp>
+      <p:cxnSp>
+        <p:nvCxnSpPr>
+          <p:cNvPr id="32" name="직선 화살표 연결선 31">
+            <a:extLst>
+              <a:ext uri="{FF2B5EF4-FFF2-40B4-BE49-F238E27FC236}">
+                <a16:creationId xmlns:a16="http://schemas.microsoft.com/office/drawing/2014/main" id="{7EE0073B-D9D6-4239-994A-B0FAE92AC8E9}"/>
+              </a:ext>
+            </a:extLst>
+          </p:cNvPr>
+          <p:cNvCxnSpPr>
+            <a:cxnSpLocks/>
+            <a:stCxn id="9" idx="1"/>
+            <a:endCxn id="4" idx="3"/>
+          </p:cNvCxnSpPr>
+          <p:nvPr/>
+        </p:nvCxnSpPr>
+        <p:spPr>
+          <a:xfrm flipH="1">
+            <a:off x="4078751" y="1728233"/>
+            <a:ext cx="3145232" cy="2045"/>
+          </a:xfrm>
+          <a:prstGeom prst="straightConnector1">
+            <a:avLst/>
+          </a:prstGeom>
+          <a:ln w="19050">
+            <a:tailEnd type="triangle"/>
+          </a:ln>
+        </p:spPr>
+        <p:style>
+          <a:lnRef idx="1">
+            <a:schemeClr val="dk1"/>
+          </a:lnRef>
+          <a:fillRef idx="0">
+            <a:schemeClr val="dk1"/>
+          </a:fillRef>
+          <a:effectRef idx="0">
+            <a:schemeClr val="dk1"/>
+          </a:effectRef>
+          <a:fontRef idx="minor">
+            <a:schemeClr val="tx1"/>
+          </a:fontRef>
+        </p:style>
+      </p:cxnSp>
+      <p:sp>
+        <p:nvSpPr>
+          <p:cNvPr id="41" name="순서도: 판단 40">
+            <a:extLst>
+              <a:ext uri="{FF2B5EF4-FFF2-40B4-BE49-F238E27FC236}">
+                <a16:creationId xmlns:a16="http://schemas.microsoft.com/office/drawing/2014/main" id="{7A61134E-0872-48B3-9366-4D2403E16B99}"/>
+              </a:ext>
+            </a:extLst>
+          </p:cNvPr>
+          <p:cNvSpPr/>
+          <p:nvPr/>
+        </p:nvSpPr>
+        <p:spPr>
+          <a:xfrm>
+            <a:off x="4070368" y="1596331"/>
+            <a:ext cx="349624" cy="246728"/>
+          </a:xfrm>
+          <a:prstGeom prst="flowChartDecision">
+            <a:avLst/>
+          </a:prstGeom>
+          <a:solidFill>
+            <a:schemeClr val="bg1"/>
+          </a:solidFill>
+          <a:ln>
+            <a:solidFill>
+              <a:schemeClr val="tx1"/>
+            </a:solidFill>
+          </a:ln>
+        </p:spPr>
+        <p:style>
+          <a:lnRef idx="2">
+            <a:schemeClr val="accent1">
+              <a:shade val="50000"/>
+            </a:schemeClr>
+          </a:lnRef>
+          <a:fillRef idx="1">
+            <a:schemeClr val="accent1"/>
+          </a:fillRef>
+          <a:effectRef idx="0">
+            <a:schemeClr val="accent1"/>
+          </a:effectRef>
+          <a:fontRef idx="minor">
+            <a:schemeClr val="lt1"/>
+          </a:fontRef>
+        </p:style>
+        <p:txBody>
+          <a:bodyPr rtlCol="0" anchor="ctr"/>
+          <a:lstStyle/>
+          <a:p>
+            <a:pPr algn="ctr"/>
+            <a:endParaRPr lang="ko-KR" altLang="en-US"/>
+          </a:p>
+        </p:txBody>
+      </p:sp>
+      <p:sp>
+        <p:nvSpPr>
+          <p:cNvPr id="14" name="사각형: 모서리가 접힌 도형 13">
+            <a:extLst>
+              <a:ext uri="{FF2B5EF4-FFF2-40B4-BE49-F238E27FC236}">
+                <a16:creationId xmlns:a16="http://schemas.microsoft.com/office/drawing/2014/main" id="{4CC71568-613F-40F2-A2E0-CFB8F97E8DF5}"/>
+              </a:ext>
+            </a:extLst>
+          </p:cNvPr>
+          <p:cNvSpPr/>
+          <p:nvPr/>
+        </p:nvSpPr>
+        <p:spPr>
+          <a:xfrm flipV="1">
+            <a:off x="1838368" y="4013144"/>
+            <a:ext cx="2232000" cy="1111698"/>
+          </a:xfrm>
+          <a:prstGeom prst="foldedCorner">
+            <a:avLst/>
+          </a:prstGeom>
+          <a:solidFill>
+            <a:schemeClr val="bg1"/>
+          </a:solidFill>
+          <a:ln>
+            <a:solidFill>
+              <a:schemeClr val="tx1"/>
+            </a:solidFill>
+          </a:ln>
+        </p:spPr>
+        <p:style>
+          <a:lnRef idx="2">
+            <a:schemeClr val="accent1">
+              <a:shade val="50000"/>
+            </a:schemeClr>
+          </a:lnRef>
+          <a:fillRef idx="1">
+            <a:schemeClr val="accent1"/>
+          </a:fillRef>
+          <a:effectRef idx="0">
+            <a:schemeClr val="accent1"/>
+          </a:effectRef>
+          <a:fontRef idx="minor">
+            <a:schemeClr val="lt1"/>
+          </a:fontRef>
+        </p:style>
+        <p:txBody>
+          <a:bodyPr rtlCol="0" anchor="ctr"/>
+          <a:lstStyle/>
+          <a:p>
+            <a:endParaRPr lang="en-US" altLang="ko-KR" sz="2000" dirty="0">
+              <a:solidFill>
+                <a:schemeClr val="tx1"/>
+              </a:solidFill>
+              <a:latin typeface="KoPubWorld돋움체 Medium" panose="00000600000000000000" pitchFamily="2" charset="-127"/>
+              <a:ea typeface="KoPubWorld돋움체 Medium" panose="00000600000000000000" pitchFamily="2" charset="-127"/>
+              <a:cs typeface="KoPubWorld돋움체 Medium" panose="00000600000000000000" pitchFamily="2" charset="-127"/>
+            </a:endParaRPr>
+          </a:p>
+        </p:txBody>
+      </p:sp>
+      <p:cxnSp>
+        <p:nvCxnSpPr>
+          <p:cNvPr id="17" name="직선 연결선 16">
+            <a:extLst>
+              <a:ext uri="{FF2B5EF4-FFF2-40B4-BE49-F238E27FC236}">
+                <a16:creationId xmlns:a16="http://schemas.microsoft.com/office/drawing/2014/main" id="{375F9F91-E271-4422-9D29-0817C0D6AE2E}"/>
+              </a:ext>
+            </a:extLst>
+          </p:cNvPr>
+          <p:cNvCxnSpPr>
+            <a:cxnSpLocks/>
+            <a:stCxn id="16" idx="2"/>
+            <a:endCxn id="14" idx="2"/>
+          </p:cNvCxnSpPr>
+          <p:nvPr/>
+        </p:nvCxnSpPr>
+        <p:spPr>
+          <a:xfrm flipH="1">
+            <a:off x="2954368" y="2561594"/>
+            <a:ext cx="8384" cy="1451550"/>
+          </a:xfrm>
+          <a:prstGeom prst="line">
+            <a:avLst/>
+          </a:prstGeom>
+          <a:ln w="19050">
+            <a:solidFill>
+              <a:schemeClr val="tx1"/>
+            </a:solidFill>
+            <a:prstDash val="dash"/>
+          </a:ln>
+        </p:spPr>
+        <p:style>
+          <a:lnRef idx="1">
+            <a:schemeClr val="accent1"/>
+          </a:lnRef>
+          <a:fillRef idx="0">
+            <a:schemeClr val="accent1"/>
+          </a:fillRef>
+          <a:effectRef idx="0">
+            <a:schemeClr val="accent1"/>
+          </a:effectRef>
+          <a:fontRef idx="minor">
+            <a:schemeClr val="tx1"/>
+          </a:fontRef>
+        </p:style>
+      </p:cxnSp>
+      <p:grpSp>
+        <p:nvGrpSpPr>
+          <p:cNvPr id="34" name="그룹 33">
+            <a:extLst>
+              <a:ext uri="{FF2B5EF4-FFF2-40B4-BE49-F238E27FC236}">
+                <a16:creationId xmlns:a16="http://schemas.microsoft.com/office/drawing/2014/main" id="{7F071343-8E9A-4544-8EF0-BA803B44338F}"/>
+              </a:ext>
+            </a:extLst>
+          </p:cNvPr>
+          <p:cNvGrpSpPr/>
+          <p:nvPr/>
+        </p:nvGrpSpPr>
+        <p:grpSpPr>
+          <a:xfrm>
+            <a:off x="5651367" y="4013144"/>
+            <a:ext cx="2311628" cy="1111698"/>
+            <a:chOff x="6095999" y="-2075778"/>
+            <a:chExt cx="4010525" cy="1111698"/>
+          </a:xfrm>
+        </p:grpSpPr>
+        <p:sp>
+          <p:nvSpPr>
+            <p:cNvPr id="35" name="TextBox 34">
+              <a:extLst>
+                <a:ext uri="{FF2B5EF4-FFF2-40B4-BE49-F238E27FC236}">
+                  <a16:creationId xmlns:a16="http://schemas.microsoft.com/office/drawing/2014/main" id="{98324E66-FCE2-4A60-830F-B0078279527C}"/>
+                </a:ext>
+              </a:extLst>
+            </p:cNvPr>
+            <p:cNvSpPr txBox="1"/>
+            <p:nvPr/>
+          </p:nvSpPr>
+          <p:spPr>
+            <a:xfrm>
+              <a:off x="6095999" y="-2075778"/>
+              <a:ext cx="4010523" cy="556676"/>
+            </a:xfrm>
+            <a:prstGeom prst="rect">
+              <a:avLst/>
+            </a:prstGeom>
+            <a:solidFill>
+              <a:schemeClr val="bg1"/>
+            </a:solidFill>
+            <a:ln w="19050">
+              <a:solidFill>
+                <a:schemeClr val="tx1"/>
+              </a:solidFill>
+            </a:ln>
+          </p:spPr>
+          <p:txBody>
+            <a:bodyPr wrap="square" rtlCol="0" anchor="ctr">
+              <a:spAutoFit/>
+            </a:bodyPr>
+            <a:lstStyle/>
+            <a:p>
+              <a:pPr algn="ctr"/>
+              <a:endParaRPr lang="en-US" altLang="ko-KR" sz="500" dirty="0">
+                <a:latin typeface="KoPubWorld돋움체 Medium" panose="00000600000000000000" pitchFamily="2" charset="-127"/>
+                <a:ea typeface="KoPubWorld돋움체 Medium" panose="00000600000000000000" pitchFamily="2" charset="-127"/>
+                <a:cs typeface="KoPubWorld돋움체 Medium" panose="00000600000000000000" pitchFamily="2" charset="-127"/>
+              </a:endParaRPr>
+            </a:p>
+            <a:p>
+              <a:pPr algn="ctr"/>
+              <a:r>
+                <a:rPr lang="en-US" altLang="ko-KR" sz="2000" dirty="0" err="1">
+                  <a:latin typeface="KoPubWorld돋움체 Bold" panose="00000800000000000000" pitchFamily="2" charset="-127"/>
+                  <a:ea typeface="KoPubWorld돋움체 Bold" panose="00000800000000000000" pitchFamily="2" charset="-127"/>
+                  <a:cs typeface="KoPubWorld돋움체 Bold" panose="00000800000000000000" pitchFamily="2" charset="-127"/>
+                </a:rPr>
+                <a:t>ConcreteStateA</a:t>
+              </a:r>
+              <a:endParaRPr lang="en-US" altLang="ko-KR" sz="2000" dirty="0">
+                <a:latin typeface="KoPubWorld돋움체 Bold" panose="00000800000000000000" pitchFamily="2" charset="-127"/>
+                <a:ea typeface="KoPubWorld돋움체 Bold" panose="00000800000000000000" pitchFamily="2" charset="-127"/>
+                <a:cs typeface="KoPubWorld돋움체 Bold" panose="00000800000000000000" pitchFamily="2" charset="-127"/>
+              </a:endParaRPr>
+            </a:p>
+            <a:p>
+              <a:pPr algn="ctr"/>
+              <a:endParaRPr lang="ko-KR" altLang="en-US" sz="500" dirty="0">
+                <a:latin typeface="KoPubWorld돋움체 Medium" panose="00000600000000000000" pitchFamily="2" charset="-127"/>
+                <a:ea typeface="KoPubWorld돋움체 Medium" panose="00000600000000000000" pitchFamily="2" charset="-127"/>
+                <a:cs typeface="KoPubWorld돋움체 Medium" panose="00000600000000000000" pitchFamily="2" charset="-127"/>
+              </a:endParaRPr>
+            </a:p>
+          </p:txBody>
+        </p:sp>
+        <p:sp>
+          <p:nvSpPr>
+            <p:cNvPr id="36" name="TextBox 35">
+              <a:extLst>
+                <a:ext uri="{FF2B5EF4-FFF2-40B4-BE49-F238E27FC236}">
+                  <a16:creationId xmlns:a16="http://schemas.microsoft.com/office/drawing/2014/main" id="{7C3E41EE-C9E8-4EFC-A402-A887B23A16C9}"/>
+                </a:ext>
+              </a:extLst>
+            </p:cNvPr>
+            <p:cNvSpPr txBox="1"/>
+            <p:nvPr/>
+          </p:nvSpPr>
+          <p:spPr>
+            <a:xfrm>
+              <a:off x="6095999" y="-1518078"/>
+              <a:ext cx="4010525" cy="553998"/>
+            </a:xfrm>
+            <a:prstGeom prst="rect">
+              <a:avLst/>
+            </a:prstGeom>
+            <a:solidFill>
+              <a:schemeClr val="bg1"/>
+            </a:solidFill>
+            <a:ln w="19050">
+              <a:solidFill>
+                <a:schemeClr val="tx1"/>
+              </a:solidFill>
+            </a:ln>
+          </p:spPr>
+          <p:txBody>
+            <a:bodyPr wrap="square" rtlCol="0" anchor="ctr">
+              <a:spAutoFit/>
+            </a:bodyPr>
+            <a:lstStyle/>
+            <a:p>
+              <a:endParaRPr lang="en-US" altLang="ko-KR" sz="500" dirty="0">
+                <a:latin typeface="KoPubWorld돋움체 Medium" panose="00000600000000000000" pitchFamily="2" charset="-127"/>
+                <a:ea typeface="KoPubWorld돋움체 Medium" panose="00000600000000000000" pitchFamily="2" charset="-127"/>
+                <a:cs typeface="KoPubWorld돋움체 Medium" panose="00000600000000000000" pitchFamily="2" charset="-127"/>
+              </a:endParaRPr>
+            </a:p>
+            <a:p>
+              <a:r>
+                <a:rPr lang="en-US" altLang="ko-KR" sz="2000" dirty="0">
+                  <a:latin typeface="KoPubWorld돋움체 Medium" panose="00000600000000000000" pitchFamily="2" charset="-127"/>
+                  <a:ea typeface="KoPubWorld돋움체 Medium" panose="00000600000000000000" pitchFamily="2" charset="-127"/>
+                  <a:cs typeface="KoPubWorld돋움체 Medium" panose="00000600000000000000" pitchFamily="2" charset="-127"/>
+                </a:rPr>
+                <a:t>+ Handle()</a:t>
+              </a:r>
+            </a:p>
+            <a:p>
+              <a:endParaRPr lang="ko-KR" altLang="en-US" sz="500" dirty="0">
+                <a:latin typeface="KoPubWorld돋움체 Medium" panose="00000600000000000000" pitchFamily="2" charset="-127"/>
+                <a:ea typeface="KoPubWorld돋움체 Medium" panose="00000600000000000000" pitchFamily="2" charset="-127"/>
+                <a:cs typeface="KoPubWorld돋움체 Medium" panose="00000600000000000000" pitchFamily="2" charset="-127"/>
+              </a:endParaRPr>
+            </a:p>
+          </p:txBody>
+        </p:sp>
+      </p:grpSp>
+      <p:grpSp>
+        <p:nvGrpSpPr>
+          <p:cNvPr id="37" name="그룹 36">
+            <a:extLst>
+              <a:ext uri="{FF2B5EF4-FFF2-40B4-BE49-F238E27FC236}">
+                <a16:creationId xmlns:a16="http://schemas.microsoft.com/office/drawing/2014/main" id="{D9B23F92-1C8E-43E1-9A07-5C8DB0C0DAAD}"/>
+              </a:ext>
+            </a:extLst>
+          </p:cNvPr>
+          <p:cNvGrpSpPr/>
+          <p:nvPr/>
+        </p:nvGrpSpPr>
+        <p:grpSpPr>
+          <a:xfrm>
+            <a:off x="8620453" y="4013144"/>
+            <a:ext cx="2311628" cy="1111698"/>
+            <a:chOff x="6095999" y="-2075778"/>
+            <a:chExt cx="4010525" cy="1111698"/>
+          </a:xfrm>
+        </p:grpSpPr>
+        <p:sp>
+          <p:nvSpPr>
+            <p:cNvPr id="38" name="TextBox 37">
+              <a:extLst>
+                <a:ext uri="{FF2B5EF4-FFF2-40B4-BE49-F238E27FC236}">
+                  <a16:creationId xmlns:a16="http://schemas.microsoft.com/office/drawing/2014/main" id="{66E3B781-3DAD-45E0-8FC9-C4CF36232016}"/>
+                </a:ext>
+              </a:extLst>
+            </p:cNvPr>
+            <p:cNvSpPr txBox="1"/>
+            <p:nvPr/>
+          </p:nvSpPr>
+          <p:spPr>
+            <a:xfrm>
+              <a:off x="6095999" y="-2075778"/>
+              <a:ext cx="4010524" cy="556676"/>
+            </a:xfrm>
+            <a:prstGeom prst="rect">
+              <a:avLst/>
+            </a:prstGeom>
+            <a:solidFill>
+              <a:schemeClr val="bg1"/>
+            </a:solidFill>
+            <a:ln w="19050">
+              <a:solidFill>
+                <a:schemeClr val="tx1"/>
+              </a:solidFill>
+            </a:ln>
+          </p:spPr>
+          <p:txBody>
+            <a:bodyPr wrap="square" rtlCol="0" anchor="ctr">
+              <a:spAutoFit/>
+            </a:bodyPr>
+            <a:lstStyle/>
+            <a:p>
+              <a:pPr algn="ctr"/>
+              <a:endParaRPr lang="en-US" altLang="ko-KR" sz="500" dirty="0">
+                <a:latin typeface="KoPubWorld돋움체 Medium" panose="00000600000000000000" pitchFamily="2" charset="-127"/>
+                <a:ea typeface="KoPubWorld돋움체 Medium" panose="00000600000000000000" pitchFamily="2" charset="-127"/>
+                <a:cs typeface="KoPubWorld돋움체 Medium" panose="00000600000000000000" pitchFamily="2" charset="-127"/>
+              </a:endParaRPr>
+            </a:p>
+            <a:p>
+              <a:pPr algn="ctr"/>
+              <a:r>
+                <a:rPr lang="en-US" altLang="ko-KR" sz="2000" dirty="0" err="1">
+                  <a:latin typeface="KoPubWorld돋움체 Bold" panose="00000800000000000000" pitchFamily="2" charset="-127"/>
+                  <a:ea typeface="KoPubWorld돋움체 Bold" panose="00000800000000000000" pitchFamily="2" charset="-127"/>
+                  <a:cs typeface="KoPubWorld돋움체 Bold" panose="00000800000000000000" pitchFamily="2" charset="-127"/>
+                </a:rPr>
+                <a:t>ConcreteStateB</a:t>
+              </a:r>
+              <a:endParaRPr lang="en-US" altLang="ko-KR" sz="2000" dirty="0">
+                <a:latin typeface="KoPubWorld돋움체 Bold" panose="00000800000000000000" pitchFamily="2" charset="-127"/>
+                <a:ea typeface="KoPubWorld돋움체 Bold" panose="00000800000000000000" pitchFamily="2" charset="-127"/>
+                <a:cs typeface="KoPubWorld돋움체 Bold" panose="00000800000000000000" pitchFamily="2" charset="-127"/>
+              </a:endParaRPr>
+            </a:p>
+            <a:p>
+              <a:pPr algn="ctr"/>
+              <a:endParaRPr lang="ko-KR" altLang="en-US" sz="500" dirty="0">
+                <a:latin typeface="KoPubWorld돋움체 Medium" panose="00000600000000000000" pitchFamily="2" charset="-127"/>
+                <a:ea typeface="KoPubWorld돋움체 Medium" panose="00000600000000000000" pitchFamily="2" charset="-127"/>
+                <a:cs typeface="KoPubWorld돋움체 Medium" panose="00000600000000000000" pitchFamily="2" charset="-127"/>
+              </a:endParaRPr>
+            </a:p>
+          </p:txBody>
+        </p:sp>
+        <p:sp>
+          <p:nvSpPr>
+            <p:cNvPr id="39" name="TextBox 38">
+              <a:extLst>
+                <a:ext uri="{FF2B5EF4-FFF2-40B4-BE49-F238E27FC236}">
+                  <a16:creationId xmlns:a16="http://schemas.microsoft.com/office/drawing/2014/main" id="{87C7BD3F-C450-4AD6-B835-B00C258BA7BA}"/>
+                </a:ext>
+              </a:extLst>
+            </p:cNvPr>
+            <p:cNvSpPr txBox="1"/>
+            <p:nvPr/>
+          </p:nvSpPr>
+          <p:spPr>
+            <a:xfrm>
+              <a:off x="6095999" y="-1518078"/>
+              <a:ext cx="4010525" cy="553998"/>
+            </a:xfrm>
+            <a:prstGeom prst="rect">
+              <a:avLst/>
+            </a:prstGeom>
+            <a:solidFill>
+              <a:schemeClr val="bg1"/>
+            </a:solidFill>
+            <a:ln w="19050">
+              <a:solidFill>
+                <a:schemeClr val="tx1"/>
+              </a:solidFill>
+            </a:ln>
+          </p:spPr>
+          <p:txBody>
+            <a:bodyPr wrap="square" rtlCol="0" anchor="ctr">
+              <a:spAutoFit/>
+            </a:bodyPr>
+            <a:lstStyle/>
+            <a:p>
+              <a:endParaRPr lang="en-US" altLang="ko-KR" sz="500" dirty="0">
+                <a:latin typeface="KoPubWorld돋움체 Medium" panose="00000600000000000000" pitchFamily="2" charset="-127"/>
+                <a:ea typeface="KoPubWorld돋움체 Medium" panose="00000600000000000000" pitchFamily="2" charset="-127"/>
+                <a:cs typeface="KoPubWorld돋움체 Medium" panose="00000600000000000000" pitchFamily="2" charset="-127"/>
+              </a:endParaRPr>
+            </a:p>
+            <a:p>
+              <a:r>
+                <a:rPr lang="en-US" altLang="ko-KR" sz="2000" dirty="0">
+                  <a:latin typeface="KoPubWorld돋움체 Medium" panose="00000600000000000000" pitchFamily="2" charset="-127"/>
+                  <a:ea typeface="KoPubWorld돋움체 Medium" panose="00000600000000000000" pitchFamily="2" charset="-127"/>
+                  <a:cs typeface="KoPubWorld돋움체 Medium" panose="00000600000000000000" pitchFamily="2" charset="-127"/>
+                </a:rPr>
+                <a:t>+ Handle()</a:t>
+              </a:r>
+            </a:p>
+            <a:p>
+              <a:endParaRPr lang="ko-KR" altLang="en-US" sz="500" dirty="0">
+                <a:latin typeface="KoPubWorld돋움체 Medium" panose="00000600000000000000" pitchFamily="2" charset="-127"/>
+                <a:ea typeface="KoPubWorld돋움체 Medium" panose="00000600000000000000" pitchFamily="2" charset="-127"/>
+                <a:cs typeface="KoPubWorld돋움체 Medium" panose="00000600000000000000" pitchFamily="2" charset="-127"/>
+              </a:endParaRPr>
+            </a:p>
+          </p:txBody>
+        </p:sp>
+      </p:grpSp>
+      <p:cxnSp>
+        <p:nvCxnSpPr>
+          <p:cNvPr id="44" name="연결선: 꺾임 43">
+            <a:extLst>
+              <a:ext uri="{FF2B5EF4-FFF2-40B4-BE49-F238E27FC236}">
+                <a16:creationId xmlns:a16="http://schemas.microsoft.com/office/drawing/2014/main" id="{FE823B14-AA34-412D-904C-C664E67D5B7A}"/>
+              </a:ext>
+            </a:extLst>
+          </p:cNvPr>
+          <p:cNvCxnSpPr>
+            <a:cxnSpLocks/>
+            <a:stCxn id="38" idx="0"/>
+            <a:endCxn id="13" idx="2"/>
+          </p:cNvCxnSpPr>
+          <p:nvPr/>
+        </p:nvCxnSpPr>
+        <p:spPr>
+          <a:xfrm rot="16200000" flipV="1">
+            <a:off x="8332351" y="2569227"/>
+            <a:ext cx="1451551" cy="1436283"/>
+          </a:xfrm>
+          <a:prstGeom prst="bentConnector3">
+            <a:avLst>
+              <a:gd name="adj1" fmla="val 50000"/>
+            </a:avLst>
+          </a:prstGeom>
+          <a:ln w="19050">
+            <a:solidFill>
+              <a:schemeClr val="tx1"/>
+            </a:solidFill>
+            <a:prstDash val="dash"/>
+            <a:tailEnd type="triangle"/>
+          </a:ln>
+        </p:spPr>
+        <p:style>
+          <a:lnRef idx="1">
+            <a:schemeClr val="dk1"/>
+          </a:lnRef>
+          <a:fillRef idx="0">
+            <a:schemeClr val="dk1"/>
+          </a:fillRef>
+          <a:effectRef idx="0">
+            <a:schemeClr val="dk1"/>
+          </a:effectRef>
+          <a:fontRef idx="minor">
+            <a:schemeClr val="tx1"/>
+          </a:fontRef>
+        </p:style>
+      </p:cxnSp>
+      <p:sp>
+        <p:nvSpPr>
+          <p:cNvPr id="25" name="이등변 삼각형 24">
+            <a:extLst>
+              <a:ext uri="{FF2B5EF4-FFF2-40B4-BE49-F238E27FC236}">
+                <a16:creationId xmlns:a16="http://schemas.microsoft.com/office/drawing/2014/main" id="{C65EC569-FB41-44D9-9CA9-F961035394D3}"/>
+              </a:ext>
+            </a:extLst>
+          </p:cNvPr>
+          <p:cNvSpPr/>
+          <p:nvPr/>
+        </p:nvSpPr>
+        <p:spPr>
+          <a:xfrm>
+            <a:off x="8177769" y="2583719"/>
+            <a:ext cx="333102" cy="333102"/>
+          </a:xfrm>
+          <a:prstGeom prst="triangle">
+            <a:avLst/>
+          </a:prstGeom>
+          <a:solidFill>
+            <a:schemeClr val="bg1"/>
+          </a:solidFill>
+          <a:ln w="19050">
+            <a:solidFill>
+              <a:schemeClr val="tx1"/>
+            </a:solidFill>
+          </a:ln>
+        </p:spPr>
+        <p:style>
+          <a:lnRef idx="2">
+            <a:schemeClr val="accent1">
+              <a:shade val="50000"/>
+            </a:schemeClr>
+          </a:lnRef>
+          <a:fillRef idx="1">
+            <a:schemeClr val="accent1"/>
+          </a:fillRef>
+          <a:effectRef idx="0">
+            <a:schemeClr val="accent1"/>
+          </a:effectRef>
+          <a:fontRef idx="minor">
+            <a:schemeClr val="lt1"/>
+          </a:fontRef>
+        </p:style>
+        <p:txBody>
+          <a:bodyPr rtlCol="0" anchor="ctr"/>
+          <a:lstStyle/>
+          <a:p>
+            <a:pPr algn="ctr"/>
+            <a:endParaRPr lang="ko-KR" altLang="en-US"/>
+          </a:p>
+        </p:txBody>
+      </p:sp>
+      <p:sp>
+        <p:nvSpPr>
+          <p:cNvPr id="52" name="TextBox 51">
+            <a:extLst>
+              <a:ext uri="{FF2B5EF4-FFF2-40B4-BE49-F238E27FC236}">
+                <a16:creationId xmlns:a16="http://schemas.microsoft.com/office/drawing/2014/main" id="{EF966080-4A83-4DB0-A831-B2CFFC8799D2}"/>
+              </a:ext>
+            </a:extLst>
+          </p:cNvPr>
+          <p:cNvSpPr txBox="1"/>
+          <p:nvPr/>
+        </p:nvSpPr>
+        <p:spPr>
+          <a:xfrm>
+            <a:off x="1846751" y="4384327"/>
+            <a:ext cx="2215233" cy="369332"/>
+          </a:xfrm>
+          <a:prstGeom prst="rect">
+            <a:avLst/>
+          </a:prstGeom>
+          <a:noFill/>
+        </p:spPr>
+        <p:txBody>
+          <a:bodyPr wrap="square">
+            <a:spAutoFit/>
+          </a:bodyPr>
+          <a:lstStyle/>
+          <a:p>
+            <a:r>
+              <a:rPr lang="en-US" altLang="ko-KR" sz="1800" dirty="0" err="1">
+                <a:solidFill>
+                  <a:schemeClr val="tx1"/>
+                </a:solidFill>
+                <a:latin typeface="KoPubWorld돋움체 Medium" panose="00000600000000000000" pitchFamily="2" charset="-127"/>
+                <a:ea typeface="KoPubWorld돋움체 Medium" panose="00000600000000000000" pitchFamily="2" charset="-127"/>
+                <a:cs typeface="KoPubWorld돋움체 Medium" panose="00000600000000000000" pitchFamily="2" charset="-127"/>
+              </a:rPr>
+              <a:t>State.Handle</a:t>
+            </a:r>
+            <a:r>
+              <a:rPr lang="en-US" altLang="ko-KR" sz="1800" dirty="0">
+                <a:solidFill>
+                  <a:schemeClr val="tx1"/>
+                </a:solidFill>
+                <a:latin typeface="KoPubWorld돋움체 Medium" panose="00000600000000000000" pitchFamily="2" charset="-127"/>
+                <a:ea typeface="KoPubWorld돋움체 Medium" panose="00000600000000000000" pitchFamily="2" charset="-127"/>
+                <a:cs typeface="KoPubWorld돋움체 Medium" panose="00000600000000000000" pitchFamily="2" charset="-127"/>
+              </a:rPr>
+              <a:t>()</a:t>
+            </a:r>
+            <a:endParaRPr lang="ko-KR" altLang="en-US" dirty="0"/>
+          </a:p>
+        </p:txBody>
+      </p:sp>
+    </p:spTree>
+    <p:extLst>
+      <p:ext uri="{BB962C8B-B14F-4D97-AF65-F5344CB8AC3E}">
+        <p14:creationId xmlns:p14="http://schemas.microsoft.com/office/powerpoint/2010/main" val="2838919326"/>
+      </p:ext>
+    </p:extLst>
+  </p:cSld>
+  <p:clrMapOvr>
+    <a:masterClrMapping/>
+  </p:clrMapOvr>
+</p:sld>
+</file>
+
+<file path=ppt/slides/slide7.xml><?xml version="1.0" encoding="utf-8"?>
+<p:sld xmlns:a="http://schemas.openxmlformats.org/drawingml/2006/main" xmlns:r="http://schemas.openxmlformats.org/officeDocument/2006/relationships" xmlns:p="http://schemas.openxmlformats.org/presentationml/2006/main">
+  <p:cSld>
+    <p:spTree>
+      <p:nvGrpSpPr>
+        <p:cNvPr id="1" name=""/>
+        <p:cNvGrpSpPr/>
+        <p:nvPr/>
+      </p:nvGrpSpPr>
+      <p:grpSpPr>
+        <a:xfrm>
+          <a:off x="0" y="0"/>
+          <a:ext cx="0" cy="0"/>
+          <a:chOff x="0" y="0"/>
+          <a:chExt cx="0" cy="0"/>
+        </a:xfrm>
+      </p:grpSpPr>
+      <p:cxnSp>
+        <p:nvCxnSpPr>
+          <p:cNvPr id="31" name="연결선: 꺾임 30">
+            <a:extLst>
+              <a:ext uri="{FF2B5EF4-FFF2-40B4-BE49-F238E27FC236}">
+                <a16:creationId xmlns:a16="http://schemas.microsoft.com/office/drawing/2014/main" id="{6C7C1E7D-1AFC-42AC-A2DA-A592CED0C229}"/>
+              </a:ext>
+            </a:extLst>
+          </p:cNvPr>
+          <p:cNvCxnSpPr>
+            <a:stCxn id="35" idx="0"/>
+            <a:endCxn id="13" idx="2"/>
+          </p:cNvCxnSpPr>
+          <p:nvPr/>
+        </p:nvCxnSpPr>
+        <p:spPr>
+          <a:xfrm rot="5400000" flipH="1" flipV="1">
+            <a:off x="4659743" y="2527317"/>
+            <a:ext cx="1436705" cy="1435810"/>
+          </a:xfrm>
+          <a:prstGeom prst="bentConnector3">
+            <a:avLst/>
+          </a:prstGeom>
+          <a:ln w="19050">
+            <a:solidFill>
+              <a:schemeClr val="tx1"/>
+            </a:solidFill>
+            <a:prstDash val="solid"/>
+            <a:tailEnd type="triangle"/>
+          </a:ln>
+        </p:spPr>
+        <p:style>
+          <a:lnRef idx="1">
+            <a:schemeClr val="dk1"/>
+          </a:lnRef>
+          <a:fillRef idx="0">
+            <a:schemeClr val="dk1"/>
+          </a:fillRef>
+          <a:effectRef idx="0">
+            <a:schemeClr val="dk1"/>
+          </a:effectRef>
+          <a:fontRef idx="minor">
+            <a:schemeClr val="tx1"/>
+          </a:fontRef>
+        </p:style>
+      </p:cxnSp>
+      <p:sp>
+        <p:nvSpPr>
+          <p:cNvPr id="49" name="TextBox 48">
+            <a:extLst>
+              <a:ext uri="{FF2B5EF4-FFF2-40B4-BE49-F238E27FC236}">
+                <a16:creationId xmlns:a16="http://schemas.microsoft.com/office/drawing/2014/main" id="{7CFAB7D3-BA53-46CB-8450-3E3E5AD1C706}"/>
+              </a:ext>
+            </a:extLst>
+          </p:cNvPr>
+          <p:cNvSpPr txBox="1"/>
+          <p:nvPr/>
+        </p:nvSpPr>
+        <p:spPr>
+          <a:xfrm>
+            <a:off x="204267" y="257175"/>
+            <a:ext cx="2797561" cy="369332"/>
+          </a:xfrm>
+          <a:prstGeom prst="rect">
+            <a:avLst/>
+          </a:prstGeom>
+          <a:noFill/>
+        </p:spPr>
+        <p:txBody>
+          <a:bodyPr wrap="none" rtlCol="0">
+            <a:spAutoFit/>
+          </a:bodyPr>
+          <a:lstStyle/>
+          <a:p>
+            <a:r>
+              <a:rPr lang="en-US" altLang="ko-KR" dirty="0">
+                <a:latin typeface="KoPubWorld돋움체 Medium" panose="00000600000000000000" pitchFamily="2" charset="-127"/>
+                <a:ea typeface="KoPubWorld돋움체 Medium" panose="00000600000000000000" pitchFamily="2" charset="-127"/>
+                <a:cs typeface="KoPubWorld돋움체 Medium" panose="00000600000000000000" pitchFamily="2" charset="-127"/>
+              </a:rPr>
+              <a:t>Composite </a:t>
+            </a:r>
+            <a:r>
+              <a:rPr lang="en-US" altLang="ko-KR" dirty="0" err="1">
+                <a:latin typeface="KoPubWorld돋움체 Medium" panose="00000600000000000000" pitchFamily="2" charset="-127"/>
+                <a:ea typeface="KoPubWorld돋움체 Medium" panose="00000600000000000000" pitchFamily="2" charset="-127"/>
+                <a:cs typeface="KoPubWorld돋움체 Medium" panose="00000600000000000000" pitchFamily="2" charset="-127"/>
+              </a:rPr>
+              <a:t>Pattern_Class</a:t>
+            </a:r>
+            <a:endParaRPr lang="ko-KR" altLang="en-US" dirty="0">
+              <a:latin typeface="KoPubWorld돋움체 Medium" panose="00000600000000000000" pitchFamily="2" charset="-127"/>
+              <a:ea typeface="KoPubWorld돋움체 Medium" panose="00000600000000000000" pitchFamily="2" charset="-127"/>
+              <a:cs typeface="KoPubWorld돋움체 Medium" panose="00000600000000000000" pitchFamily="2" charset="-127"/>
+            </a:endParaRPr>
+          </a:p>
+        </p:txBody>
+      </p:sp>
+      <p:grpSp>
+        <p:nvGrpSpPr>
+          <p:cNvPr id="18" name="그룹 17">
+            <a:extLst>
+              <a:ext uri="{FF2B5EF4-FFF2-40B4-BE49-F238E27FC236}">
+                <a16:creationId xmlns:a16="http://schemas.microsoft.com/office/drawing/2014/main" id="{BFCC7230-E524-44DB-AE22-75B9206658B4}"/>
+              </a:ext>
+            </a:extLst>
+          </p:cNvPr>
+          <p:cNvGrpSpPr/>
+          <p:nvPr/>
+        </p:nvGrpSpPr>
+        <p:grpSpPr>
+          <a:xfrm>
+            <a:off x="4979999" y="1415171"/>
+            <a:ext cx="2232001" cy="1111698"/>
+            <a:chOff x="6095999" y="-2075778"/>
+            <a:chExt cx="4010525" cy="1111698"/>
+          </a:xfrm>
+        </p:grpSpPr>
+        <p:sp>
+          <p:nvSpPr>
+            <p:cNvPr id="9" name="TextBox 8">
+              <a:extLst>
+                <a:ext uri="{FF2B5EF4-FFF2-40B4-BE49-F238E27FC236}">
+                  <a16:creationId xmlns:a16="http://schemas.microsoft.com/office/drawing/2014/main" id="{0E5B1ADB-ECCD-48CD-8ACC-1C781AC5ED72}"/>
+                </a:ext>
+              </a:extLst>
+            </p:cNvPr>
+            <p:cNvSpPr txBox="1"/>
+            <p:nvPr/>
+          </p:nvSpPr>
+          <p:spPr>
+            <a:xfrm>
+              <a:off x="6095999" y="-2075778"/>
+              <a:ext cx="4010524" cy="556676"/>
+            </a:xfrm>
+            <a:prstGeom prst="rect">
+              <a:avLst/>
+            </a:prstGeom>
+            <a:solidFill>
+              <a:schemeClr val="bg1"/>
+            </a:solidFill>
+            <a:ln w="19050">
+              <a:solidFill>
+                <a:schemeClr val="tx1"/>
+              </a:solidFill>
+            </a:ln>
+          </p:spPr>
+          <p:txBody>
+            <a:bodyPr wrap="square" rtlCol="0" anchor="ctr">
+              <a:spAutoFit/>
+            </a:bodyPr>
+            <a:lstStyle/>
+            <a:p>
+              <a:pPr algn="ctr"/>
+              <a:endParaRPr lang="en-US" altLang="ko-KR" sz="500" dirty="0">
+                <a:latin typeface="KoPubWorld돋움체 Medium" panose="00000600000000000000" pitchFamily="2" charset="-127"/>
+                <a:ea typeface="KoPubWorld돋움체 Medium" panose="00000600000000000000" pitchFamily="2" charset="-127"/>
+                <a:cs typeface="KoPubWorld돋움체 Medium" panose="00000600000000000000" pitchFamily="2" charset="-127"/>
+              </a:endParaRPr>
+            </a:p>
+            <a:p>
+              <a:pPr algn="ctr"/>
+              <a:r>
+                <a:rPr lang="en-US" altLang="ko-KR" sz="2000" dirty="0">
+                  <a:latin typeface="KoPubWorld돋움체 Bold" panose="00000800000000000000" pitchFamily="2" charset="-127"/>
+                  <a:ea typeface="KoPubWorld돋움체 Bold" panose="00000800000000000000" pitchFamily="2" charset="-127"/>
+                  <a:cs typeface="KoPubWorld돋움체 Bold" panose="00000800000000000000" pitchFamily="2" charset="-127"/>
+                </a:rPr>
+                <a:t>Component</a:t>
+              </a:r>
+            </a:p>
+            <a:p>
+              <a:pPr algn="ctr"/>
+              <a:endParaRPr lang="ko-KR" altLang="en-US" sz="500" dirty="0">
+                <a:latin typeface="KoPubWorld돋움체 Medium" panose="00000600000000000000" pitchFamily="2" charset="-127"/>
+                <a:ea typeface="KoPubWorld돋움체 Medium" panose="00000600000000000000" pitchFamily="2" charset="-127"/>
+                <a:cs typeface="KoPubWorld돋움체 Medium" panose="00000600000000000000" pitchFamily="2" charset="-127"/>
+              </a:endParaRPr>
+            </a:p>
+          </p:txBody>
+        </p:sp>
+        <p:sp>
+          <p:nvSpPr>
+            <p:cNvPr id="13" name="TextBox 12">
+              <a:extLst>
+                <a:ext uri="{FF2B5EF4-FFF2-40B4-BE49-F238E27FC236}">
+                  <a16:creationId xmlns:a16="http://schemas.microsoft.com/office/drawing/2014/main" id="{2F155D27-4EB8-42BA-8A34-CDC56C9FB509}"/>
+                </a:ext>
+              </a:extLst>
+            </p:cNvPr>
+            <p:cNvSpPr txBox="1"/>
+            <p:nvPr/>
+          </p:nvSpPr>
+          <p:spPr>
+            <a:xfrm>
+              <a:off x="6095999" y="-1518078"/>
+              <a:ext cx="4010525" cy="553998"/>
+            </a:xfrm>
+            <a:prstGeom prst="rect">
+              <a:avLst/>
+            </a:prstGeom>
+            <a:solidFill>
+              <a:schemeClr val="bg1"/>
+            </a:solidFill>
+            <a:ln w="19050">
+              <a:solidFill>
+                <a:schemeClr val="tx1"/>
+              </a:solidFill>
+            </a:ln>
+          </p:spPr>
+          <p:txBody>
+            <a:bodyPr wrap="square" rtlCol="0" anchor="ctr">
+              <a:spAutoFit/>
+            </a:bodyPr>
+            <a:lstStyle/>
+            <a:p>
+              <a:endParaRPr lang="en-US" altLang="ko-KR" sz="500" dirty="0">
+                <a:latin typeface="KoPubWorld돋움체 Medium" panose="00000600000000000000" pitchFamily="2" charset="-127"/>
+                <a:ea typeface="KoPubWorld돋움체 Medium" panose="00000600000000000000" pitchFamily="2" charset="-127"/>
+                <a:cs typeface="KoPubWorld돋움체 Medium" panose="00000600000000000000" pitchFamily="2" charset="-127"/>
+              </a:endParaRPr>
+            </a:p>
+            <a:p>
+              <a:r>
+                <a:rPr lang="en-US" altLang="ko-KR" sz="2000" dirty="0">
+                  <a:latin typeface="KoPubWorld돋움체 Medium" panose="00000600000000000000" pitchFamily="2" charset="-127"/>
+                  <a:ea typeface="KoPubWorld돋움체 Medium" panose="00000600000000000000" pitchFamily="2" charset="-127"/>
+                  <a:cs typeface="KoPubWorld돋움체 Medium" panose="00000600000000000000" pitchFamily="2" charset="-127"/>
+                </a:rPr>
+                <a:t>+ Operation()</a:t>
+              </a:r>
+            </a:p>
+            <a:p>
+              <a:endParaRPr lang="ko-KR" altLang="en-US" sz="500" dirty="0">
+                <a:latin typeface="KoPubWorld돋움체 Medium" panose="00000600000000000000" pitchFamily="2" charset="-127"/>
+                <a:ea typeface="KoPubWorld돋움체 Medium" panose="00000600000000000000" pitchFamily="2" charset="-127"/>
+                <a:cs typeface="KoPubWorld돋움체 Medium" panose="00000600000000000000" pitchFamily="2" charset="-127"/>
+              </a:endParaRPr>
+            </a:p>
+          </p:txBody>
+        </p:sp>
+      </p:grpSp>
+      <p:grpSp>
+        <p:nvGrpSpPr>
+          <p:cNvPr id="34" name="그룹 33">
+            <a:extLst>
+              <a:ext uri="{FF2B5EF4-FFF2-40B4-BE49-F238E27FC236}">
+                <a16:creationId xmlns:a16="http://schemas.microsoft.com/office/drawing/2014/main" id="{7F071343-8E9A-4544-8EF0-BA803B44338F}"/>
+              </a:ext>
+            </a:extLst>
+          </p:cNvPr>
+          <p:cNvGrpSpPr/>
+          <p:nvPr/>
+        </p:nvGrpSpPr>
+        <p:grpSpPr>
+          <a:xfrm>
+            <a:off x="3504376" y="3963574"/>
+            <a:ext cx="2311628" cy="1111698"/>
+            <a:chOff x="6095999" y="-2075778"/>
+            <a:chExt cx="4010525" cy="1111698"/>
+          </a:xfrm>
+        </p:grpSpPr>
+        <p:sp>
+          <p:nvSpPr>
+            <p:cNvPr id="35" name="TextBox 34">
+              <a:extLst>
+                <a:ext uri="{FF2B5EF4-FFF2-40B4-BE49-F238E27FC236}">
+                  <a16:creationId xmlns:a16="http://schemas.microsoft.com/office/drawing/2014/main" id="{98324E66-FCE2-4A60-830F-B0078279527C}"/>
+                </a:ext>
+              </a:extLst>
+            </p:cNvPr>
+            <p:cNvSpPr txBox="1"/>
+            <p:nvPr/>
+          </p:nvSpPr>
+          <p:spPr>
+            <a:xfrm>
+              <a:off x="6095999" y="-2075778"/>
+              <a:ext cx="4010523" cy="556676"/>
+            </a:xfrm>
+            <a:prstGeom prst="rect">
+              <a:avLst/>
+            </a:prstGeom>
+            <a:solidFill>
+              <a:schemeClr val="bg1"/>
+            </a:solidFill>
+            <a:ln w="19050">
+              <a:solidFill>
+                <a:schemeClr val="tx1"/>
+              </a:solidFill>
+            </a:ln>
+          </p:spPr>
+          <p:txBody>
+            <a:bodyPr wrap="square" rtlCol="0" anchor="ctr">
+              <a:spAutoFit/>
+            </a:bodyPr>
+            <a:lstStyle/>
+            <a:p>
+              <a:pPr algn="ctr"/>
+              <a:endParaRPr lang="en-US" altLang="ko-KR" sz="500" dirty="0">
+                <a:latin typeface="KoPubWorld돋움체 Medium" panose="00000600000000000000" pitchFamily="2" charset="-127"/>
+                <a:ea typeface="KoPubWorld돋움체 Medium" panose="00000600000000000000" pitchFamily="2" charset="-127"/>
+                <a:cs typeface="KoPubWorld돋움체 Medium" panose="00000600000000000000" pitchFamily="2" charset="-127"/>
+              </a:endParaRPr>
+            </a:p>
+            <a:p>
+              <a:pPr algn="ctr"/>
+              <a:r>
+                <a:rPr lang="en-US" altLang="ko-KR" sz="2000" dirty="0">
+                  <a:latin typeface="KoPubWorld돋움체 Bold" panose="00000800000000000000" pitchFamily="2" charset="-127"/>
+                  <a:ea typeface="KoPubWorld돋움체 Bold" panose="00000800000000000000" pitchFamily="2" charset="-127"/>
+                  <a:cs typeface="KoPubWorld돋움체 Bold" panose="00000800000000000000" pitchFamily="2" charset="-127"/>
+                </a:rPr>
+                <a:t>Leaf</a:t>
+              </a:r>
+            </a:p>
+            <a:p>
+              <a:pPr algn="ctr"/>
+              <a:endParaRPr lang="ko-KR" altLang="en-US" sz="500" dirty="0">
+                <a:latin typeface="KoPubWorld돋움체 Medium" panose="00000600000000000000" pitchFamily="2" charset="-127"/>
+                <a:ea typeface="KoPubWorld돋움체 Medium" panose="00000600000000000000" pitchFamily="2" charset="-127"/>
+                <a:cs typeface="KoPubWorld돋움체 Medium" panose="00000600000000000000" pitchFamily="2" charset="-127"/>
+              </a:endParaRPr>
+            </a:p>
+          </p:txBody>
+        </p:sp>
+        <p:sp>
+          <p:nvSpPr>
+            <p:cNvPr id="36" name="TextBox 35">
+              <a:extLst>
+                <a:ext uri="{FF2B5EF4-FFF2-40B4-BE49-F238E27FC236}">
+                  <a16:creationId xmlns:a16="http://schemas.microsoft.com/office/drawing/2014/main" id="{7C3E41EE-C9E8-4EFC-A402-A887B23A16C9}"/>
+                </a:ext>
+              </a:extLst>
+            </p:cNvPr>
+            <p:cNvSpPr txBox="1"/>
+            <p:nvPr/>
+          </p:nvSpPr>
+          <p:spPr>
+            <a:xfrm>
+              <a:off x="6095999" y="-1518078"/>
+              <a:ext cx="4010525" cy="553998"/>
+            </a:xfrm>
+            <a:prstGeom prst="rect">
+              <a:avLst/>
+            </a:prstGeom>
+            <a:solidFill>
+              <a:schemeClr val="bg1"/>
+            </a:solidFill>
+            <a:ln w="19050">
+              <a:solidFill>
+                <a:schemeClr val="tx1"/>
+              </a:solidFill>
+            </a:ln>
+          </p:spPr>
+          <p:txBody>
+            <a:bodyPr wrap="square" rtlCol="0" anchor="ctr">
+              <a:spAutoFit/>
+            </a:bodyPr>
+            <a:lstStyle/>
+            <a:p>
+              <a:endParaRPr lang="en-US" altLang="ko-KR" sz="500" dirty="0">
+                <a:latin typeface="KoPubWorld돋움체 Medium" panose="00000600000000000000" pitchFamily="2" charset="-127"/>
+                <a:ea typeface="KoPubWorld돋움체 Medium" panose="00000600000000000000" pitchFamily="2" charset="-127"/>
+                <a:cs typeface="KoPubWorld돋움체 Medium" panose="00000600000000000000" pitchFamily="2" charset="-127"/>
+              </a:endParaRPr>
+            </a:p>
+            <a:p>
+              <a:r>
+                <a:rPr lang="en-US" altLang="ko-KR" sz="2000" dirty="0">
+                  <a:latin typeface="KoPubWorld돋움체 Medium" panose="00000600000000000000" pitchFamily="2" charset="-127"/>
+                  <a:ea typeface="KoPubWorld돋움체 Medium" panose="00000600000000000000" pitchFamily="2" charset="-127"/>
+                  <a:cs typeface="KoPubWorld돋움체 Medium" panose="00000600000000000000" pitchFamily="2" charset="-127"/>
+                </a:rPr>
+                <a:t>+ Operation()</a:t>
+              </a:r>
+            </a:p>
+            <a:p>
+              <a:endParaRPr lang="ko-KR" altLang="en-US" sz="500" dirty="0">
+                <a:latin typeface="KoPubWorld돋움체 Medium" panose="00000600000000000000" pitchFamily="2" charset="-127"/>
+                <a:ea typeface="KoPubWorld돋움체 Medium" panose="00000600000000000000" pitchFamily="2" charset="-127"/>
+                <a:cs typeface="KoPubWorld돋움체 Medium" panose="00000600000000000000" pitchFamily="2" charset="-127"/>
+              </a:endParaRPr>
+            </a:p>
+          </p:txBody>
+        </p:sp>
+      </p:grpSp>
+      <p:grpSp>
+        <p:nvGrpSpPr>
+          <p:cNvPr id="37" name="그룹 36">
+            <a:extLst>
+              <a:ext uri="{FF2B5EF4-FFF2-40B4-BE49-F238E27FC236}">
+                <a16:creationId xmlns:a16="http://schemas.microsoft.com/office/drawing/2014/main" id="{D9B23F92-1C8E-43E1-9A07-5C8DB0C0DAAD}"/>
+              </a:ext>
+            </a:extLst>
+          </p:cNvPr>
+          <p:cNvGrpSpPr/>
+          <p:nvPr/>
+        </p:nvGrpSpPr>
+        <p:grpSpPr>
+          <a:xfrm>
+            <a:off x="6376468" y="3978420"/>
+            <a:ext cx="2311629" cy="2032349"/>
+            <a:chOff x="6095997" y="-2075778"/>
+            <a:chExt cx="4010526" cy="2032349"/>
+          </a:xfrm>
+        </p:grpSpPr>
+        <p:sp>
+          <p:nvSpPr>
+            <p:cNvPr id="38" name="TextBox 37">
+              <a:extLst>
+                <a:ext uri="{FF2B5EF4-FFF2-40B4-BE49-F238E27FC236}">
+                  <a16:creationId xmlns:a16="http://schemas.microsoft.com/office/drawing/2014/main" id="{66E3B781-3DAD-45E0-8FC9-C4CF36232016}"/>
+                </a:ext>
+              </a:extLst>
+            </p:cNvPr>
+            <p:cNvSpPr txBox="1"/>
+            <p:nvPr/>
+          </p:nvSpPr>
+          <p:spPr>
+            <a:xfrm>
+              <a:off x="6095999" y="-2075778"/>
+              <a:ext cx="4010524" cy="556676"/>
+            </a:xfrm>
+            <a:prstGeom prst="rect">
+              <a:avLst/>
+            </a:prstGeom>
+            <a:solidFill>
+              <a:schemeClr val="bg1"/>
+            </a:solidFill>
+            <a:ln w="19050">
+              <a:solidFill>
+                <a:schemeClr val="tx1"/>
+              </a:solidFill>
+            </a:ln>
+          </p:spPr>
+          <p:txBody>
+            <a:bodyPr wrap="square" rtlCol="0" anchor="ctr">
+              <a:spAutoFit/>
+            </a:bodyPr>
+            <a:lstStyle/>
+            <a:p>
+              <a:pPr algn="ctr"/>
+              <a:endParaRPr lang="en-US" altLang="ko-KR" sz="500" dirty="0">
+                <a:latin typeface="KoPubWorld돋움체 Medium" panose="00000600000000000000" pitchFamily="2" charset="-127"/>
+                <a:ea typeface="KoPubWorld돋움체 Medium" panose="00000600000000000000" pitchFamily="2" charset="-127"/>
+                <a:cs typeface="KoPubWorld돋움체 Medium" panose="00000600000000000000" pitchFamily="2" charset="-127"/>
+              </a:endParaRPr>
+            </a:p>
+            <a:p>
+              <a:pPr algn="ctr"/>
+              <a:r>
+                <a:rPr lang="en-US" altLang="ko-KR" sz="2000" dirty="0">
+                  <a:latin typeface="KoPubWorld돋움체 Bold" panose="00000800000000000000" pitchFamily="2" charset="-127"/>
+                  <a:ea typeface="KoPubWorld돋움체 Bold" panose="00000800000000000000" pitchFamily="2" charset="-127"/>
+                  <a:cs typeface="KoPubWorld돋움체 Bold" panose="00000800000000000000" pitchFamily="2" charset="-127"/>
+                </a:rPr>
+                <a:t>Composite</a:t>
+              </a:r>
+            </a:p>
+            <a:p>
+              <a:pPr algn="ctr"/>
+              <a:endParaRPr lang="ko-KR" altLang="en-US" sz="500" dirty="0">
+                <a:latin typeface="KoPubWorld돋움체 Medium" panose="00000600000000000000" pitchFamily="2" charset="-127"/>
+                <a:ea typeface="KoPubWorld돋움체 Medium" panose="00000600000000000000" pitchFamily="2" charset="-127"/>
+                <a:cs typeface="KoPubWorld돋움체 Medium" panose="00000600000000000000" pitchFamily="2" charset="-127"/>
+              </a:endParaRPr>
+            </a:p>
+          </p:txBody>
+        </p:sp>
+        <p:sp>
+          <p:nvSpPr>
+            <p:cNvPr id="39" name="TextBox 38">
+              <a:extLst>
+                <a:ext uri="{FF2B5EF4-FFF2-40B4-BE49-F238E27FC236}">
+                  <a16:creationId xmlns:a16="http://schemas.microsoft.com/office/drawing/2014/main" id="{87C7BD3F-C450-4AD6-B835-B00C258BA7BA}"/>
+                </a:ext>
+              </a:extLst>
+            </p:cNvPr>
+            <p:cNvSpPr txBox="1"/>
+            <p:nvPr/>
+          </p:nvSpPr>
+          <p:spPr>
+            <a:xfrm>
+              <a:off x="6095997" y="-1520757"/>
+              <a:ext cx="4010524" cy="1477328"/>
+            </a:xfrm>
+            <a:prstGeom prst="rect">
+              <a:avLst/>
+            </a:prstGeom>
+            <a:solidFill>
+              <a:schemeClr val="bg1"/>
+            </a:solidFill>
+            <a:ln w="19050">
+              <a:solidFill>
+                <a:schemeClr val="tx1"/>
+              </a:solidFill>
+            </a:ln>
+          </p:spPr>
+          <p:txBody>
+            <a:bodyPr wrap="square" rtlCol="0" anchor="ctr">
+              <a:spAutoFit/>
+            </a:bodyPr>
+            <a:lstStyle/>
+            <a:p>
+              <a:endParaRPr lang="en-US" altLang="ko-KR" sz="500" dirty="0">
+                <a:latin typeface="KoPubWorld돋움체 Medium" panose="00000600000000000000" pitchFamily="2" charset="-127"/>
+                <a:ea typeface="KoPubWorld돋움체 Medium" panose="00000600000000000000" pitchFamily="2" charset="-127"/>
+                <a:cs typeface="KoPubWorld돋움체 Medium" panose="00000600000000000000" pitchFamily="2" charset="-127"/>
+              </a:endParaRPr>
+            </a:p>
+            <a:p>
+              <a:r>
+                <a:rPr lang="en-US" altLang="ko-KR" sz="2000" dirty="0">
+                  <a:latin typeface="KoPubWorld돋움체 Medium" panose="00000600000000000000" pitchFamily="2" charset="-127"/>
+                  <a:ea typeface="KoPubWorld돋움체 Medium" panose="00000600000000000000" pitchFamily="2" charset="-127"/>
+                  <a:cs typeface="KoPubWorld돋움체 Medium" panose="00000600000000000000" pitchFamily="2" charset="-127"/>
+                </a:rPr>
+                <a:t>+ Operation()</a:t>
+              </a:r>
+            </a:p>
+            <a:p>
+              <a:r>
+                <a:rPr lang="en-US" altLang="ko-KR" sz="2000" dirty="0">
+                  <a:latin typeface="KoPubWorld돋움체 Medium" panose="00000600000000000000" pitchFamily="2" charset="-127"/>
+                  <a:ea typeface="KoPubWorld돋움체 Medium" panose="00000600000000000000" pitchFamily="2" charset="-127"/>
+                  <a:cs typeface="KoPubWorld돋움체 Medium" panose="00000600000000000000" pitchFamily="2" charset="-127"/>
+                </a:rPr>
+                <a:t>+ Add()</a:t>
+              </a:r>
+            </a:p>
+            <a:p>
+              <a:r>
+                <a:rPr lang="en-US" altLang="ko-KR" sz="2000" dirty="0">
+                  <a:latin typeface="KoPubWorld돋움체 Medium" panose="00000600000000000000" pitchFamily="2" charset="-127"/>
+                  <a:ea typeface="KoPubWorld돋움체 Medium" panose="00000600000000000000" pitchFamily="2" charset="-127"/>
+                  <a:cs typeface="KoPubWorld돋움체 Medium" panose="00000600000000000000" pitchFamily="2" charset="-127"/>
+                </a:rPr>
+                <a:t>+ Remove()</a:t>
+              </a:r>
+            </a:p>
+            <a:p>
+              <a:r>
+                <a:rPr lang="en-US" altLang="ko-KR" sz="2000" dirty="0">
+                  <a:latin typeface="KoPubWorld돋움체 Medium" panose="00000600000000000000" pitchFamily="2" charset="-127"/>
+                  <a:ea typeface="KoPubWorld돋움체 Medium" panose="00000600000000000000" pitchFamily="2" charset="-127"/>
+                  <a:cs typeface="KoPubWorld돋움체 Medium" panose="00000600000000000000" pitchFamily="2" charset="-127"/>
+                </a:rPr>
+                <a:t>+ </a:t>
+              </a:r>
+              <a:r>
+                <a:rPr lang="en-US" altLang="ko-KR" sz="2000" dirty="0" err="1">
+                  <a:latin typeface="KoPubWorld돋움체 Medium" panose="00000600000000000000" pitchFamily="2" charset="-127"/>
+                  <a:ea typeface="KoPubWorld돋움체 Medium" panose="00000600000000000000" pitchFamily="2" charset="-127"/>
+                  <a:cs typeface="KoPubWorld돋움체 Medium" panose="00000600000000000000" pitchFamily="2" charset="-127"/>
+                </a:rPr>
+                <a:t>GetChild</a:t>
+              </a:r>
+              <a:r>
+                <a:rPr lang="en-US" altLang="ko-KR" sz="2000" dirty="0">
+                  <a:latin typeface="KoPubWorld돋움체 Medium" panose="00000600000000000000" pitchFamily="2" charset="-127"/>
+                  <a:ea typeface="KoPubWorld돋움체 Medium" panose="00000600000000000000" pitchFamily="2" charset="-127"/>
+                  <a:cs typeface="KoPubWorld돋움체 Medium" panose="00000600000000000000" pitchFamily="2" charset="-127"/>
+                </a:rPr>
+                <a:t>()</a:t>
+              </a:r>
+            </a:p>
+            <a:p>
+              <a:endParaRPr lang="ko-KR" altLang="en-US" sz="500" dirty="0">
+                <a:latin typeface="KoPubWorld돋움체 Medium" panose="00000600000000000000" pitchFamily="2" charset="-127"/>
+                <a:ea typeface="KoPubWorld돋움체 Medium" panose="00000600000000000000" pitchFamily="2" charset="-127"/>
+                <a:cs typeface="KoPubWorld돋움체 Medium" panose="00000600000000000000" pitchFamily="2" charset="-127"/>
+              </a:endParaRPr>
+            </a:p>
+          </p:txBody>
+        </p:sp>
+      </p:grpSp>
+      <p:cxnSp>
+        <p:nvCxnSpPr>
+          <p:cNvPr id="44" name="연결선: 꺾임 43">
+            <a:extLst>
+              <a:ext uri="{FF2B5EF4-FFF2-40B4-BE49-F238E27FC236}">
+                <a16:creationId xmlns:a16="http://schemas.microsoft.com/office/drawing/2014/main" id="{FE823B14-AA34-412D-904C-C664E67D5B7A}"/>
+              </a:ext>
+            </a:extLst>
+          </p:cNvPr>
+          <p:cNvCxnSpPr>
+            <a:cxnSpLocks/>
+            <a:stCxn id="38" idx="0"/>
+            <a:endCxn id="13" idx="2"/>
+          </p:cNvCxnSpPr>
+          <p:nvPr/>
+        </p:nvCxnSpPr>
+        <p:spPr>
+          <a:xfrm rot="16200000" flipV="1">
+            <a:off x="6088367" y="2534503"/>
+            <a:ext cx="1451551" cy="1436283"/>
+          </a:xfrm>
+          <a:prstGeom prst="bentConnector3">
+            <a:avLst>
+              <a:gd name="adj1" fmla="val 50797"/>
+            </a:avLst>
+          </a:prstGeom>
+          <a:ln w="19050">
+            <a:solidFill>
+              <a:schemeClr val="tx1"/>
+            </a:solidFill>
+            <a:prstDash val="solid"/>
+            <a:tailEnd type="triangle"/>
+          </a:ln>
+        </p:spPr>
+        <p:style>
+          <a:lnRef idx="1">
+            <a:schemeClr val="dk1"/>
+          </a:lnRef>
+          <a:fillRef idx="0">
+            <a:schemeClr val="dk1"/>
+          </a:fillRef>
+          <a:effectRef idx="0">
+            <a:schemeClr val="dk1"/>
+          </a:effectRef>
+          <a:fontRef idx="minor">
+            <a:schemeClr val="tx1"/>
+          </a:fontRef>
+        </p:style>
+      </p:cxnSp>
+      <p:sp>
+        <p:nvSpPr>
+          <p:cNvPr id="25" name="이등변 삼각형 24">
+            <a:extLst>
+              <a:ext uri="{FF2B5EF4-FFF2-40B4-BE49-F238E27FC236}">
+                <a16:creationId xmlns:a16="http://schemas.microsoft.com/office/drawing/2014/main" id="{C65EC569-FB41-44D9-9CA9-F961035394D3}"/>
+              </a:ext>
+            </a:extLst>
+          </p:cNvPr>
+          <p:cNvSpPr/>
+          <p:nvPr/>
+        </p:nvSpPr>
+        <p:spPr>
+          <a:xfrm>
+            <a:off x="5933785" y="2548995"/>
+            <a:ext cx="333102" cy="333102"/>
+          </a:xfrm>
+          <a:prstGeom prst="triangle">
+            <a:avLst/>
+          </a:prstGeom>
+          <a:solidFill>
+            <a:schemeClr val="bg1"/>
+          </a:solidFill>
+          <a:ln w="19050">
+            <a:solidFill>
+              <a:schemeClr val="tx1"/>
+            </a:solidFill>
+          </a:ln>
+        </p:spPr>
+        <p:style>
+          <a:lnRef idx="2">
+            <a:schemeClr val="accent1">
+              <a:shade val="50000"/>
+            </a:schemeClr>
+          </a:lnRef>
+          <a:fillRef idx="1">
+            <a:schemeClr val="accent1"/>
+          </a:fillRef>
+          <a:effectRef idx="0">
+            <a:schemeClr val="accent1"/>
+          </a:effectRef>
+          <a:fontRef idx="minor">
+            <a:schemeClr val="lt1"/>
+          </a:fontRef>
+        </p:style>
+        <p:txBody>
+          <a:bodyPr rtlCol="0" anchor="ctr"/>
+          <a:lstStyle/>
+          <a:p>
+            <a:pPr algn="ctr"/>
+            <a:endParaRPr lang="ko-KR" altLang="en-US"/>
+          </a:p>
+        </p:txBody>
+      </p:sp>
+      <p:cxnSp>
+        <p:nvCxnSpPr>
+          <p:cNvPr id="23" name="연결선: 꺾임 22">
+            <a:extLst>
+              <a:ext uri="{FF2B5EF4-FFF2-40B4-BE49-F238E27FC236}">
+                <a16:creationId xmlns:a16="http://schemas.microsoft.com/office/drawing/2014/main" id="{37ABB1B1-CFD4-4DA2-86CE-B60275652A15}"/>
+              </a:ext>
+            </a:extLst>
+          </p:cNvPr>
+          <p:cNvCxnSpPr>
+            <a:cxnSpLocks/>
+            <a:stCxn id="9" idx="3"/>
+            <a:endCxn id="39" idx="3"/>
+          </p:cNvCxnSpPr>
+          <p:nvPr/>
+        </p:nvCxnSpPr>
+        <p:spPr>
+          <a:xfrm>
+            <a:off x="7211999" y="1693509"/>
+            <a:ext cx="1476097" cy="3578596"/>
+          </a:xfrm>
+          <a:prstGeom prst="bentConnector3">
+            <a:avLst>
+              <a:gd name="adj1" fmla="val 149989"/>
+            </a:avLst>
+          </a:prstGeom>
+          <a:ln w="19050">
+            <a:solidFill>
+              <a:schemeClr val="tx1"/>
+            </a:solidFill>
+            <a:prstDash val="solid"/>
+            <a:tailEnd type="triangle"/>
+          </a:ln>
+        </p:spPr>
+        <p:style>
+          <a:lnRef idx="1">
+            <a:schemeClr val="dk1"/>
+          </a:lnRef>
+          <a:fillRef idx="0">
+            <a:schemeClr val="dk1"/>
+          </a:fillRef>
+          <a:effectRef idx="0">
+            <a:schemeClr val="dk1"/>
+          </a:effectRef>
+          <a:fontRef idx="minor">
+            <a:schemeClr val="tx1"/>
+          </a:fontRef>
+        </p:style>
+      </p:cxnSp>
+      <p:sp>
+        <p:nvSpPr>
+          <p:cNvPr id="7" name="순서도: 판단 6">
+            <a:extLst>
+              <a:ext uri="{FF2B5EF4-FFF2-40B4-BE49-F238E27FC236}">
+                <a16:creationId xmlns:a16="http://schemas.microsoft.com/office/drawing/2014/main" id="{A501AF54-DB0C-4072-B799-D45A023EAA26}"/>
+              </a:ext>
+            </a:extLst>
+          </p:cNvPr>
+          <p:cNvSpPr/>
+          <p:nvPr/>
+        </p:nvSpPr>
+        <p:spPr>
+          <a:xfrm>
+            <a:off x="8688096" y="5143172"/>
+            <a:ext cx="349624" cy="246728"/>
+          </a:xfrm>
+          <a:prstGeom prst="flowChartDecision">
+            <a:avLst/>
+          </a:prstGeom>
+          <a:solidFill>
+            <a:schemeClr val="bg1"/>
+          </a:solidFill>
+          <a:ln>
+            <a:solidFill>
+              <a:schemeClr val="tx1"/>
+            </a:solidFill>
+          </a:ln>
+        </p:spPr>
+        <p:style>
+          <a:lnRef idx="2">
+            <a:schemeClr val="accent1">
+              <a:shade val="50000"/>
+            </a:schemeClr>
+          </a:lnRef>
+          <a:fillRef idx="1">
+            <a:schemeClr val="accent1"/>
+          </a:fillRef>
+          <a:effectRef idx="0">
+            <a:schemeClr val="accent1"/>
+          </a:effectRef>
+          <a:fontRef idx="minor">
+            <a:schemeClr val="lt1"/>
+          </a:fontRef>
+        </p:style>
+        <p:txBody>
+          <a:bodyPr rtlCol="0" anchor="ctr"/>
+          <a:lstStyle/>
+          <a:p>
+            <a:pPr algn="ctr"/>
+            <a:endParaRPr lang="ko-KR" altLang="en-US"/>
+          </a:p>
+        </p:txBody>
+      </p:sp>
+      <p:sp>
+        <p:nvSpPr>
+          <p:cNvPr id="8" name="TextBox 7">
+            <a:extLst>
+              <a:ext uri="{FF2B5EF4-FFF2-40B4-BE49-F238E27FC236}">
+                <a16:creationId xmlns:a16="http://schemas.microsoft.com/office/drawing/2014/main" id="{DECA4AB1-D991-4C7E-B5DC-AAF2D5131888}"/>
+              </a:ext>
+            </a:extLst>
+          </p:cNvPr>
+          <p:cNvSpPr txBox="1"/>
+          <p:nvPr/>
+        </p:nvSpPr>
+        <p:spPr>
+          <a:xfrm>
+            <a:off x="7216193" y="1392758"/>
+            <a:ext cx="489236" cy="323165"/>
+          </a:xfrm>
+          <a:prstGeom prst="rect">
+            <a:avLst/>
+          </a:prstGeom>
+          <a:noFill/>
+        </p:spPr>
+        <p:txBody>
+          <a:bodyPr wrap="none" rtlCol="0">
+            <a:spAutoFit/>
+          </a:bodyPr>
+          <a:lstStyle/>
+          <a:p>
+            <a:r>
+              <a:rPr lang="en-US" altLang="ko-KR" sz="1500" dirty="0">
+                <a:latin typeface="KoPubWorld돋움체 Light" panose="00000300000000000000" pitchFamily="2" charset="-127"/>
+                <a:ea typeface="KoPubWorld돋움체 Light" panose="00000300000000000000" pitchFamily="2" charset="-127"/>
+                <a:cs typeface="KoPubWorld돋움체 Light" panose="00000300000000000000" pitchFamily="2" charset="-127"/>
+              </a:rPr>
+              <a:t>0..*</a:t>
+            </a:r>
+            <a:endParaRPr lang="ko-KR" altLang="en-US" sz="1500" dirty="0">
+              <a:latin typeface="KoPubWorld돋움체 Light" panose="00000300000000000000" pitchFamily="2" charset="-127"/>
+              <a:ea typeface="KoPubWorld돋움체 Light" panose="00000300000000000000" pitchFamily="2" charset="-127"/>
+              <a:cs typeface="KoPubWorld돋움체 Light" panose="00000300000000000000" pitchFamily="2" charset="-127"/>
+            </a:endParaRPr>
+          </a:p>
+        </p:txBody>
+      </p:sp>
+      <p:sp>
+        <p:nvSpPr>
+          <p:cNvPr id="30" name="TextBox 29">
+            <a:extLst>
+              <a:ext uri="{FF2B5EF4-FFF2-40B4-BE49-F238E27FC236}">
+                <a16:creationId xmlns:a16="http://schemas.microsoft.com/office/drawing/2014/main" id="{5995B637-A6F8-4257-BADE-6E2446776CCD}"/>
+              </a:ext>
+            </a:extLst>
+          </p:cNvPr>
+          <p:cNvSpPr txBox="1"/>
+          <p:nvPr/>
+        </p:nvSpPr>
+        <p:spPr>
+          <a:xfrm>
+            <a:off x="7216193" y="1728797"/>
+            <a:ext cx="617477" cy="323165"/>
+          </a:xfrm>
+          <a:prstGeom prst="rect">
+            <a:avLst/>
+          </a:prstGeom>
+          <a:noFill/>
+        </p:spPr>
+        <p:txBody>
+          <a:bodyPr wrap="none" rtlCol="0">
+            <a:spAutoFit/>
+          </a:bodyPr>
+          <a:lstStyle/>
+          <a:p>
+            <a:r>
+              <a:rPr lang="en-US" altLang="ko-KR" sz="1500" dirty="0">
+                <a:latin typeface="KoPubWorld돋움체 Light" panose="00000300000000000000" pitchFamily="2" charset="-127"/>
+                <a:ea typeface="KoPubWorld돋움체 Light" panose="00000300000000000000" pitchFamily="2" charset="-127"/>
+                <a:cs typeface="KoPubWorld돋움체 Light" panose="00000300000000000000" pitchFamily="2" charset="-127"/>
+              </a:rPr>
+              <a:t>Child</a:t>
+            </a:r>
+            <a:endParaRPr lang="ko-KR" altLang="en-US" sz="1500" dirty="0">
+              <a:latin typeface="KoPubWorld돋움체 Light" panose="00000300000000000000" pitchFamily="2" charset="-127"/>
+              <a:ea typeface="KoPubWorld돋움체 Light" panose="00000300000000000000" pitchFamily="2" charset="-127"/>
+              <a:cs typeface="KoPubWorld돋움체 Light" panose="00000300000000000000" pitchFamily="2" charset="-127"/>
+            </a:endParaRPr>
+          </a:p>
+        </p:txBody>
+      </p:sp>
+      <p:sp>
+        <p:nvSpPr>
+          <p:cNvPr id="33" name="TextBox 32">
+            <a:extLst>
+              <a:ext uri="{FF2B5EF4-FFF2-40B4-BE49-F238E27FC236}">
+                <a16:creationId xmlns:a16="http://schemas.microsoft.com/office/drawing/2014/main" id="{C577EEF9-9783-4159-9E79-3D9D2D656A67}"/>
+              </a:ext>
+            </a:extLst>
+          </p:cNvPr>
+          <p:cNvSpPr txBox="1"/>
+          <p:nvPr/>
+        </p:nvSpPr>
+        <p:spPr>
+          <a:xfrm>
+            <a:off x="9037720" y="5266536"/>
+            <a:ext cx="745717" cy="323165"/>
+          </a:xfrm>
+          <a:prstGeom prst="rect">
+            <a:avLst/>
+          </a:prstGeom>
+          <a:noFill/>
+        </p:spPr>
+        <p:txBody>
+          <a:bodyPr wrap="none" rtlCol="0">
+            <a:spAutoFit/>
+          </a:bodyPr>
+          <a:lstStyle/>
+          <a:p>
+            <a:r>
+              <a:rPr lang="en-US" altLang="ko-KR" sz="1500" dirty="0">
+                <a:latin typeface="KoPubWorld돋움체 Light" panose="00000300000000000000" pitchFamily="2" charset="-127"/>
+                <a:ea typeface="KoPubWorld돋움체 Light" panose="00000300000000000000" pitchFamily="2" charset="-127"/>
+                <a:cs typeface="KoPubWorld돋움체 Light" panose="00000300000000000000" pitchFamily="2" charset="-127"/>
+              </a:rPr>
+              <a:t>Parent</a:t>
+            </a:r>
+            <a:endParaRPr lang="ko-KR" altLang="en-US" sz="1500" dirty="0">
+              <a:latin typeface="KoPubWorld돋움체 Light" panose="00000300000000000000" pitchFamily="2" charset="-127"/>
+              <a:ea typeface="KoPubWorld돋움체 Light" panose="00000300000000000000" pitchFamily="2" charset="-127"/>
+              <a:cs typeface="KoPubWorld돋움체 Light" panose="00000300000000000000" pitchFamily="2" charset="-127"/>
+            </a:endParaRPr>
+          </a:p>
+        </p:txBody>
+      </p:sp>
+      <p:sp>
+        <p:nvSpPr>
+          <p:cNvPr id="40" name="TextBox 39">
+            <a:extLst>
+              <a:ext uri="{FF2B5EF4-FFF2-40B4-BE49-F238E27FC236}">
+                <a16:creationId xmlns:a16="http://schemas.microsoft.com/office/drawing/2014/main" id="{000E6090-F3CA-46EF-972D-573F27BC100E}"/>
+              </a:ext>
+            </a:extLst>
+          </p:cNvPr>
+          <p:cNvSpPr txBox="1"/>
+          <p:nvPr/>
+        </p:nvSpPr>
+        <p:spPr>
+          <a:xfrm>
+            <a:off x="9058377" y="4914700"/>
+            <a:ext cx="293670" cy="323165"/>
+          </a:xfrm>
+          <a:prstGeom prst="rect">
+            <a:avLst/>
+          </a:prstGeom>
+          <a:noFill/>
+        </p:spPr>
+        <p:txBody>
+          <a:bodyPr wrap="none" rtlCol="0">
+            <a:spAutoFit/>
+          </a:bodyPr>
+          <a:lstStyle/>
+          <a:p>
+            <a:r>
+              <a:rPr lang="en-US" altLang="ko-KR" sz="1500" dirty="0">
+                <a:latin typeface="KoPubWorld돋움체 Light" panose="00000300000000000000" pitchFamily="2" charset="-127"/>
+                <a:ea typeface="KoPubWorld돋움체 Light" panose="00000300000000000000" pitchFamily="2" charset="-127"/>
+                <a:cs typeface="KoPubWorld돋움체 Light" panose="00000300000000000000" pitchFamily="2" charset="-127"/>
+              </a:rPr>
+              <a:t>1</a:t>
+            </a:r>
+            <a:endParaRPr lang="ko-KR" altLang="en-US" sz="1500" dirty="0">
+              <a:latin typeface="KoPubWorld돋움체 Light" panose="00000300000000000000" pitchFamily="2" charset="-127"/>
+              <a:ea typeface="KoPubWorld돋움체 Light" panose="00000300000000000000" pitchFamily="2" charset="-127"/>
+              <a:cs typeface="KoPubWorld돋움체 Light" panose="00000300000000000000" pitchFamily="2" charset="-127"/>
+            </a:endParaRPr>
+          </a:p>
+        </p:txBody>
+      </p:sp>
+      <p:grpSp>
+        <p:nvGrpSpPr>
+          <p:cNvPr id="42" name="그룹 41">
+            <a:extLst>
+              <a:ext uri="{FF2B5EF4-FFF2-40B4-BE49-F238E27FC236}">
+                <a16:creationId xmlns:a16="http://schemas.microsoft.com/office/drawing/2014/main" id="{AB8D0556-EADE-4BFA-A94F-91EE134A189C}"/>
+              </a:ext>
+            </a:extLst>
+          </p:cNvPr>
+          <p:cNvGrpSpPr/>
+          <p:nvPr/>
+        </p:nvGrpSpPr>
+        <p:grpSpPr>
+          <a:xfrm>
+            <a:off x="1331458" y="1415998"/>
+            <a:ext cx="2311628" cy="1100123"/>
+            <a:chOff x="6095999" y="-2075778"/>
+            <a:chExt cx="4010525" cy="1100123"/>
+          </a:xfrm>
+        </p:grpSpPr>
+        <p:sp>
+          <p:nvSpPr>
+            <p:cNvPr id="43" name="TextBox 42">
+              <a:extLst>
+                <a:ext uri="{FF2B5EF4-FFF2-40B4-BE49-F238E27FC236}">
+                  <a16:creationId xmlns:a16="http://schemas.microsoft.com/office/drawing/2014/main" id="{4AB2FB72-8FA4-4DA0-8C5B-6238AE7408AA}"/>
+                </a:ext>
+              </a:extLst>
+            </p:cNvPr>
+            <p:cNvSpPr txBox="1"/>
+            <p:nvPr/>
+          </p:nvSpPr>
+          <p:spPr>
+            <a:xfrm>
+              <a:off x="6095999" y="-2075778"/>
+              <a:ext cx="4010523" cy="556676"/>
+            </a:xfrm>
+            <a:prstGeom prst="rect">
+              <a:avLst/>
+            </a:prstGeom>
+            <a:solidFill>
+              <a:schemeClr val="bg1"/>
+            </a:solidFill>
+            <a:ln w="19050">
+              <a:solidFill>
+                <a:schemeClr val="tx1"/>
+              </a:solidFill>
+            </a:ln>
+          </p:spPr>
+          <p:txBody>
+            <a:bodyPr wrap="square" rtlCol="0" anchor="ctr">
+              <a:spAutoFit/>
+            </a:bodyPr>
+            <a:lstStyle/>
+            <a:p>
+              <a:pPr algn="ctr"/>
+              <a:endParaRPr lang="en-US" altLang="ko-KR" sz="500" dirty="0">
+                <a:latin typeface="KoPubWorld돋움체 Medium" panose="00000600000000000000" pitchFamily="2" charset="-127"/>
+                <a:ea typeface="KoPubWorld돋움체 Medium" panose="00000600000000000000" pitchFamily="2" charset="-127"/>
+                <a:cs typeface="KoPubWorld돋움체 Medium" panose="00000600000000000000" pitchFamily="2" charset="-127"/>
+              </a:endParaRPr>
+            </a:p>
+            <a:p>
+              <a:pPr algn="ctr"/>
+              <a:r>
+                <a:rPr lang="en-US" altLang="ko-KR" sz="2000" dirty="0">
+                  <a:latin typeface="KoPubWorld돋움체 Bold" panose="00000800000000000000" pitchFamily="2" charset="-127"/>
+                  <a:ea typeface="KoPubWorld돋움체 Bold" panose="00000800000000000000" pitchFamily="2" charset="-127"/>
+                  <a:cs typeface="KoPubWorld돋움체 Bold" panose="00000800000000000000" pitchFamily="2" charset="-127"/>
+                </a:rPr>
+                <a:t>Client</a:t>
+              </a:r>
+            </a:p>
+            <a:p>
+              <a:pPr algn="ctr"/>
+              <a:endParaRPr lang="ko-KR" altLang="en-US" sz="500" dirty="0">
+                <a:latin typeface="KoPubWorld돋움체 Medium" panose="00000600000000000000" pitchFamily="2" charset="-127"/>
+                <a:ea typeface="KoPubWorld돋움체 Medium" panose="00000600000000000000" pitchFamily="2" charset="-127"/>
+                <a:cs typeface="KoPubWorld돋움체 Medium" panose="00000600000000000000" pitchFamily="2" charset="-127"/>
+              </a:endParaRPr>
+            </a:p>
+          </p:txBody>
+        </p:sp>
+        <p:sp>
+          <p:nvSpPr>
+            <p:cNvPr id="45" name="TextBox 44">
+              <a:extLst>
+                <a:ext uri="{FF2B5EF4-FFF2-40B4-BE49-F238E27FC236}">
+                  <a16:creationId xmlns:a16="http://schemas.microsoft.com/office/drawing/2014/main" id="{0B49B4C1-D60D-400F-9D5A-238A73E5512D}"/>
+                </a:ext>
+              </a:extLst>
+            </p:cNvPr>
+            <p:cNvSpPr txBox="1"/>
+            <p:nvPr/>
+          </p:nvSpPr>
+          <p:spPr>
+            <a:xfrm>
+              <a:off x="6095999" y="-1529653"/>
+              <a:ext cx="4010525" cy="553998"/>
+            </a:xfrm>
+            <a:prstGeom prst="rect">
+              <a:avLst/>
+            </a:prstGeom>
+            <a:solidFill>
+              <a:schemeClr val="bg1"/>
+            </a:solidFill>
+            <a:ln w="19050">
+              <a:solidFill>
+                <a:schemeClr val="tx1"/>
+              </a:solidFill>
+            </a:ln>
+          </p:spPr>
+          <p:txBody>
+            <a:bodyPr wrap="square" rtlCol="0" anchor="ctr">
+              <a:spAutoFit/>
+            </a:bodyPr>
+            <a:lstStyle/>
+            <a:p>
+              <a:endParaRPr lang="en-US" altLang="ko-KR" sz="500" dirty="0">
+                <a:latin typeface="KoPubWorld돋움체 Medium" panose="00000600000000000000" pitchFamily="2" charset="-127"/>
+                <a:ea typeface="KoPubWorld돋움체 Medium" panose="00000600000000000000" pitchFamily="2" charset="-127"/>
+                <a:cs typeface="KoPubWorld돋움체 Medium" panose="00000600000000000000" pitchFamily="2" charset="-127"/>
+              </a:endParaRPr>
+            </a:p>
+            <a:p>
+              <a:endParaRPr lang="en-US" altLang="ko-KR" sz="2000" dirty="0">
+                <a:latin typeface="KoPubWorld돋움체 Medium" panose="00000600000000000000" pitchFamily="2" charset="-127"/>
+                <a:ea typeface="KoPubWorld돋움체 Medium" panose="00000600000000000000" pitchFamily="2" charset="-127"/>
+                <a:cs typeface="KoPubWorld돋움체 Medium" panose="00000600000000000000" pitchFamily="2" charset="-127"/>
+              </a:endParaRPr>
+            </a:p>
+            <a:p>
+              <a:endParaRPr lang="ko-KR" altLang="en-US" sz="500" dirty="0">
+                <a:latin typeface="KoPubWorld돋움체 Medium" panose="00000600000000000000" pitchFamily="2" charset="-127"/>
+                <a:ea typeface="KoPubWorld돋움체 Medium" panose="00000600000000000000" pitchFamily="2" charset="-127"/>
+                <a:cs typeface="KoPubWorld돋움체 Medium" panose="00000600000000000000" pitchFamily="2" charset="-127"/>
+              </a:endParaRPr>
+            </a:p>
+          </p:txBody>
+        </p:sp>
+      </p:grpSp>
+      <p:cxnSp>
+        <p:nvCxnSpPr>
+          <p:cNvPr id="46" name="직선 화살표 연결선 45">
+            <a:extLst>
+              <a:ext uri="{FF2B5EF4-FFF2-40B4-BE49-F238E27FC236}">
+                <a16:creationId xmlns:a16="http://schemas.microsoft.com/office/drawing/2014/main" id="{4230C196-AA69-471B-B2AD-0DC85B8A725B}"/>
+              </a:ext>
+            </a:extLst>
+          </p:cNvPr>
+          <p:cNvCxnSpPr>
+            <a:cxnSpLocks/>
+            <a:stCxn id="43" idx="3"/>
+            <a:endCxn id="9" idx="1"/>
+          </p:cNvCxnSpPr>
+          <p:nvPr/>
+        </p:nvCxnSpPr>
+        <p:spPr>
+          <a:xfrm flipV="1">
+            <a:off x="3643085" y="1693509"/>
+            <a:ext cx="1336914" cy="827"/>
+          </a:xfrm>
+          <a:prstGeom prst="straightConnector1">
+            <a:avLst/>
+          </a:prstGeom>
+          <a:ln w="19050">
+            <a:tailEnd type="triangle"/>
+          </a:ln>
+        </p:spPr>
+        <p:style>
+          <a:lnRef idx="1">
+            <a:schemeClr val="dk1"/>
+          </a:lnRef>
+          <a:fillRef idx="0">
+            <a:schemeClr val="dk1"/>
+          </a:fillRef>
+          <a:effectRef idx="0">
+            <a:schemeClr val="dk1"/>
+          </a:effectRef>
+          <a:fontRef idx="minor">
+            <a:schemeClr val="tx1"/>
+          </a:fontRef>
+        </p:style>
+      </p:cxnSp>
+      <p:sp>
+        <p:nvSpPr>
+          <p:cNvPr id="20" name="이등변 삼각형 19">
+            <a:extLst>
+              <a:ext uri="{FF2B5EF4-FFF2-40B4-BE49-F238E27FC236}">
+                <a16:creationId xmlns:a16="http://schemas.microsoft.com/office/drawing/2014/main" id="{102B0441-1FFB-4CCB-9A78-C07BD529BB97}"/>
+              </a:ext>
+            </a:extLst>
+          </p:cNvPr>
+          <p:cNvSpPr/>
+          <p:nvPr/>
+        </p:nvSpPr>
+        <p:spPr>
+          <a:xfrm rot="5400000">
+            <a:off x="4854057" y="1651250"/>
+            <a:ext cx="125868" cy="88100"/>
+          </a:xfrm>
+          <a:prstGeom prst="triangle">
+            <a:avLst/>
+          </a:prstGeom>
+          <a:solidFill>
+            <a:schemeClr val="tx1"/>
+          </a:solidFill>
+          <a:ln w="19050">
+            <a:solidFill>
+              <a:schemeClr val="tx1"/>
+            </a:solidFill>
+          </a:ln>
+        </p:spPr>
+        <p:style>
+          <a:lnRef idx="2">
+            <a:schemeClr val="accent1">
+              <a:shade val="50000"/>
+            </a:schemeClr>
+          </a:lnRef>
+          <a:fillRef idx="1">
+            <a:schemeClr val="accent1"/>
+          </a:fillRef>
+          <a:effectRef idx="0">
+            <a:schemeClr val="accent1"/>
+          </a:effectRef>
+          <a:fontRef idx="minor">
+            <a:schemeClr val="lt1"/>
+          </a:fontRef>
+        </p:style>
+        <p:txBody>
+          <a:bodyPr rtlCol="0" anchor="ctr"/>
+          <a:lstStyle/>
+          <a:p>
+            <a:pPr algn="ctr"/>
+            <a:endParaRPr lang="ko-KR" altLang="en-US"/>
+          </a:p>
+        </p:txBody>
+      </p:sp>
+    </p:spTree>
+    <p:extLst>
+      <p:ext uri="{BB962C8B-B14F-4D97-AF65-F5344CB8AC3E}">
+        <p14:creationId xmlns:p14="http://schemas.microsoft.com/office/powerpoint/2010/main" val="607091327"/>
+      </p:ext>
+    </p:extLst>
+  </p:cSld>
+  <p:clrMapOvr>
+    <a:masterClrMapping/>
+  </p:clrMapOvr>
+</p:sld>
+</file>
+
 <file path=ppt/theme/theme1.xml><?xml version="1.0" encoding="utf-8"?>
 <a:theme xmlns:a="http://schemas.openxmlformats.org/drawingml/2006/main" name="Office 테마">
   <a:themeElements>

--- a/00. 기획 수업/과제/201031 기획과제_디자인패턴 uml.pptx
+++ b/00. 기획 수업/과제/201031 기획과제_디자인패턴 uml.pptx
@@ -12,6 +12,8 @@
     <p:sldId id="260" r:id="rId6"/>
     <p:sldId id="261" r:id="rId7"/>
     <p:sldId id="262" r:id="rId8"/>
+    <p:sldId id="263" r:id="rId9"/>
+    <p:sldId id="264" r:id="rId10"/>
   </p:sldIdLst>
   <p:sldSz cx="12192000" cy="6858000"/>
   <p:notesSz cx="6858000" cy="9144000"/>
@@ -118,7 +120,7 @@
             <a:srgbClr val="A4A3A4"/>
           </p15:clr>
         </p15:guide>
-        <p15:guide id="2" pos="3840" userDrawn="1">
+        <p15:guide id="2" pos="3863" userDrawn="1">
           <p15:clr>
             <a:srgbClr val="A4A3A4"/>
           </p15:clr>
@@ -276,7 +278,7 @@
           <a:p>
             <a:fld id="{F6080DF6-CA38-4F2E-92FA-9F0C4C67C00A}" type="datetimeFigureOut">
               <a:rPr lang="ko-KR" altLang="en-US" smtClean="0"/>
-              <a:t>2020-11-06</a:t>
+              <a:t>2020-11-12</a:t>
             </a:fld>
             <a:endParaRPr lang="ko-KR" altLang="en-US"/>
           </a:p>
@@ -474,7 +476,7 @@
           <a:p>
             <a:fld id="{F6080DF6-CA38-4F2E-92FA-9F0C4C67C00A}" type="datetimeFigureOut">
               <a:rPr lang="ko-KR" altLang="en-US" smtClean="0"/>
-              <a:t>2020-11-06</a:t>
+              <a:t>2020-11-12</a:t>
             </a:fld>
             <a:endParaRPr lang="ko-KR" altLang="en-US"/>
           </a:p>
@@ -682,7 +684,7 @@
           <a:p>
             <a:fld id="{F6080DF6-CA38-4F2E-92FA-9F0C4C67C00A}" type="datetimeFigureOut">
               <a:rPr lang="ko-KR" altLang="en-US" smtClean="0"/>
-              <a:t>2020-11-06</a:t>
+              <a:t>2020-11-12</a:t>
             </a:fld>
             <a:endParaRPr lang="ko-KR" altLang="en-US"/>
           </a:p>
@@ -880,7 +882,7 @@
           <a:p>
             <a:fld id="{F6080DF6-CA38-4F2E-92FA-9F0C4C67C00A}" type="datetimeFigureOut">
               <a:rPr lang="ko-KR" altLang="en-US" smtClean="0"/>
-              <a:t>2020-11-06</a:t>
+              <a:t>2020-11-12</a:t>
             </a:fld>
             <a:endParaRPr lang="ko-KR" altLang="en-US"/>
           </a:p>
@@ -1155,7 +1157,7 @@
           <a:p>
             <a:fld id="{F6080DF6-CA38-4F2E-92FA-9F0C4C67C00A}" type="datetimeFigureOut">
               <a:rPr lang="ko-KR" altLang="en-US" smtClean="0"/>
-              <a:t>2020-11-06</a:t>
+              <a:t>2020-11-12</a:t>
             </a:fld>
             <a:endParaRPr lang="ko-KR" altLang="en-US"/>
           </a:p>
@@ -1420,7 +1422,7 @@
           <a:p>
             <a:fld id="{F6080DF6-CA38-4F2E-92FA-9F0C4C67C00A}" type="datetimeFigureOut">
               <a:rPr lang="ko-KR" altLang="en-US" smtClean="0"/>
-              <a:t>2020-11-06</a:t>
+              <a:t>2020-11-12</a:t>
             </a:fld>
             <a:endParaRPr lang="ko-KR" altLang="en-US"/>
           </a:p>
@@ -1832,7 +1834,7 @@
           <a:p>
             <a:fld id="{F6080DF6-CA38-4F2E-92FA-9F0C4C67C00A}" type="datetimeFigureOut">
               <a:rPr lang="ko-KR" altLang="en-US" smtClean="0"/>
-              <a:t>2020-11-06</a:t>
+              <a:t>2020-11-12</a:t>
             </a:fld>
             <a:endParaRPr lang="ko-KR" altLang="en-US"/>
           </a:p>
@@ -1973,7 +1975,7 @@
           <a:p>
             <a:fld id="{F6080DF6-CA38-4F2E-92FA-9F0C4C67C00A}" type="datetimeFigureOut">
               <a:rPr lang="ko-KR" altLang="en-US" smtClean="0"/>
-              <a:t>2020-11-06</a:t>
+              <a:t>2020-11-12</a:t>
             </a:fld>
             <a:endParaRPr lang="ko-KR" altLang="en-US"/>
           </a:p>
@@ -2086,7 +2088,7 @@
           <a:p>
             <a:fld id="{F6080DF6-CA38-4F2E-92FA-9F0C4C67C00A}" type="datetimeFigureOut">
               <a:rPr lang="ko-KR" altLang="en-US" smtClean="0"/>
-              <a:t>2020-11-06</a:t>
+              <a:t>2020-11-12</a:t>
             </a:fld>
             <a:endParaRPr lang="ko-KR" altLang="en-US"/>
           </a:p>
@@ -2397,7 +2399,7 @@
           <a:p>
             <a:fld id="{F6080DF6-CA38-4F2E-92FA-9F0C4C67C00A}" type="datetimeFigureOut">
               <a:rPr lang="ko-KR" altLang="en-US" smtClean="0"/>
-              <a:t>2020-11-06</a:t>
+              <a:t>2020-11-12</a:t>
             </a:fld>
             <a:endParaRPr lang="ko-KR" altLang="en-US"/>
           </a:p>
@@ -2685,7 +2687,7 @@
           <a:p>
             <a:fld id="{F6080DF6-CA38-4F2E-92FA-9F0C4C67C00A}" type="datetimeFigureOut">
               <a:rPr lang="ko-KR" altLang="en-US" smtClean="0"/>
-              <a:t>2020-11-06</a:t>
+              <a:t>2020-11-12</a:t>
             </a:fld>
             <a:endParaRPr lang="ko-KR" altLang="en-US"/>
           </a:p>
@@ -2926,7 +2928,7 @@
           <a:p>
             <a:fld id="{F6080DF6-CA38-4F2E-92FA-9F0C4C67C00A}" type="datetimeFigureOut">
               <a:rPr lang="ko-KR" altLang="en-US" smtClean="0"/>
-              <a:t>2020-11-06</a:t>
+              <a:t>2020-11-12</a:t>
             </a:fld>
             <a:endParaRPr lang="ko-KR" altLang="en-US"/>
           </a:p>
@@ -10603,6 +10605,2121 @@
 </p:sld>
 </file>
 
+<file path=ppt/slides/slide8.xml><?xml version="1.0" encoding="utf-8"?>
+<p:sld xmlns:a="http://schemas.openxmlformats.org/drawingml/2006/main" xmlns:r="http://schemas.openxmlformats.org/officeDocument/2006/relationships" xmlns:p="http://schemas.openxmlformats.org/presentationml/2006/main">
+  <p:cSld>
+    <p:spTree>
+      <p:nvGrpSpPr>
+        <p:cNvPr id="1" name=""/>
+        <p:cNvGrpSpPr/>
+        <p:nvPr/>
+      </p:nvGrpSpPr>
+      <p:grpSpPr>
+        <a:xfrm>
+          <a:off x="0" y="0"/>
+          <a:ext cx="0" cy="0"/>
+          <a:chOff x="0" y="0"/>
+          <a:chExt cx="0" cy="0"/>
+        </a:xfrm>
+      </p:grpSpPr>
+      <p:sp>
+        <p:nvSpPr>
+          <p:cNvPr id="49" name="TextBox 48">
+            <a:extLst>
+              <a:ext uri="{FF2B5EF4-FFF2-40B4-BE49-F238E27FC236}">
+                <a16:creationId xmlns:a16="http://schemas.microsoft.com/office/drawing/2014/main" id="{7CFAB7D3-BA53-46CB-8450-3E3E5AD1C706}"/>
+              </a:ext>
+            </a:extLst>
+          </p:cNvPr>
+          <p:cNvSpPr txBox="1"/>
+          <p:nvPr/>
+        </p:nvSpPr>
+        <p:spPr>
+          <a:xfrm>
+            <a:off x="204267" y="257175"/>
+            <a:ext cx="2497800" cy="369332"/>
+          </a:xfrm>
+          <a:prstGeom prst="rect">
+            <a:avLst/>
+          </a:prstGeom>
+          <a:noFill/>
+        </p:spPr>
+        <p:txBody>
+          <a:bodyPr wrap="none" rtlCol="0">
+            <a:spAutoFit/>
+          </a:bodyPr>
+          <a:lstStyle/>
+          <a:p>
+            <a:r>
+              <a:rPr lang="en-US" altLang="ko-KR" dirty="0">
+                <a:latin typeface="KoPubWorld돋움체 Medium" panose="00000600000000000000" pitchFamily="2" charset="-127"/>
+                <a:ea typeface="KoPubWorld돋움체 Medium" panose="00000600000000000000" pitchFamily="2" charset="-127"/>
+                <a:cs typeface="KoPubWorld돋움체 Medium" panose="00000600000000000000" pitchFamily="2" charset="-127"/>
+              </a:rPr>
+              <a:t>Iterator </a:t>
+            </a:r>
+            <a:r>
+              <a:rPr lang="en-US" altLang="ko-KR" dirty="0" err="1">
+                <a:latin typeface="KoPubWorld돋움체 Medium" panose="00000600000000000000" pitchFamily="2" charset="-127"/>
+                <a:ea typeface="KoPubWorld돋움체 Medium" panose="00000600000000000000" pitchFamily="2" charset="-127"/>
+                <a:cs typeface="KoPubWorld돋움체 Medium" panose="00000600000000000000" pitchFamily="2" charset="-127"/>
+              </a:rPr>
+              <a:t>Pattern_Class</a:t>
+            </a:r>
+            <a:endParaRPr lang="ko-KR" altLang="en-US" dirty="0">
+              <a:latin typeface="KoPubWorld돋움체 Medium" panose="00000600000000000000" pitchFamily="2" charset="-127"/>
+              <a:ea typeface="KoPubWorld돋움체 Medium" panose="00000600000000000000" pitchFamily="2" charset="-127"/>
+              <a:cs typeface="KoPubWorld돋움체 Medium" panose="00000600000000000000" pitchFamily="2" charset="-127"/>
+            </a:endParaRPr>
+          </a:p>
+        </p:txBody>
+      </p:sp>
+      <p:grpSp>
+        <p:nvGrpSpPr>
+          <p:cNvPr id="18" name="그룹 17">
+            <a:extLst>
+              <a:ext uri="{FF2B5EF4-FFF2-40B4-BE49-F238E27FC236}">
+                <a16:creationId xmlns:a16="http://schemas.microsoft.com/office/drawing/2014/main" id="{BFCC7230-E524-44DB-AE22-75B9206658B4}"/>
+              </a:ext>
+            </a:extLst>
+          </p:cNvPr>
+          <p:cNvGrpSpPr/>
+          <p:nvPr/>
+        </p:nvGrpSpPr>
+        <p:grpSpPr>
+          <a:xfrm>
+            <a:off x="8116190" y="1422343"/>
+            <a:ext cx="2725430" cy="1402674"/>
+            <a:chOff x="6095999" y="-2075778"/>
+            <a:chExt cx="4010525" cy="1409019"/>
+          </a:xfrm>
+        </p:grpSpPr>
+        <p:sp>
+          <p:nvSpPr>
+            <p:cNvPr id="9" name="TextBox 8">
+              <a:extLst>
+                <a:ext uri="{FF2B5EF4-FFF2-40B4-BE49-F238E27FC236}">
+                  <a16:creationId xmlns:a16="http://schemas.microsoft.com/office/drawing/2014/main" id="{0E5B1ADB-ECCD-48CD-8ACC-1C781AC5ED72}"/>
+                </a:ext>
+              </a:extLst>
+            </p:cNvPr>
+            <p:cNvSpPr txBox="1"/>
+            <p:nvPr/>
+          </p:nvSpPr>
+          <p:spPr>
+            <a:xfrm>
+              <a:off x="6095999" y="-2075778"/>
+              <a:ext cx="4010524" cy="556676"/>
+            </a:xfrm>
+            <a:prstGeom prst="rect">
+              <a:avLst/>
+            </a:prstGeom>
+            <a:solidFill>
+              <a:schemeClr val="bg1"/>
+            </a:solidFill>
+            <a:ln w="19050">
+              <a:solidFill>
+                <a:schemeClr val="tx1"/>
+              </a:solidFill>
+            </a:ln>
+          </p:spPr>
+          <p:txBody>
+            <a:bodyPr wrap="square" rtlCol="0" anchor="ctr">
+              <a:spAutoFit/>
+            </a:bodyPr>
+            <a:lstStyle/>
+            <a:p>
+              <a:pPr algn="ctr"/>
+              <a:endParaRPr lang="en-US" altLang="ko-KR" sz="500" dirty="0">
+                <a:latin typeface="KoPubWorld돋움체 Medium" panose="00000600000000000000" pitchFamily="2" charset="-127"/>
+                <a:ea typeface="KoPubWorld돋움체 Medium" panose="00000600000000000000" pitchFamily="2" charset="-127"/>
+                <a:cs typeface="KoPubWorld돋움체 Medium" panose="00000600000000000000" pitchFamily="2" charset="-127"/>
+              </a:endParaRPr>
+            </a:p>
+            <a:p>
+              <a:pPr algn="ctr"/>
+              <a:r>
+                <a:rPr lang="en-US" altLang="ko-KR" sz="2000" dirty="0">
+                  <a:latin typeface="KoPubWorld돋움체 Bold" panose="00000800000000000000" pitchFamily="2" charset="-127"/>
+                  <a:ea typeface="KoPubWorld돋움체 Bold" panose="00000800000000000000" pitchFamily="2" charset="-127"/>
+                  <a:cs typeface="KoPubWorld돋움체 Bold" panose="00000800000000000000" pitchFamily="2" charset="-127"/>
+                </a:rPr>
+                <a:t>Iterator</a:t>
+              </a:r>
+            </a:p>
+            <a:p>
+              <a:pPr algn="ctr"/>
+              <a:endParaRPr lang="ko-KR" altLang="en-US" sz="500" dirty="0">
+                <a:latin typeface="KoPubWorld돋움체 Medium" panose="00000600000000000000" pitchFamily="2" charset="-127"/>
+                <a:ea typeface="KoPubWorld돋움체 Medium" panose="00000600000000000000" pitchFamily="2" charset="-127"/>
+                <a:cs typeface="KoPubWorld돋움체 Medium" panose="00000600000000000000" pitchFamily="2" charset="-127"/>
+              </a:endParaRPr>
+            </a:p>
+          </p:txBody>
+        </p:sp>
+        <p:sp>
+          <p:nvSpPr>
+            <p:cNvPr id="13" name="TextBox 12">
+              <a:extLst>
+                <a:ext uri="{FF2B5EF4-FFF2-40B4-BE49-F238E27FC236}">
+                  <a16:creationId xmlns:a16="http://schemas.microsoft.com/office/drawing/2014/main" id="{2F155D27-4EB8-42BA-8A34-CDC56C9FB509}"/>
+                </a:ext>
+              </a:extLst>
+            </p:cNvPr>
+            <p:cNvSpPr txBox="1"/>
+            <p:nvPr/>
+          </p:nvSpPr>
+          <p:spPr>
+            <a:xfrm>
+              <a:off x="6095999" y="-1528533"/>
+              <a:ext cx="4010525" cy="861774"/>
+            </a:xfrm>
+            <a:prstGeom prst="rect">
+              <a:avLst/>
+            </a:prstGeom>
+            <a:solidFill>
+              <a:schemeClr val="bg1"/>
+            </a:solidFill>
+            <a:ln w="19050">
+              <a:solidFill>
+                <a:schemeClr val="tx1"/>
+              </a:solidFill>
+            </a:ln>
+          </p:spPr>
+          <p:txBody>
+            <a:bodyPr wrap="square" rtlCol="0" anchor="ctr">
+              <a:spAutoFit/>
+            </a:bodyPr>
+            <a:lstStyle/>
+            <a:p>
+              <a:endParaRPr lang="en-US" altLang="ko-KR" sz="500" dirty="0">
+                <a:latin typeface="KoPubWorld돋움체 Medium" panose="00000600000000000000" pitchFamily="2" charset="-127"/>
+                <a:ea typeface="KoPubWorld돋움체 Medium" panose="00000600000000000000" pitchFamily="2" charset="-127"/>
+                <a:cs typeface="KoPubWorld돋움체 Medium" panose="00000600000000000000" pitchFamily="2" charset="-127"/>
+              </a:endParaRPr>
+            </a:p>
+            <a:p>
+              <a:r>
+                <a:rPr lang="en-US" altLang="ko-KR" sz="2000" dirty="0">
+                  <a:latin typeface="KoPubWorld돋움체 Medium" panose="00000600000000000000" pitchFamily="2" charset="-127"/>
+                  <a:ea typeface="KoPubWorld돋움체 Medium" panose="00000600000000000000" pitchFamily="2" charset="-127"/>
+                  <a:cs typeface="KoPubWorld돋움체 Medium" panose="00000600000000000000" pitchFamily="2" charset="-127"/>
+                </a:rPr>
+                <a:t>+ Next()</a:t>
+              </a:r>
+            </a:p>
+            <a:p>
+              <a:r>
+                <a:rPr lang="en-US" altLang="ko-KR" sz="2000" dirty="0">
+                  <a:latin typeface="KoPubWorld돋움체 Medium" panose="00000600000000000000" pitchFamily="2" charset="-127"/>
+                  <a:ea typeface="KoPubWorld돋움체 Medium" panose="00000600000000000000" pitchFamily="2" charset="-127"/>
+                  <a:cs typeface="KoPubWorld돋움체 Medium" panose="00000600000000000000" pitchFamily="2" charset="-127"/>
+                </a:rPr>
+                <a:t>+ </a:t>
+              </a:r>
+              <a:r>
+                <a:rPr lang="en-US" altLang="ko-KR" sz="2000" dirty="0" err="1">
+                  <a:latin typeface="KoPubWorld돋움체 Medium" panose="00000600000000000000" pitchFamily="2" charset="-127"/>
+                  <a:ea typeface="KoPubWorld돋움체 Medium" panose="00000600000000000000" pitchFamily="2" charset="-127"/>
+                  <a:cs typeface="KoPubWorld돋움체 Medium" panose="00000600000000000000" pitchFamily="2" charset="-127"/>
+                </a:rPr>
+                <a:t>HasNext</a:t>
+              </a:r>
+              <a:r>
+                <a:rPr lang="en-US" altLang="ko-KR" sz="2000" dirty="0">
+                  <a:latin typeface="KoPubWorld돋움체 Medium" panose="00000600000000000000" pitchFamily="2" charset="-127"/>
+                  <a:ea typeface="KoPubWorld돋움체 Medium" panose="00000600000000000000" pitchFamily="2" charset="-127"/>
+                  <a:cs typeface="KoPubWorld돋움체 Medium" panose="00000600000000000000" pitchFamily="2" charset="-127"/>
+                </a:rPr>
+                <a:t>()</a:t>
+              </a:r>
+            </a:p>
+            <a:p>
+              <a:endParaRPr lang="ko-KR" altLang="en-US" sz="500" dirty="0">
+                <a:latin typeface="KoPubWorld돋움체 Medium" panose="00000600000000000000" pitchFamily="2" charset="-127"/>
+                <a:ea typeface="KoPubWorld돋움체 Medium" panose="00000600000000000000" pitchFamily="2" charset="-127"/>
+                <a:cs typeface="KoPubWorld돋움체 Medium" panose="00000600000000000000" pitchFamily="2" charset="-127"/>
+              </a:endParaRPr>
+            </a:p>
+          </p:txBody>
+        </p:sp>
+      </p:grpSp>
+      <p:grpSp>
+        <p:nvGrpSpPr>
+          <p:cNvPr id="34" name="그룹 33">
+            <a:extLst>
+              <a:ext uri="{FF2B5EF4-FFF2-40B4-BE49-F238E27FC236}">
+                <a16:creationId xmlns:a16="http://schemas.microsoft.com/office/drawing/2014/main" id="{7F071343-8E9A-4544-8EF0-BA803B44338F}"/>
+              </a:ext>
+            </a:extLst>
+          </p:cNvPr>
+          <p:cNvGrpSpPr/>
+          <p:nvPr/>
+        </p:nvGrpSpPr>
+        <p:grpSpPr>
+          <a:xfrm>
+            <a:off x="1261635" y="3973727"/>
+            <a:ext cx="2814176" cy="1332808"/>
+            <a:chOff x="6095999" y="-1994409"/>
+            <a:chExt cx="4010525" cy="947741"/>
+          </a:xfrm>
+        </p:grpSpPr>
+        <p:sp>
+          <p:nvSpPr>
+            <p:cNvPr id="35" name="TextBox 34">
+              <a:extLst>
+                <a:ext uri="{FF2B5EF4-FFF2-40B4-BE49-F238E27FC236}">
+                  <a16:creationId xmlns:a16="http://schemas.microsoft.com/office/drawing/2014/main" id="{98324E66-FCE2-4A60-830F-B0078279527C}"/>
+                </a:ext>
+              </a:extLst>
+            </p:cNvPr>
+            <p:cNvSpPr txBox="1"/>
+            <p:nvPr/>
+          </p:nvSpPr>
+          <p:spPr>
+            <a:xfrm>
+              <a:off x="6095999" y="-1994409"/>
+              <a:ext cx="4010524" cy="393940"/>
+            </a:xfrm>
+            <a:prstGeom prst="rect">
+              <a:avLst/>
+            </a:prstGeom>
+            <a:solidFill>
+              <a:schemeClr val="bg1"/>
+            </a:solidFill>
+            <a:ln w="19050">
+              <a:solidFill>
+                <a:schemeClr val="tx1"/>
+              </a:solidFill>
+            </a:ln>
+          </p:spPr>
+          <p:txBody>
+            <a:bodyPr wrap="square" rtlCol="0" anchor="ctr">
+              <a:spAutoFit/>
+            </a:bodyPr>
+            <a:lstStyle/>
+            <a:p>
+              <a:pPr algn="ctr"/>
+              <a:endParaRPr lang="en-US" altLang="ko-KR" sz="500" dirty="0">
+                <a:latin typeface="KoPubWorld돋움체 Medium" panose="00000600000000000000" pitchFamily="2" charset="-127"/>
+                <a:ea typeface="KoPubWorld돋움체 Medium" panose="00000600000000000000" pitchFamily="2" charset="-127"/>
+                <a:cs typeface="KoPubWorld돋움체 Medium" panose="00000600000000000000" pitchFamily="2" charset="-127"/>
+              </a:endParaRPr>
+            </a:p>
+            <a:p>
+              <a:pPr algn="ctr"/>
+              <a:r>
+                <a:rPr lang="en-US" altLang="ko-KR" sz="2000" dirty="0" err="1">
+                  <a:latin typeface="KoPubWorld돋움체 Bold" panose="00000800000000000000" pitchFamily="2" charset="-127"/>
+                  <a:ea typeface="KoPubWorld돋움체 Bold" panose="00000800000000000000" pitchFamily="2" charset="-127"/>
+                  <a:cs typeface="KoPubWorld돋움체 Bold" panose="00000800000000000000" pitchFamily="2" charset="-127"/>
+                </a:rPr>
+                <a:t>ConcreteAggregate</a:t>
+              </a:r>
+              <a:endParaRPr lang="en-US" altLang="ko-KR" sz="2000" dirty="0">
+                <a:latin typeface="KoPubWorld돋움체 Bold" panose="00000800000000000000" pitchFamily="2" charset="-127"/>
+                <a:ea typeface="KoPubWorld돋움체 Bold" panose="00000800000000000000" pitchFamily="2" charset="-127"/>
+                <a:cs typeface="KoPubWorld돋움체 Bold" panose="00000800000000000000" pitchFamily="2" charset="-127"/>
+              </a:endParaRPr>
+            </a:p>
+            <a:p>
+              <a:pPr algn="ctr"/>
+              <a:endParaRPr lang="en-US" altLang="ko-KR" sz="500" dirty="0">
+                <a:latin typeface="KoPubWorld돋움체 Medium" panose="00000600000000000000" pitchFamily="2" charset="-127"/>
+                <a:ea typeface="KoPubWorld돋움체 Medium" panose="00000600000000000000" pitchFamily="2" charset="-127"/>
+                <a:cs typeface="KoPubWorld돋움체 Medium" panose="00000600000000000000" pitchFamily="2" charset="-127"/>
+              </a:endParaRPr>
+            </a:p>
+          </p:txBody>
+        </p:sp>
+        <p:sp>
+          <p:nvSpPr>
+            <p:cNvPr id="36" name="TextBox 35">
+              <a:extLst>
+                <a:ext uri="{FF2B5EF4-FFF2-40B4-BE49-F238E27FC236}">
+                  <a16:creationId xmlns:a16="http://schemas.microsoft.com/office/drawing/2014/main" id="{7C3E41EE-C9E8-4EFC-A402-A887B23A16C9}"/>
+                </a:ext>
+              </a:extLst>
+            </p:cNvPr>
+            <p:cNvSpPr txBox="1"/>
+            <p:nvPr/>
+          </p:nvSpPr>
+          <p:spPr>
+            <a:xfrm>
+              <a:off x="6095999" y="-1600666"/>
+              <a:ext cx="4010525" cy="553998"/>
+            </a:xfrm>
+            <a:prstGeom prst="rect">
+              <a:avLst/>
+            </a:prstGeom>
+            <a:solidFill>
+              <a:schemeClr val="bg1"/>
+            </a:solidFill>
+            <a:ln w="19050">
+              <a:solidFill>
+                <a:schemeClr val="tx1"/>
+              </a:solidFill>
+            </a:ln>
+          </p:spPr>
+          <p:txBody>
+            <a:bodyPr wrap="square" rtlCol="0" anchor="ctr">
+              <a:spAutoFit/>
+            </a:bodyPr>
+            <a:lstStyle/>
+            <a:p>
+              <a:endParaRPr lang="en-US" altLang="ko-KR" sz="500" dirty="0">
+                <a:latin typeface="KoPubWorld돋움체 Medium" panose="00000600000000000000" pitchFamily="2" charset="-127"/>
+                <a:ea typeface="KoPubWorld돋움체 Medium" panose="00000600000000000000" pitchFamily="2" charset="-127"/>
+                <a:cs typeface="KoPubWorld돋움체 Medium" panose="00000600000000000000" pitchFamily="2" charset="-127"/>
+              </a:endParaRPr>
+            </a:p>
+            <a:p>
+              <a:r>
+                <a:rPr lang="en-US" altLang="ko-KR" sz="2000" dirty="0">
+                  <a:latin typeface="KoPubWorld돋움체 Medium" panose="00000600000000000000" pitchFamily="2" charset="-127"/>
+                  <a:ea typeface="KoPubWorld돋움체 Medium" panose="00000600000000000000" pitchFamily="2" charset="-127"/>
+                  <a:cs typeface="KoPubWorld돋움체 Medium" panose="00000600000000000000" pitchFamily="2" charset="-127"/>
+                </a:rPr>
+                <a:t>+ Iterator()</a:t>
+              </a:r>
+            </a:p>
+            <a:p>
+              <a:endParaRPr lang="ko-KR" altLang="en-US" sz="500" dirty="0">
+                <a:latin typeface="KoPubWorld돋움체 Medium" panose="00000600000000000000" pitchFamily="2" charset="-127"/>
+                <a:ea typeface="KoPubWorld돋움체 Medium" panose="00000600000000000000" pitchFamily="2" charset="-127"/>
+                <a:cs typeface="KoPubWorld돋움체 Medium" panose="00000600000000000000" pitchFamily="2" charset="-127"/>
+              </a:endParaRPr>
+            </a:p>
+          </p:txBody>
+        </p:sp>
+      </p:grpSp>
+      <p:grpSp>
+        <p:nvGrpSpPr>
+          <p:cNvPr id="37" name="그룹 36">
+            <a:extLst>
+              <a:ext uri="{FF2B5EF4-FFF2-40B4-BE49-F238E27FC236}">
+                <a16:creationId xmlns:a16="http://schemas.microsoft.com/office/drawing/2014/main" id="{D9B23F92-1C8E-43E1-9A07-5C8DB0C0DAAD}"/>
+              </a:ext>
+            </a:extLst>
+          </p:cNvPr>
+          <p:cNvGrpSpPr/>
+          <p:nvPr/>
+        </p:nvGrpSpPr>
+        <p:grpSpPr>
+          <a:xfrm>
+            <a:off x="8116188" y="3951473"/>
+            <a:ext cx="2725428" cy="1390922"/>
+            <a:chOff x="6095999" y="-2075778"/>
+            <a:chExt cx="4010524" cy="1390922"/>
+          </a:xfrm>
+        </p:grpSpPr>
+        <p:sp>
+          <p:nvSpPr>
+            <p:cNvPr id="38" name="TextBox 37">
+              <a:extLst>
+                <a:ext uri="{FF2B5EF4-FFF2-40B4-BE49-F238E27FC236}">
+                  <a16:creationId xmlns:a16="http://schemas.microsoft.com/office/drawing/2014/main" id="{66E3B781-3DAD-45E0-8FC9-C4CF36232016}"/>
+                </a:ext>
+              </a:extLst>
+            </p:cNvPr>
+            <p:cNvSpPr txBox="1"/>
+            <p:nvPr/>
+          </p:nvSpPr>
+          <p:spPr>
+            <a:xfrm>
+              <a:off x="6095999" y="-2075778"/>
+              <a:ext cx="4010524" cy="556676"/>
+            </a:xfrm>
+            <a:prstGeom prst="rect">
+              <a:avLst/>
+            </a:prstGeom>
+            <a:solidFill>
+              <a:schemeClr val="bg1"/>
+            </a:solidFill>
+            <a:ln w="19050">
+              <a:solidFill>
+                <a:schemeClr val="tx1"/>
+              </a:solidFill>
+            </a:ln>
+          </p:spPr>
+          <p:txBody>
+            <a:bodyPr wrap="square" rtlCol="0" anchor="ctr">
+              <a:spAutoFit/>
+            </a:bodyPr>
+            <a:lstStyle/>
+            <a:p>
+              <a:pPr algn="ctr"/>
+              <a:endParaRPr lang="en-US" altLang="ko-KR" sz="500" dirty="0">
+                <a:latin typeface="KoPubWorld돋움체 Medium" panose="00000600000000000000" pitchFamily="2" charset="-127"/>
+                <a:ea typeface="KoPubWorld돋움체 Medium" panose="00000600000000000000" pitchFamily="2" charset="-127"/>
+                <a:cs typeface="KoPubWorld돋움체 Medium" panose="00000600000000000000" pitchFamily="2" charset="-127"/>
+              </a:endParaRPr>
+            </a:p>
+            <a:p>
+              <a:pPr algn="ctr"/>
+              <a:r>
+                <a:rPr lang="en-US" altLang="ko-KR" sz="2000" dirty="0" err="1">
+                  <a:latin typeface="KoPubWorld돋움체 Bold" panose="00000800000000000000" pitchFamily="2" charset="-127"/>
+                  <a:ea typeface="KoPubWorld돋움체 Bold" panose="00000800000000000000" pitchFamily="2" charset="-127"/>
+                  <a:cs typeface="KoPubWorld돋움체 Bold" panose="00000800000000000000" pitchFamily="2" charset="-127"/>
+                </a:rPr>
+                <a:t>ConcreteIterator</a:t>
+              </a:r>
+              <a:endParaRPr lang="en-US" altLang="ko-KR" sz="2000" dirty="0">
+                <a:latin typeface="KoPubWorld돋움체 Bold" panose="00000800000000000000" pitchFamily="2" charset="-127"/>
+                <a:ea typeface="KoPubWorld돋움체 Bold" panose="00000800000000000000" pitchFamily="2" charset="-127"/>
+                <a:cs typeface="KoPubWorld돋움체 Bold" panose="00000800000000000000" pitchFamily="2" charset="-127"/>
+              </a:endParaRPr>
+            </a:p>
+            <a:p>
+              <a:pPr algn="ctr"/>
+              <a:endParaRPr lang="ko-KR" altLang="en-US" sz="500" dirty="0">
+                <a:latin typeface="KoPubWorld돋움체 Medium" panose="00000600000000000000" pitchFamily="2" charset="-127"/>
+                <a:ea typeface="KoPubWorld돋움체 Medium" panose="00000600000000000000" pitchFamily="2" charset="-127"/>
+                <a:cs typeface="KoPubWorld돋움체 Medium" panose="00000600000000000000" pitchFamily="2" charset="-127"/>
+              </a:endParaRPr>
+            </a:p>
+          </p:txBody>
+        </p:sp>
+        <p:sp>
+          <p:nvSpPr>
+            <p:cNvPr id="39" name="TextBox 38">
+              <a:extLst>
+                <a:ext uri="{FF2B5EF4-FFF2-40B4-BE49-F238E27FC236}">
+                  <a16:creationId xmlns:a16="http://schemas.microsoft.com/office/drawing/2014/main" id="{87C7BD3F-C450-4AD6-B835-B00C258BA7BA}"/>
+                </a:ext>
+              </a:extLst>
+            </p:cNvPr>
+            <p:cNvSpPr txBox="1"/>
+            <p:nvPr/>
+          </p:nvSpPr>
+          <p:spPr>
+            <a:xfrm>
+              <a:off x="6095999" y="-1546630"/>
+              <a:ext cx="4010524" cy="861774"/>
+            </a:xfrm>
+            <a:prstGeom prst="rect">
+              <a:avLst/>
+            </a:prstGeom>
+            <a:solidFill>
+              <a:schemeClr val="bg1"/>
+            </a:solidFill>
+            <a:ln w="19050">
+              <a:solidFill>
+                <a:schemeClr val="tx1"/>
+              </a:solidFill>
+            </a:ln>
+          </p:spPr>
+          <p:txBody>
+            <a:bodyPr wrap="square" rtlCol="0" anchor="ctr">
+              <a:spAutoFit/>
+            </a:bodyPr>
+            <a:lstStyle/>
+            <a:p>
+              <a:endParaRPr lang="en-US" altLang="ko-KR" sz="500" dirty="0">
+                <a:latin typeface="KoPubWorld돋움체 Medium" panose="00000600000000000000" pitchFamily="2" charset="-127"/>
+                <a:ea typeface="KoPubWorld돋움체 Medium" panose="00000600000000000000" pitchFamily="2" charset="-127"/>
+                <a:cs typeface="KoPubWorld돋움체 Medium" panose="00000600000000000000" pitchFamily="2" charset="-127"/>
+              </a:endParaRPr>
+            </a:p>
+            <a:p>
+              <a:r>
+                <a:rPr lang="en-US" altLang="ko-KR" sz="2000" dirty="0">
+                  <a:latin typeface="KoPubWorld돋움체 Medium" panose="00000600000000000000" pitchFamily="2" charset="-127"/>
+                  <a:ea typeface="KoPubWorld돋움체 Medium" panose="00000600000000000000" pitchFamily="2" charset="-127"/>
+                  <a:cs typeface="KoPubWorld돋움체 Medium" panose="00000600000000000000" pitchFamily="2" charset="-127"/>
+                </a:rPr>
+                <a:t>+ Next()</a:t>
+              </a:r>
+            </a:p>
+            <a:p>
+              <a:r>
+                <a:rPr lang="en-US" altLang="ko-KR" sz="2000" dirty="0">
+                  <a:latin typeface="KoPubWorld돋움체 Medium" panose="00000600000000000000" pitchFamily="2" charset="-127"/>
+                  <a:ea typeface="KoPubWorld돋움체 Medium" panose="00000600000000000000" pitchFamily="2" charset="-127"/>
+                  <a:cs typeface="KoPubWorld돋움체 Medium" panose="00000600000000000000" pitchFamily="2" charset="-127"/>
+                </a:rPr>
+                <a:t>+ </a:t>
+              </a:r>
+              <a:r>
+                <a:rPr lang="en-US" altLang="ko-KR" sz="2000" dirty="0" err="1">
+                  <a:latin typeface="KoPubWorld돋움체 Medium" panose="00000600000000000000" pitchFamily="2" charset="-127"/>
+                  <a:ea typeface="KoPubWorld돋움체 Medium" panose="00000600000000000000" pitchFamily="2" charset="-127"/>
+                  <a:cs typeface="KoPubWorld돋움체 Medium" panose="00000600000000000000" pitchFamily="2" charset="-127"/>
+                </a:rPr>
+                <a:t>HasNext</a:t>
+              </a:r>
+              <a:r>
+                <a:rPr lang="en-US" altLang="ko-KR" sz="2000" dirty="0">
+                  <a:latin typeface="KoPubWorld돋움체 Medium" panose="00000600000000000000" pitchFamily="2" charset="-127"/>
+                  <a:ea typeface="KoPubWorld돋움체 Medium" panose="00000600000000000000" pitchFamily="2" charset="-127"/>
+                  <a:cs typeface="KoPubWorld돋움체 Medium" panose="00000600000000000000" pitchFamily="2" charset="-127"/>
+                </a:rPr>
+                <a:t>()</a:t>
+              </a:r>
+            </a:p>
+            <a:p>
+              <a:endParaRPr lang="ko-KR" altLang="en-US" sz="500" dirty="0">
+                <a:latin typeface="KoPubWorld돋움체 Medium" panose="00000600000000000000" pitchFamily="2" charset="-127"/>
+                <a:ea typeface="KoPubWorld돋움체 Medium" panose="00000600000000000000" pitchFamily="2" charset="-127"/>
+                <a:cs typeface="KoPubWorld돋움체 Medium" panose="00000600000000000000" pitchFamily="2" charset="-127"/>
+              </a:endParaRPr>
+            </a:p>
+          </p:txBody>
+        </p:sp>
+      </p:grpSp>
+      <p:grpSp>
+        <p:nvGrpSpPr>
+          <p:cNvPr id="42" name="그룹 41">
+            <a:extLst>
+              <a:ext uri="{FF2B5EF4-FFF2-40B4-BE49-F238E27FC236}">
+                <a16:creationId xmlns:a16="http://schemas.microsoft.com/office/drawing/2014/main" id="{AB8D0556-EADE-4BFA-A94F-91EE134A189C}"/>
+              </a:ext>
+            </a:extLst>
+          </p:cNvPr>
+          <p:cNvGrpSpPr/>
+          <p:nvPr/>
+        </p:nvGrpSpPr>
+        <p:grpSpPr>
+          <a:xfrm>
+            <a:off x="1261636" y="1413375"/>
+            <a:ext cx="2814174" cy="1382671"/>
+            <a:chOff x="6095999" y="-2075778"/>
+            <a:chExt cx="4010525" cy="1072312"/>
+          </a:xfrm>
+        </p:grpSpPr>
+        <p:sp>
+          <p:nvSpPr>
+            <p:cNvPr id="43" name="TextBox 42">
+              <a:extLst>
+                <a:ext uri="{FF2B5EF4-FFF2-40B4-BE49-F238E27FC236}">
+                  <a16:creationId xmlns:a16="http://schemas.microsoft.com/office/drawing/2014/main" id="{4AB2FB72-8FA4-4DA0-8C5B-6238AE7408AA}"/>
+                </a:ext>
+              </a:extLst>
+            </p:cNvPr>
+            <p:cNvSpPr txBox="1"/>
+            <p:nvPr/>
+          </p:nvSpPr>
+          <p:spPr>
+            <a:xfrm>
+              <a:off x="6095999" y="-2075778"/>
+              <a:ext cx="4010524" cy="556676"/>
+            </a:xfrm>
+            <a:prstGeom prst="rect">
+              <a:avLst/>
+            </a:prstGeom>
+            <a:solidFill>
+              <a:schemeClr val="bg1"/>
+            </a:solidFill>
+            <a:ln w="19050">
+              <a:solidFill>
+                <a:schemeClr val="tx1"/>
+              </a:solidFill>
+            </a:ln>
+          </p:spPr>
+          <p:txBody>
+            <a:bodyPr wrap="square" rtlCol="0" anchor="ctr">
+              <a:spAutoFit/>
+            </a:bodyPr>
+            <a:lstStyle/>
+            <a:p>
+              <a:pPr algn="ctr"/>
+              <a:endParaRPr lang="en-US" altLang="ko-KR" sz="500" dirty="0">
+                <a:latin typeface="KoPubWorld돋움체 Medium" panose="00000600000000000000" pitchFamily="2" charset="-127"/>
+                <a:ea typeface="KoPubWorld돋움체 Medium" panose="00000600000000000000" pitchFamily="2" charset="-127"/>
+                <a:cs typeface="KoPubWorld돋움체 Medium" panose="00000600000000000000" pitchFamily="2" charset="-127"/>
+              </a:endParaRPr>
+            </a:p>
+            <a:p>
+              <a:pPr algn="ctr"/>
+              <a:r>
+                <a:rPr lang="en-US" altLang="ko-KR" sz="2000" dirty="0">
+                  <a:latin typeface="KoPubWorld돋움체 Bold" panose="00000800000000000000" pitchFamily="2" charset="-127"/>
+                  <a:ea typeface="KoPubWorld돋움체 Bold" panose="00000800000000000000" pitchFamily="2" charset="-127"/>
+                  <a:cs typeface="KoPubWorld돋움체 Bold" panose="00000800000000000000" pitchFamily="2" charset="-127"/>
+                </a:rPr>
+                <a:t>Aggregate</a:t>
+              </a:r>
+            </a:p>
+            <a:p>
+              <a:pPr algn="ctr"/>
+              <a:endParaRPr lang="ko-KR" altLang="en-US" sz="500" dirty="0">
+                <a:latin typeface="KoPubWorld돋움체 Medium" panose="00000600000000000000" pitchFamily="2" charset="-127"/>
+                <a:ea typeface="KoPubWorld돋움체 Medium" panose="00000600000000000000" pitchFamily="2" charset="-127"/>
+                <a:cs typeface="KoPubWorld돋움체 Medium" panose="00000600000000000000" pitchFamily="2" charset="-127"/>
+              </a:endParaRPr>
+            </a:p>
+          </p:txBody>
+        </p:sp>
+        <p:sp>
+          <p:nvSpPr>
+            <p:cNvPr id="45" name="TextBox 44">
+              <a:extLst>
+                <a:ext uri="{FF2B5EF4-FFF2-40B4-BE49-F238E27FC236}">
+                  <a16:creationId xmlns:a16="http://schemas.microsoft.com/office/drawing/2014/main" id="{0B49B4C1-D60D-400F-9D5A-238A73E5512D}"/>
+                </a:ext>
+              </a:extLst>
+            </p:cNvPr>
+            <p:cNvSpPr txBox="1"/>
+            <p:nvPr/>
+          </p:nvSpPr>
+          <p:spPr>
+            <a:xfrm>
+              <a:off x="6095999" y="-1557464"/>
+              <a:ext cx="4010525" cy="553998"/>
+            </a:xfrm>
+            <a:prstGeom prst="rect">
+              <a:avLst/>
+            </a:prstGeom>
+            <a:solidFill>
+              <a:schemeClr val="bg1"/>
+            </a:solidFill>
+            <a:ln w="19050">
+              <a:solidFill>
+                <a:schemeClr val="tx1"/>
+              </a:solidFill>
+            </a:ln>
+          </p:spPr>
+          <p:txBody>
+            <a:bodyPr wrap="square" rtlCol="0" anchor="ctr">
+              <a:spAutoFit/>
+            </a:bodyPr>
+            <a:lstStyle/>
+            <a:p>
+              <a:endParaRPr lang="en-US" altLang="ko-KR" sz="500" dirty="0">
+                <a:latin typeface="KoPubWorld돋움체 Medium" panose="00000600000000000000" pitchFamily="2" charset="-127"/>
+                <a:ea typeface="KoPubWorld돋움체 Medium" panose="00000600000000000000" pitchFamily="2" charset="-127"/>
+                <a:cs typeface="KoPubWorld돋움체 Medium" panose="00000600000000000000" pitchFamily="2" charset="-127"/>
+              </a:endParaRPr>
+            </a:p>
+            <a:p>
+              <a:r>
+                <a:rPr lang="en-US" altLang="ko-KR" sz="2000" dirty="0">
+                  <a:latin typeface="KoPubWorld돋움체 Medium" panose="00000600000000000000" pitchFamily="2" charset="-127"/>
+                  <a:ea typeface="KoPubWorld돋움체 Medium" panose="00000600000000000000" pitchFamily="2" charset="-127"/>
+                  <a:cs typeface="KoPubWorld돋움체 Medium" panose="00000600000000000000" pitchFamily="2" charset="-127"/>
+                </a:rPr>
+                <a:t>+ Iterator()</a:t>
+              </a:r>
+            </a:p>
+            <a:p>
+              <a:endParaRPr lang="ko-KR" altLang="en-US" sz="500" dirty="0">
+                <a:latin typeface="KoPubWorld돋움체 Medium" panose="00000600000000000000" pitchFamily="2" charset="-127"/>
+                <a:ea typeface="KoPubWorld돋움체 Medium" panose="00000600000000000000" pitchFamily="2" charset="-127"/>
+                <a:cs typeface="KoPubWorld돋움체 Medium" panose="00000600000000000000" pitchFamily="2" charset="-127"/>
+              </a:endParaRPr>
+            </a:p>
+          </p:txBody>
+        </p:sp>
+      </p:grpSp>
+      <p:cxnSp>
+        <p:nvCxnSpPr>
+          <p:cNvPr id="46" name="직선 화살표 연결선 45">
+            <a:extLst>
+              <a:ext uri="{FF2B5EF4-FFF2-40B4-BE49-F238E27FC236}">
+                <a16:creationId xmlns:a16="http://schemas.microsoft.com/office/drawing/2014/main" id="{4230C196-AA69-471B-B2AD-0DC85B8A725B}"/>
+              </a:ext>
+            </a:extLst>
+          </p:cNvPr>
+          <p:cNvCxnSpPr>
+            <a:cxnSpLocks/>
+            <a:stCxn id="9" idx="1"/>
+            <a:endCxn id="43" idx="3"/>
+          </p:cNvCxnSpPr>
+          <p:nvPr/>
+        </p:nvCxnSpPr>
+        <p:spPr>
+          <a:xfrm flipH="1">
+            <a:off x="4075809" y="1699428"/>
+            <a:ext cx="4040381" cy="72845"/>
+          </a:xfrm>
+          <a:prstGeom prst="straightConnector1">
+            <a:avLst/>
+          </a:prstGeom>
+          <a:ln w="19050">
+            <a:prstDash val="sysDash"/>
+            <a:headEnd type="arrow" w="med" len="med"/>
+            <a:tailEnd type="none" w="med" len="med"/>
+          </a:ln>
+        </p:spPr>
+        <p:style>
+          <a:lnRef idx="1">
+            <a:schemeClr val="dk1"/>
+          </a:lnRef>
+          <a:fillRef idx="0">
+            <a:schemeClr val="dk1"/>
+          </a:fillRef>
+          <a:effectRef idx="0">
+            <a:schemeClr val="dk1"/>
+          </a:effectRef>
+          <a:fontRef idx="minor">
+            <a:schemeClr val="tx1"/>
+          </a:fontRef>
+        </p:style>
+      </p:cxnSp>
+      <p:cxnSp>
+        <p:nvCxnSpPr>
+          <p:cNvPr id="27" name="직선 화살표 연결선 26">
+            <a:extLst>
+              <a:ext uri="{FF2B5EF4-FFF2-40B4-BE49-F238E27FC236}">
+                <a16:creationId xmlns:a16="http://schemas.microsoft.com/office/drawing/2014/main" id="{777620C1-0F25-4406-9781-CECD971CBD72}"/>
+              </a:ext>
+            </a:extLst>
+          </p:cNvPr>
+          <p:cNvCxnSpPr>
+            <a:cxnSpLocks/>
+            <a:stCxn id="35" idx="0"/>
+            <a:endCxn id="45" idx="2"/>
+          </p:cNvCxnSpPr>
+          <p:nvPr/>
+        </p:nvCxnSpPr>
+        <p:spPr>
+          <a:xfrm flipV="1">
+            <a:off x="2668723" y="2796046"/>
+            <a:ext cx="0" cy="1177681"/>
+          </a:xfrm>
+          <a:prstGeom prst="straightConnector1">
+            <a:avLst/>
+          </a:prstGeom>
+          <a:ln w="19050">
+            <a:tailEnd type="triangle"/>
+          </a:ln>
+        </p:spPr>
+        <p:style>
+          <a:lnRef idx="1">
+            <a:schemeClr val="dk1"/>
+          </a:lnRef>
+          <a:fillRef idx="0">
+            <a:schemeClr val="dk1"/>
+          </a:fillRef>
+          <a:effectRef idx="0">
+            <a:schemeClr val="dk1"/>
+          </a:effectRef>
+          <a:fontRef idx="minor">
+            <a:schemeClr val="tx1"/>
+          </a:fontRef>
+        </p:style>
+      </p:cxnSp>
+      <p:cxnSp>
+        <p:nvCxnSpPr>
+          <p:cNvPr id="32" name="직선 화살표 연결선 31">
+            <a:extLst>
+              <a:ext uri="{FF2B5EF4-FFF2-40B4-BE49-F238E27FC236}">
+                <a16:creationId xmlns:a16="http://schemas.microsoft.com/office/drawing/2014/main" id="{967C417D-869D-471D-9199-146C070E7584}"/>
+              </a:ext>
+            </a:extLst>
+          </p:cNvPr>
+          <p:cNvCxnSpPr>
+            <a:cxnSpLocks/>
+            <a:stCxn id="38" idx="0"/>
+            <a:endCxn id="13" idx="2"/>
+          </p:cNvCxnSpPr>
+          <p:nvPr/>
+        </p:nvCxnSpPr>
+        <p:spPr>
+          <a:xfrm flipV="1">
+            <a:off x="9478902" y="2825017"/>
+            <a:ext cx="3" cy="1126456"/>
+          </a:xfrm>
+          <a:prstGeom prst="straightConnector1">
+            <a:avLst/>
+          </a:prstGeom>
+          <a:ln w="19050">
+            <a:tailEnd type="triangle"/>
+          </a:ln>
+        </p:spPr>
+        <p:style>
+          <a:lnRef idx="1">
+            <a:schemeClr val="dk1"/>
+          </a:lnRef>
+          <a:fillRef idx="0">
+            <a:schemeClr val="dk1"/>
+          </a:fillRef>
+          <a:effectRef idx="0">
+            <a:schemeClr val="dk1"/>
+          </a:effectRef>
+          <a:fontRef idx="minor">
+            <a:schemeClr val="tx1"/>
+          </a:fontRef>
+        </p:style>
+      </p:cxnSp>
+      <p:sp>
+        <p:nvSpPr>
+          <p:cNvPr id="25" name="이등변 삼각형 24">
+            <a:extLst>
+              <a:ext uri="{FF2B5EF4-FFF2-40B4-BE49-F238E27FC236}">
+                <a16:creationId xmlns:a16="http://schemas.microsoft.com/office/drawing/2014/main" id="{C65EC569-FB41-44D9-9CA9-F961035394D3}"/>
+              </a:ext>
+            </a:extLst>
+          </p:cNvPr>
+          <p:cNvSpPr/>
+          <p:nvPr/>
+        </p:nvSpPr>
+        <p:spPr>
+          <a:xfrm>
+            <a:off x="2502171" y="2804963"/>
+            <a:ext cx="333102" cy="333102"/>
+          </a:xfrm>
+          <a:prstGeom prst="triangle">
+            <a:avLst/>
+          </a:prstGeom>
+          <a:solidFill>
+            <a:schemeClr val="bg1"/>
+          </a:solidFill>
+          <a:ln w="19050">
+            <a:solidFill>
+              <a:schemeClr val="tx1"/>
+            </a:solidFill>
+          </a:ln>
+        </p:spPr>
+        <p:style>
+          <a:lnRef idx="2">
+            <a:schemeClr val="accent1">
+              <a:shade val="50000"/>
+            </a:schemeClr>
+          </a:lnRef>
+          <a:fillRef idx="1">
+            <a:schemeClr val="accent1"/>
+          </a:fillRef>
+          <a:effectRef idx="0">
+            <a:schemeClr val="accent1"/>
+          </a:effectRef>
+          <a:fontRef idx="minor">
+            <a:schemeClr val="lt1"/>
+          </a:fontRef>
+        </p:style>
+        <p:txBody>
+          <a:bodyPr rtlCol="0" anchor="ctr"/>
+          <a:lstStyle/>
+          <a:p>
+            <a:pPr algn="ctr"/>
+            <a:endParaRPr lang="ko-KR" altLang="en-US"/>
+          </a:p>
+        </p:txBody>
+      </p:sp>
+      <p:cxnSp>
+        <p:nvCxnSpPr>
+          <p:cNvPr id="47" name="직선 화살표 연결선 46">
+            <a:extLst>
+              <a:ext uri="{FF2B5EF4-FFF2-40B4-BE49-F238E27FC236}">
+                <a16:creationId xmlns:a16="http://schemas.microsoft.com/office/drawing/2014/main" id="{A19C7B8D-C9E3-44C7-B664-579EB6467176}"/>
+              </a:ext>
+            </a:extLst>
+          </p:cNvPr>
+          <p:cNvCxnSpPr>
+            <a:cxnSpLocks/>
+            <a:stCxn id="36" idx="3"/>
+            <a:endCxn id="39" idx="1"/>
+          </p:cNvCxnSpPr>
+          <p:nvPr/>
+        </p:nvCxnSpPr>
+        <p:spPr>
+          <a:xfrm flipV="1">
+            <a:off x="4075811" y="4911508"/>
+            <a:ext cx="4040377" cy="5484"/>
+          </a:xfrm>
+          <a:prstGeom prst="straightConnector1">
+            <a:avLst/>
+          </a:prstGeom>
+          <a:ln w="19050">
+            <a:tailEnd type="triangle"/>
+          </a:ln>
+        </p:spPr>
+        <p:style>
+          <a:lnRef idx="1">
+            <a:schemeClr val="dk1"/>
+          </a:lnRef>
+          <a:fillRef idx="0">
+            <a:schemeClr val="dk1"/>
+          </a:fillRef>
+          <a:effectRef idx="0">
+            <a:schemeClr val="dk1"/>
+          </a:effectRef>
+          <a:fontRef idx="minor">
+            <a:schemeClr val="tx1"/>
+          </a:fontRef>
+        </p:style>
+      </p:cxnSp>
+      <p:sp>
+        <p:nvSpPr>
+          <p:cNvPr id="7" name="순서도: 판단 6">
+            <a:extLst>
+              <a:ext uri="{FF2B5EF4-FFF2-40B4-BE49-F238E27FC236}">
+                <a16:creationId xmlns:a16="http://schemas.microsoft.com/office/drawing/2014/main" id="{A501AF54-DB0C-4072-B799-D45A023EAA26}"/>
+              </a:ext>
+            </a:extLst>
+          </p:cNvPr>
+          <p:cNvSpPr/>
+          <p:nvPr/>
+        </p:nvSpPr>
+        <p:spPr>
+          <a:xfrm>
+            <a:off x="7766564" y="4767605"/>
+            <a:ext cx="349624" cy="246728"/>
+          </a:xfrm>
+          <a:prstGeom prst="flowChartDecision">
+            <a:avLst/>
+          </a:prstGeom>
+          <a:solidFill>
+            <a:schemeClr val="bg1"/>
+          </a:solidFill>
+          <a:ln>
+            <a:solidFill>
+              <a:schemeClr val="tx1"/>
+            </a:solidFill>
+          </a:ln>
+        </p:spPr>
+        <p:style>
+          <a:lnRef idx="2">
+            <a:schemeClr val="accent1">
+              <a:shade val="50000"/>
+            </a:schemeClr>
+          </a:lnRef>
+          <a:fillRef idx="1">
+            <a:schemeClr val="accent1"/>
+          </a:fillRef>
+          <a:effectRef idx="0">
+            <a:schemeClr val="accent1"/>
+          </a:effectRef>
+          <a:fontRef idx="minor">
+            <a:schemeClr val="lt1"/>
+          </a:fontRef>
+        </p:style>
+        <p:txBody>
+          <a:bodyPr rtlCol="0" anchor="ctr"/>
+          <a:lstStyle/>
+          <a:p>
+            <a:pPr algn="ctr"/>
+            <a:endParaRPr lang="ko-KR" altLang="en-US"/>
+          </a:p>
+        </p:txBody>
+      </p:sp>
+      <p:sp>
+        <p:nvSpPr>
+          <p:cNvPr id="48" name="이등변 삼각형 47">
+            <a:extLst>
+              <a:ext uri="{FF2B5EF4-FFF2-40B4-BE49-F238E27FC236}">
+                <a16:creationId xmlns:a16="http://schemas.microsoft.com/office/drawing/2014/main" id="{DE825EE0-69EF-4AA8-99FC-9C7D55B8DAC1}"/>
+              </a:ext>
+            </a:extLst>
+          </p:cNvPr>
+          <p:cNvSpPr/>
+          <p:nvPr/>
+        </p:nvSpPr>
+        <p:spPr>
+          <a:xfrm>
+            <a:off x="9312351" y="2834528"/>
+            <a:ext cx="333102" cy="333102"/>
+          </a:xfrm>
+          <a:prstGeom prst="triangle">
+            <a:avLst/>
+          </a:prstGeom>
+          <a:solidFill>
+            <a:schemeClr val="bg1"/>
+          </a:solidFill>
+          <a:ln w="19050">
+            <a:solidFill>
+              <a:schemeClr val="tx1"/>
+            </a:solidFill>
+          </a:ln>
+        </p:spPr>
+        <p:style>
+          <a:lnRef idx="2">
+            <a:schemeClr val="accent1">
+              <a:shade val="50000"/>
+            </a:schemeClr>
+          </a:lnRef>
+          <a:fillRef idx="1">
+            <a:schemeClr val="accent1"/>
+          </a:fillRef>
+          <a:effectRef idx="0">
+            <a:schemeClr val="accent1"/>
+          </a:effectRef>
+          <a:fontRef idx="minor">
+            <a:schemeClr val="lt1"/>
+          </a:fontRef>
+        </p:style>
+        <p:txBody>
+          <a:bodyPr rtlCol="0" anchor="ctr"/>
+          <a:lstStyle/>
+          <a:p>
+            <a:pPr algn="ctr"/>
+            <a:endParaRPr lang="ko-KR" altLang="en-US"/>
+          </a:p>
+        </p:txBody>
+      </p:sp>
+      <p:cxnSp>
+        <p:nvCxnSpPr>
+          <p:cNvPr id="50" name="직선 화살표 연결선 49">
+            <a:extLst>
+              <a:ext uri="{FF2B5EF4-FFF2-40B4-BE49-F238E27FC236}">
+                <a16:creationId xmlns:a16="http://schemas.microsoft.com/office/drawing/2014/main" id="{EABA6CBD-C6C7-43CF-A19D-67C37FA817D1}"/>
+              </a:ext>
+            </a:extLst>
+          </p:cNvPr>
+          <p:cNvCxnSpPr>
+            <a:cxnSpLocks/>
+            <a:stCxn id="38" idx="1"/>
+            <a:endCxn id="35" idx="3"/>
+          </p:cNvCxnSpPr>
+          <p:nvPr/>
+        </p:nvCxnSpPr>
+        <p:spPr>
+          <a:xfrm flipH="1">
+            <a:off x="4075810" y="4229811"/>
+            <a:ext cx="4040378" cy="20915"/>
+          </a:xfrm>
+          <a:prstGeom prst="straightConnector1">
+            <a:avLst/>
+          </a:prstGeom>
+          <a:ln w="19050">
+            <a:prstDash val="sysDash"/>
+            <a:headEnd type="arrow" w="med" len="med"/>
+            <a:tailEnd type="none" w="med" len="med"/>
+          </a:ln>
+        </p:spPr>
+        <p:style>
+          <a:lnRef idx="1">
+            <a:schemeClr val="dk1"/>
+          </a:lnRef>
+          <a:fillRef idx="0">
+            <a:schemeClr val="dk1"/>
+          </a:fillRef>
+          <a:effectRef idx="0">
+            <a:schemeClr val="dk1"/>
+          </a:effectRef>
+          <a:fontRef idx="minor">
+            <a:schemeClr val="tx1"/>
+          </a:fontRef>
+        </p:style>
+      </p:cxnSp>
+      <p:sp>
+        <p:nvSpPr>
+          <p:cNvPr id="29" name="TextBox 28">
+            <a:extLst>
+              <a:ext uri="{FF2B5EF4-FFF2-40B4-BE49-F238E27FC236}">
+                <a16:creationId xmlns:a16="http://schemas.microsoft.com/office/drawing/2014/main" id="{2DB839A5-1D2E-4B4B-9B44-8F70F7F51933}"/>
+              </a:ext>
+            </a:extLst>
+          </p:cNvPr>
+          <p:cNvSpPr txBox="1"/>
+          <p:nvPr/>
+        </p:nvSpPr>
+        <p:spPr>
+          <a:xfrm>
+            <a:off x="5497919" y="1280422"/>
+            <a:ext cx="1196161" cy="323165"/>
+          </a:xfrm>
+          <a:prstGeom prst="rect">
+            <a:avLst/>
+          </a:prstGeom>
+          <a:noFill/>
+        </p:spPr>
+        <p:txBody>
+          <a:bodyPr wrap="none" rtlCol="0">
+            <a:spAutoFit/>
+          </a:bodyPr>
+          <a:lstStyle/>
+          <a:p>
+            <a:r>
+              <a:rPr lang="en-US" altLang="ko-KR" sz="1500" dirty="0">
+                <a:latin typeface="KoPubWorld돋움체 Light" panose="00000300000000000000" pitchFamily="2" charset="-127"/>
+                <a:ea typeface="KoPubWorld돋움체 Light" panose="00000300000000000000" pitchFamily="2" charset="-127"/>
+                <a:cs typeface="KoPubWorld돋움체 Light" panose="00000300000000000000" pitchFamily="2" charset="-127"/>
+              </a:rPr>
+              <a:t>&lt;&lt; Create &gt;&gt;</a:t>
+            </a:r>
+            <a:endParaRPr lang="ko-KR" altLang="en-US" sz="1500" dirty="0">
+              <a:latin typeface="KoPubWorld돋움체 Light" panose="00000300000000000000" pitchFamily="2" charset="-127"/>
+              <a:ea typeface="KoPubWorld돋움체 Light" panose="00000300000000000000" pitchFamily="2" charset="-127"/>
+              <a:cs typeface="KoPubWorld돋움체 Light" panose="00000300000000000000" pitchFamily="2" charset="-127"/>
+            </a:endParaRPr>
+          </a:p>
+        </p:txBody>
+      </p:sp>
+      <p:sp>
+        <p:nvSpPr>
+          <p:cNvPr id="52" name="TextBox 51">
+            <a:extLst>
+              <a:ext uri="{FF2B5EF4-FFF2-40B4-BE49-F238E27FC236}">
+                <a16:creationId xmlns:a16="http://schemas.microsoft.com/office/drawing/2014/main" id="{BB9F48FB-003D-4CB6-9FFF-10E6D510E066}"/>
+              </a:ext>
+            </a:extLst>
+          </p:cNvPr>
+          <p:cNvSpPr txBox="1"/>
+          <p:nvPr/>
+        </p:nvSpPr>
+        <p:spPr>
+          <a:xfrm>
+            <a:off x="5475732" y="3765623"/>
+            <a:ext cx="1196161" cy="323165"/>
+          </a:xfrm>
+          <a:prstGeom prst="rect">
+            <a:avLst/>
+          </a:prstGeom>
+          <a:noFill/>
+        </p:spPr>
+        <p:txBody>
+          <a:bodyPr wrap="none" rtlCol="0">
+            <a:spAutoFit/>
+          </a:bodyPr>
+          <a:lstStyle/>
+          <a:p>
+            <a:r>
+              <a:rPr lang="en-US" altLang="ko-KR" sz="1500" dirty="0">
+                <a:latin typeface="KoPubWorld돋움체 Light" panose="00000300000000000000" pitchFamily="2" charset="-127"/>
+                <a:ea typeface="KoPubWorld돋움체 Light" panose="00000300000000000000" pitchFamily="2" charset="-127"/>
+                <a:cs typeface="KoPubWorld돋움체 Light" panose="00000300000000000000" pitchFamily="2" charset="-127"/>
+              </a:rPr>
+              <a:t>&lt;&lt; Create &gt;&gt;</a:t>
+            </a:r>
+            <a:endParaRPr lang="ko-KR" altLang="en-US" sz="1500" dirty="0">
+              <a:latin typeface="KoPubWorld돋움체 Light" panose="00000300000000000000" pitchFamily="2" charset="-127"/>
+              <a:ea typeface="KoPubWorld돋움체 Light" panose="00000300000000000000" pitchFamily="2" charset="-127"/>
+              <a:cs typeface="KoPubWorld돋움체 Light" panose="00000300000000000000" pitchFamily="2" charset="-127"/>
+            </a:endParaRPr>
+          </a:p>
+        </p:txBody>
+      </p:sp>
+    </p:spTree>
+    <p:extLst>
+      <p:ext uri="{BB962C8B-B14F-4D97-AF65-F5344CB8AC3E}">
+        <p14:creationId xmlns:p14="http://schemas.microsoft.com/office/powerpoint/2010/main" val="419447930"/>
+      </p:ext>
+    </p:extLst>
+  </p:cSld>
+  <p:clrMapOvr>
+    <a:masterClrMapping/>
+  </p:clrMapOvr>
+</p:sld>
+</file>
+
+<file path=ppt/slides/slide9.xml><?xml version="1.0" encoding="utf-8"?>
+<p:sld xmlns:a="http://schemas.openxmlformats.org/drawingml/2006/main" xmlns:r="http://schemas.openxmlformats.org/officeDocument/2006/relationships" xmlns:p="http://schemas.openxmlformats.org/presentationml/2006/main">
+  <p:cSld>
+    <p:spTree>
+      <p:nvGrpSpPr>
+        <p:cNvPr id="1" name=""/>
+        <p:cNvGrpSpPr/>
+        <p:nvPr/>
+      </p:nvGrpSpPr>
+      <p:grpSpPr>
+        <a:xfrm>
+          <a:off x="0" y="0"/>
+          <a:ext cx="0" cy="0"/>
+          <a:chOff x="0" y="0"/>
+          <a:chExt cx="0" cy="0"/>
+        </a:xfrm>
+      </p:grpSpPr>
+      <p:sp>
+        <p:nvSpPr>
+          <p:cNvPr id="49" name="TextBox 48">
+            <a:extLst>
+              <a:ext uri="{FF2B5EF4-FFF2-40B4-BE49-F238E27FC236}">
+                <a16:creationId xmlns:a16="http://schemas.microsoft.com/office/drawing/2014/main" id="{7CFAB7D3-BA53-46CB-8450-3E3E5AD1C706}"/>
+              </a:ext>
+            </a:extLst>
+          </p:cNvPr>
+          <p:cNvSpPr txBox="1"/>
+          <p:nvPr/>
+        </p:nvSpPr>
+        <p:spPr>
+          <a:xfrm>
+            <a:off x="204267" y="257175"/>
+            <a:ext cx="2613216" cy="369332"/>
+          </a:xfrm>
+          <a:prstGeom prst="rect">
+            <a:avLst/>
+          </a:prstGeom>
+          <a:noFill/>
+        </p:spPr>
+        <p:txBody>
+          <a:bodyPr wrap="none" rtlCol="0">
+            <a:spAutoFit/>
+          </a:bodyPr>
+          <a:lstStyle/>
+          <a:p>
+            <a:r>
+              <a:rPr lang="en-US" altLang="ko-KR" dirty="0">
+                <a:latin typeface="KoPubWorld돋움체 Medium" panose="00000600000000000000" pitchFamily="2" charset="-127"/>
+                <a:ea typeface="KoPubWorld돋움체 Medium" panose="00000600000000000000" pitchFamily="2" charset="-127"/>
+                <a:cs typeface="KoPubWorld돋움체 Medium" panose="00000600000000000000" pitchFamily="2" charset="-127"/>
+              </a:rPr>
+              <a:t>Strategy </a:t>
+            </a:r>
+            <a:r>
+              <a:rPr lang="en-US" altLang="ko-KR" dirty="0" err="1">
+                <a:latin typeface="KoPubWorld돋움체 Medium" panose="00000600000000000000" pitchFamily="2" charset="-127"/>
+                <a:ea typeface="KoPubWorld돋움체 Medium" panose="00000600000000000000" pitchFamily="2" charset="-127"/>
+                <a:cs typeface="KoPubWorld돋움체 Medium" panose="00000600000000000000" pitchFamily="2" charset="-127"/>
+              </a:rPr>
+              <a:t>Pattern_Class</a:t>
+            </a:r>
+            <a:endParaRPr lang="ko-KR" altLang="en-US" dirty="0">
+              <a:latin typeface="KoPubWorld돋움체 Medium" panose="00000600000000000000" pitchFamily="2" charset="-127"/>
+              <a:ea typeface="KoPubWorld돋움체 Medium" panose="00000600000000000000" pitchFamily="2" charset="-127"/>
+              <a:cs typeface="KoPubWorld돋움체 Medium" panose="00000600000000000000" pitchFamily="2" charset="-127"/>
+            </a:endParaRPr>
+          </a:p>
+        </p:txBody>
+      </p:sp>
+      <p:grpSp>
+        <p:nvGrpSpPr>
+          <p:cNvPr id="18" name="그룹 17">
+            <a:extLst>
+              <a:ext uri="{FF2B5EF4-FFF2-40B4-BE49-F238E27FC236}">
+                <a16:creationId xmlns:a16="http://schemas.microsoft.com/office/drawing/2014/main" id="{BFCC7230-E524-44DB-AE22-75B9206658B4}"/>
+              </a:ext>
+            </a:extLst>
+          </p:cNvPr>
+          <p:cNvGrpSpPr/>
+          <p:nvPr/>
+        </p:nvGrpSpPr>
+        <p:grpSpPr>
+          <a:xfrm>
+            <a:off x="6132513" y="1467320"/>
+            <a:ext cx="2725430" cy="1317931"/>
+            <a:chOff x="6095999" y="-2191630"/>
+            <a:chExt cx="4010525" cy="1323892"/>
+          </a:xfrm>
+        </p:grpSpPr>
+        <p:sp>
+          <p:nvSpPr>
+            <p:cNvPr id="9" name="TextBox 8">
+              <a:extLst>
+                <a:ext uri="{FF2B5EF4-FFF2-40B4-BE49-F238E27FC236}">
+                  <a16:creationId xmlns:a16="http://schemas.microsoft.com/office/drawing/2014/main" id="{0E5B1ADB-ECCD-48CD-8ACC-1C781AC5ED72}"/>
+                </a:ext>
+              </a:extLst>
+            </p:cNvPr>
+            <p:cNvSpPr txBox="1"/>
+            <p:nvPr/>
+          </p:nvSpPr>
+          <p:spPr>
+            <a:xfrm>
+              <a:off x="6095999" y="-2191630"/>
+              <a:ext cx="4010524" cy="788380"/>
+            </a:xfrm>
+            <a:prstGeom prst="rect">
+              <a:avLst/>
+            </a:prstGeom>
+            <a:solidFill>
+              <a:schemeClr val="bg1"/>
+            </a:solidFill>
+            <a:ln w="19050">
+              <a:solidFill>
+                <a:schemeClr val="tx1"/>
+              </a:solidFill>
+            </a:ln>
+          </p:spPr>
+          <p:txBody>
+            <a:bodyPr wrap="square" rtlCol="0" anchor="ctr">
+              <a:spAutoFit/>
+            </a:bodyPr>
+            <a:lstStyle/>
+            <a:p>
+              <a:pPr algn="ctr"/>
+              <a:endParaRPr lang="en-US" altLang="ko-KR" sz="500" dirty="0">
+                <a:latin typeface="KoPubWorld돋움체 Medium" panose="00000600000000000000" pitchFamily="2" charset="-127"/>
+                <a:ea typeface="KoPubWorld돋움체 Medium" panose="00000600000000000000" pitchFamily="2" charset="-127"/>
+                <a:cs typeface="KoPubWorld돋움체 Medium" panose="00000600000000000000" pitchFamily="2" charset="-127"/>
+              </a:endParaRPr>
+            </a:p>
+            <a:p>
+              <a:pPr algn="ctr"/>
+              <a:r>
+                <a:rPr lang="en-US" altLang="ko-KR" sz="1500" dirty="0">
+                  <a:latin typeface="KoPubWorld돋움체 Bold" panose="00000800000000000000" pitchFamily="2" charset="-127"/>
+                  <a:ea typeface="KoPubWorld돋움체 Bold" panose="00000800000000000000" pitchFamily="2" charset="-127"/>
+                  <a:cs typeface="KoPubWorld돋움체 Bold" panose="00000800000000000000" pitchFamily="2" charset="-127"/>
+                </a:rPr>
+                <a:t>&lt;&lt;Interface&gt;&gt;</a:t>
+              </a:r>
+            </a:p>
+            <a:p>
+              <a:pPr algn="ctr"/>
+              <a:r>
+                <a:rPr lang="en-US" altLang="ko-KR" sz="2000" dirty="0" err="1">
+                  <a:latin typeface="KoPubWorld돋움체 Bold" panose="00000800000000000000" pitchFamily="2" charset="-127"/>
+                  <a:ea typeface="KoPubWorld돋움체 Bold" panose="00000800000000000000" pitchFamily="2" charset="-127"/>
+                  <a:cs typeface="KoPubWorld돋움체 Bold" panose="00000800000000000000" pitchFamily="2" charset="-127"/>
+                </a:rPr>
+                <a:t>Stategy</a:t>
+              </a:r>
+              <a:endParaRPr lang="en-US" altLang="ko-KR" sz="2000" dirty="0">
+                <a:latin typeface="KoPubWorld돋움체 Bold" panose="00000800000000000000" pitchFamily="2" charset="-127"/>
+                <a:ea typeface="KoPubWorld돋움체 Bold" panose="00000800000000000000" pitchFamily="2" charset="-127"/>
+                <a:cs typeface="KoPubWorld돋움체 Bold" panose="00000800000000000000" pitchFamily="2" charset="-127"/>
+              </a:endParaRPr>
+            </a:p>
+            <a:p>
+              <a:pPr algn="ctr"/>
+              <a:endParaRPr lang="ko-KR" altLang="en-US" sz="500" dirty="0">
+                <a:latin typeface="KoPubWorld돋움체 Medium" panose="00000600000000000000" pitchFamily="2" charset="-127"/>
+                <a:ea typeface="KoPubWorld돋움체 Medium" panose="00000600000000000000" pitchFamily="2" charset="-127"/>
+                <a:cs typeface="KoPubWorld돋움체 Medium" panose="00000600000000000000" pitchFamily="2" charset="-127"/>
+              </a:endParaRPr>
+            </a:p>
+          </p:txBody>
+        </p:sp>
+        <p:sp>
+          <p:nvSpPr>
+            <p:cNvPr id="13" name="TextBox 12">
+              <a:extLst>
+                <a:ext uri="{FF2B5EF4-FFF2-40B4-BE49-F238E27FC236}">
+                  <a16:creationId xmlns:a16="http://schemas.microsoft.com/office/drawing/2014/main" id="{2F155D27-4EB8-42BA-8A34-CDC56C9FB509}"/>
+                </a:ext>
+              </a:extLst>
+            </p:cNvPr>
+            <p:cNvSpPr txBox="1"/>
+            <p:nvPr/>
+          </p:nvSpPr>
+          <p:spPr>
+            <a:xfrm>
+              <a:off x="6095999" y="-1424242"/>
+              <a:ext cx="4010525" cy="556504"/>
+            </a:xfrm>
+            <a:prstGeom prst="rect">
+              <a:avLst/>
+            </a:prstGeom>
+            <a:solidFill>
+              <a:schemeClr val="bg1"/>
+            </a:solidFill>
+            <a:ln w="19050">
+              <a:solidFill>
+                <a:schemeClr val="tx1"/>
+              </a:solidFill>
+            </a:ln>
+          </p:spPr>
+          <p:txBody>
+            <a:bodyPr wrap="square" rtlCol="0" anchor="ctr">
+              <a:spAutoFit/>
+            </a:bodyPr>
+            <a:lstStyle/>
+            <a:p>
+              <a:endParaRPr lang="en-US" altLang="ko-KR" sz="500" dirty="0">
+                <a:latin typeface="KoPubWorld돋움체 Medium" panose="00000600000000000000" pitchFamily="2" charset="-127"/>
+                <a:ea typeface="KoPubWorld돋움체 Medium" panose="00000600000000000000" pitchFamily="2" charset="-127"/>
+                <a:cs typeface="KoPubWorld돋움체 Medium" panose="00000600000000000000" pitchFamily="2" charset="-127"/>
+              </a:endParaRPr>
+            </a:p>
+            <a:p>
+              <a:r>
+                <a:rPr lang="en-US" altLang="ko-KR" sz="2000" dirty="0">
+                  <a:latin typeface="KoPubWorld돋움체 Medium" panose="00000600000000000000" pitchFamily="2" charset="-127"/>
+                  <a:ea typeface="KoPubWorld돋움체 Medium" panose="00000600000000000000" pitchFamily="2" charset="-127"/>
+                  <a:cs typeface="KoPubWorld돋움체 Medium" panose="00000600000000000000" pitchFamily="2" charset="-127"/>
+                </a:rPr>
+                <a:t>+ Execute()</a:t>
+              </a:r>
+            </a:p>
+            <a:p>
+              <a:endParaRPr lang="ko-KR" altLang="en-US" sz="500" dirty="0">
+                <a:latin typeface="KoPubWorld돋움체 Medium" panose="00000600000000000000" pitchFamily="2" charset="-127"/>
+                <a:ea typeface="KoPubWorld돋움체 Medium" panose="00000600000000000000" pitchFamily="2" charset="-127"/>
+                <a:cs typeface="KoPubWorld돋움체 Medium" panose="00000600000000000000" pitchFamily="2" charset="-127"/>
+              </a:endParaRPr>
+            </a:p>
+          </p:txBody>
+        </p:sp>
+      </p:grpSp>
+      <p:grpSp>
+        <p:nvGrpSpPr>
+          <p:cNvPr id="34" name="그룹 33">
+            <a:extLst>
+              <a:ext uri="{FF2B5EF4-FFF2-40B4-BE49-F238E27FC236}">
+                <a16:creationId xmlns:a16="http://schemas.microsoft.com/office/drawing/2014/main" id="{7F071343-8E9A-4544-8EF0-BA803B44338F}"/>
+              </a:ext>
+            </a:extLst>
+          </p:cNvPr>
+          <p:cNvGrpSpPr/>
+          <p:nvPr/>
+        </p:nvGrpSpPr>
+        <p:grpSpPr>
+          <a:xfrm>
+            <a:off x="4068644" y="4605851"/>
+            <a:ext cx="2814176" cy="1107968"/>
+            <a:chOff x="6095999" y="-1994409"/>
+            <a:chExt cx="4010525" cy="787862"/>
+          </a:xfrm>
+        </p:grpSpPr>
+        <p:sp>
+          <p:nvSpPr>
+            <p:cNvPr id="35" name="TextBox 34">
+              <a:extLst>
+                <a:ext uri="{FF2B5EF4-FFF2-40B4-BE49-F238E27FC236}">
+                  <a16:creationId xmlns:a16="http://schemas.microsoft.com/office/drawing/2014/main" id="{98324E66-FCE2-4A60-830F-B0078279527C}"/>
+                </a:ext>
+              </a:extLst>
+            </p:cNvPr>
+            <p:cNvSpPr txBox="1"/>
+            <p:nvPr/>
+          </p:nvSpPr>
+          <p:spPr>
+            <a:xfrm>
+              <a:off x="6095999" y="-1994409"/>
+              <a:ext cx="4010524" cy="393940"/>
+            </a:xfrm>
+            <a:prstGeom prst="rect">
+              <a:avLst/>
+            </a:prstGeom>
+            <a:solidFill>
+              <a:schemeClr val="bg1"/>
+            </a:solidFill>
+            <a:ln w="19050">
+              <a:solidFill>
+                <a:schemeClr val="tx1"/>
+              </a:solidFill>
+            </a:ln>
+          </p:spPr>
+          <p:txBody>
+            <a:bodyPr wrap="square" rtlCol="0" anchor="ctr">
+              <a:spAutoFit/>
+            </a:bodyPr>
+            <a:lstStyle/>
+            <a:p>
+              <a:pPr algn="ctr"/>
+              <a:endParaRPr lang="en-US" altLang="ko-KR" sz="500" dirty="0">
+                <a:latin typeface="KoPubWorld돋움체 Medium" panose="00000600000000000000" pitchFamily="2" charset="-127"/>
+                <a:ea typeface="KoPubWorld돋움체 Medium" panose="00000600000000000000" pitchFamily="2" charset="-127"/>
+                <a:cs typeface="KoPubWorld돋움체 Medium" panose="00000600000000000000" pitchFamily="2" charset="-127"/>
+              </a:endParaRPr>
+            </a:p>
+            <a:p>
+              <a:pPr algn="ctr"/>
+              <a:r>
+                <a:rPr lang="en-US" altLang="ko-KR" sz="2000" dirty="0" err="1">
+                  <a:latin typeface="KoPubWorld돋움체 Bold" panose="00000800000000000000" pitchFamily="2" charset="-127"/>
+                  <a:ea typeface="KoPubWorld돋움체 Bold" panose="00000800000000000000" pitchFamily="2" charset="-127"/>
+                  <a:cs typeface="KoPubWorld돋움체 Bold" panose="00000800000000000000" pitchFamily="2" charset="-127"/>
+                </a:rPr>
+                <a:t>ConcreteStrategyA</a:t>
+              </a:r>
+              <a:endParaRPr lang="en-US" altLang="ko-KR" sz="2000" dirty="0">
+                <a:latin typeface="KoPubWorld돋움체 Bold" panose="00000800000000000000" pitchFamily="2" charset="-127"/>
+                <a:ea typeface="KoPubWorld돋움체 Bold" panose="00000800000000000000" pitchFamily="2" charset="-127"/>
+                <a:cs typeface="KoPubWorld돋움체 Bold" panose="00000800000000000000" pitchFamily="2" charset="-127"/>
+              </a:endParaRPr>
+            </a:p>
+            <a:p>
+              <a:pPr algn="ctr"/>
+              <a:endParaRPr lang="en-US" altLang="ko-KR" sz="500" dirty="0">
+                <a:latin typeface="KoPubWorld돋움체 Medium" panose="00000600000000000000" pitchFamily="2" charset="-127"/>
+                <a:ea typeface="KoPubWorld돋움체 Medium" panose="00000600000000000000" pitchFamily="2" charset="-127"/>
+                <a:cs typeface="KoPubWorld돋움체 Medium" panose="00000600000000000000" pitchFamily="2" charset="-127"/>
+              </a:endParaRPr>
+            </a:p>
+          </p:txBody>
+        </p:sp>
+        <p:sp>
+          <p:nvSpPr>
+            <p:cNvPr id="36" name="TextBox 35">
+              <a:extLst>
+                <a:ext uri="{FF2B5EF4-FFF2-40B4-BE49-F238E27FC236}">
+                  <a16:creationId xmlns:a16="http://schemas.microsoft.com/office/drawing/2014/main" id="{7C3E41EE-C9E8-4EFC-A402-A887B23A16C9}"/>
+                </a:ext>
+              </a:extLst>
+            </p:cNvPr>
+            <p:cNvSpPr txBox="1"/>
+            <p:nvPr/>
+          </p:nvSpPr>
+          <p:spPr>
+            <a:xfrm>
+              <a:off x="6095999" y="-1600487"/>
+              <a:ext cx="4010525" cy="393940"/>
+            </a:xfrm>
+            <a:prstGeom prst="rect">
+              <a:avLst/>
+            </a:prstGeom>
+            <a:solidFill>
+              <a:schemeClr val="bg1"/>
+            </a:solidFill>
+            <a:ln w="19050">
+              <a:solidFill>
+                <a:schemeClr val="tx1"/>
+              </a:solidFill>
+            </a:ln>
+          </p:spPr>
+          <p:txBody>
+            <a:bodyPr wrap="square" rtlCol="0" anchor="ctr">
+              <a:spAutoFit/>
+            </a:bodyPr>
+            <a:lstStyle/>
+            <a:p>
+              <a:endParaRPr lang="en-US" altLang="ko-KR" sz="500" dirty="0">
+                <a:latin typeface="KoPubWorld돋움체 Medium" panose="00000600000000000000" pitchFamily="2" charset="-127"/>
+                <a:ea typeface="KoPubWorld돋움체 Medium" panose="00000600000000000000" pitchFamily="2" charset="-127"/>
+                <a:cs typeface="KoPubWorld돋움체 Medium" panose="00000600000000000000" pitchFamily="2" charset="-127"/>
+              </a:endParaRPr>
+            </a:p>
+            <a:p>
+              <a:r>
+                <a:rPr lang="en-US" altLang="ko-KR" sz="2000" dirty="0">
+                  <a:latin typeface="KoPubWorld돋움체 Medium" panose="00000600000000000000" pitchFamily="2" charset="-127"/>
+                  <a:ea typeface="KoPubWorld돋움체 Medium" panose="00000600000000000000" pitchFamily="2" charset="-127"/>
+                  <a:cs typeface="KoPubWorld돋움체 Medium" panose="00000600000000000000" pitchFamily="2" charset="-127"/>
+                </a:rPr>
+                <a:t>+ Execute()</a:t>
+              </a:r>
+            </a:p>
+            <a:p>
+              <a:endParaRPr lang="ko-KR" altLang="en-US" sz="500" dirty="0">
+                <a:latin typeface="KoPubWorld돋움체 Medium" panose="00000600000000000000" pitchFamily="2" charset="-127"/>
+                <a:ea typeface="KoPubWorld돋움체 Medium" panose="00000600000000000000" pitchFamily="2" charset="-127"/>
+                <a:cs typeface="KoPubWorld돋움체 Medium" panose="00000600000000000000" pitchFamily="2" charset="-127"/>
+              </a:endParaRPr>
+            </a:p>
+          </p:txBody>
+        </p:sp>
+      </p:grpSp>
+      <p:grpSp>
+        <p:nvGrpSpPr>
+          <p:cNvPr id="37" name="그룹 36">
+            <a:extLst>
+              <a:ext uri="{FF2B5EF4-FFF2-40B4-BE49-F238E27FC236}">
+                <a16:creationId xmlns:a16="http://schemas.microsoft.com/office/drawing/2014/main" id="{D9B23F92-1C8E-43E1-9A07-5C8DB0C0DAAD}"/>
+              </a:ext>
+            </a:extLst>
+          </p:cNvPr>
+          <p:cNvGrpSpPr/>
+          <p:nvPr/>
+        </p:nvGrpSpPr>
+        <p:grpSpPr>
+          <a:xfrm>
+            <a:off x="8289907" y="4606460"/>
+            <a:ext cx="2725428" cy="1107359"/>
+            <a:chOff x="6095999" y="-2074439"/>
+            <a:chExt cx="4010524" cy="1107359"/>
+          </a:xfrm>
+        </p:grpSpPr>
+        <p:sp>
+          <p:nvSpPr>
+            <p:cNvPr id="38" name="TextBox 37">
+              <a:extLst>
+                <a:ext uri="{FF2B5EF4-FFF2-40B4-BE49-F238E27FC236}">
+                  <a16:creationId xmlns:a16="http://schemas.microsoft.com/office/drawing/2014/main" id="{66E3B781-3DAD-45E0-8FC9-C4CF36232016}"/>
+                </a:ext>
+              </a:extLst>
+            </p:cNvPr>
+            <p:cNvSpPr txBox="1"/>
+            <p:nvPr/>
+          </p:nvSpPr>
+          <p:spPr>
+            <a:xfrm>
+              <a:off x="6095999" y="-2074439"/>
+              <a:ext cx="4010524" cy="553998"/>
+            </a:xfrm>
+            <a:prstGeom prst="rect">
+              <a:avLst/>
+            </a:prstGeom>
+            <a:solidFill>
+              <a:schemeClr val="bg1"/>
+            </a:solidFill>
+            <a:ln w="19050">
+              <a:solidFill>
+                <a:schemeClr val="tx1"/>
+              </a:solidFill>
+            </a:ln>
+          </p:spPr>
+          <p:txBody>
+            <a:bodyPr wrap="square" rtlCol="0" anchor="ctr">
+              <a:spAutoFit/>
+            </a:bodyPr>
+            <a:lstStyle/>
+            <a:p>
+              <a:pPr algn="ctr"/>
+              <a:endParaRPr lang="en-US" altLang="ko-KR" sz="500" dirty="0">
+                <a:latin typeface="KoPubWorld돋움체 Medium" panose="00000600000000000000" pitchFamily="2" charset="-127"/>
+                <a:ea typeface="KoPubWorld돋움체 Medium" panose="00000600000000000000" pitchFamily="2" charset="-127"/>
+                <a:cs typeface="KoPubWorld돋움체 Medium" panose="00000600000000000000" pitchFamily="2" charset="-127"/>
+              </a:endParaRPr>
+            </a:p>
+            <a:p>
+              <a:pPr algn="ctr"/>
+              <a:r>
+                <a:rPr lang="en-US" altLang="ko-KR" sz="2000" dirty="0" err="1">
+                  <a:latin typeface="KoPubWorld돋움체 Bold" panose="00000800000000000000" pitchFamily="2" charset="-127"/>
+                  <a:ea typeface="KoPubWorld돋움체 Bold" panose="00000800000000000000" pitchFamily="2" charset="-127"/>
+                  <a:cs typeface="KoPubWorld돋움체 Bold" panose="00000800000000000000" pitchFamily="2" charset="-127"/>
+                </a:rPr>
+                <a:t>ConcreteStrategyB</a:t>
+              </a:r>
+              <a:endParaRPr lang="en-US" altLang="ko-KR" sz="2000" dirty="0">
+                <a:latin typeface="KoPubWorld돋움체 Bold" panose="00000800000000000000" pitchFamily="2" charset="-127"/>
+                <a:ea typeface="KoPubWorld돋움체 Bold" panose="00000800000000000000" pitchFamily="2" charset="-127"/>
+                <a:cs typeface="KoPubWorld돋움체 Bold" panose="00000800000000000000" pitchFamily="2" charset="-127"/>
+              </a:endParaRPr>
+            </a:p>
+            <a:p>
+              <a:pPr algn="ctr"/>
+              <a:endParaRPr lang="ko-KR" altLang="en-US" sz="500" dirty="0">
+                <a:latin typeface="KoPubWorld돋움체 Medium" panose="00000600000000000000" pitchFamily="2" charset="-127"/>
+                <a:ea typeface="KoPubWorld돋움체 Medium" panose="00000600000000000000" pitchFamily="2" charset="-127"/>
+                <a:cs typeface="KoPubWorld돋움체 Medium" panose="00000600000000000000" pitchFamily="2" charset="-127"/>
+              </a:endParaRPr>
+            </a:p>
+          </p:txBody>
+        </p:sp>
+        <p:sp>
+          <p:nvSpPr>
+            <p:cNvPr id="39" name="TextBox 38">
+              <a:extLst>
+                <a:ext uri="{FF2B5EF4-FFF2-40B4-BE49-F238E27FC236}">
+                  <a16:creationId xmlns:a16="http://schemas.microsoft.com/office/drawing/2014/main" id="{87C7BD3F-C450-4AD6-B835-B00C258BA7BA}"/>
+                </a:ext>
+              </a:extLst>
+            </p:cNvPr>
+            <p:cNvSpPr txBox="1"/>
+            <p:nvPr/>
+          </p:nvSpPr>
+          <p:spPr>
+            <a:xfrm>
+              <a:off x="6095999" y="-1521078"/>
+              <a:ext cx="4010524" cy="553998"/>
+            </a:xfrm>
+            <a:prstGeom prst="rect">
+              <a:avLst/>
+            </a:prstGeom>
+            <a:solidFill>
+              <a:schemeClr val="bg1"/>
+            </a:solidFill>
+            <a:ln w="19050">
+              <a:solidFill>
+                <a:schemeClr val="tx1"/>
+              </a:solidFill>
+            </a:ln>
+          </p:spPr>
+          <p:txBody>
+            <a:bodyPr wrap="square" rtlCol="0" anchor="ctr">
+              <a:spAutoFit/>
+            </a:bodyPr>
+            <a:lstStyle/>
+            <a:p>
+              <a:endParaRPr lang="en-US" altLang="ko-KR" sz="500" dirty="0">
+                <a:latin typeface="KoPubWorld돋움체 Medium" panose="00000600000000000000" pitchFamily="2" charset="-127"/>
+                <a:ea typeface="KoPubWorld돋움체 Medium" panose="00000600000000000000" pitchFamily="2" charset="-127"/>
+                <a:cs typeface="KoPubWorld돋움체 Medium" panose="00000600000000000000" pitchFamily="2" charset="-127"/>
+              </a:endParaRPr>
+            </a:p>
+            <a:p>
+              <a:r>
+                <a:rPr lang="en-US" altLang="ko-KR" sz="2000" dirty="0">
+                  <a:latin typeface="KoPubWorld돋움체 Medium" panose="00000600000000000000" pitchFamily="2" charset="-127"/>
+                  <a:ea typeface="KoPubWorld돋움체 Medium" panose="00000600000000000000" pitchFamily="2" charset="-127"/>
+                  <a:cs typeface="KoPubWorld돋움체 Medium" panose="00000600000000000000" pitchFamily="2" charset="-127"/>
+                </a:rPr>
+                <a:t>+ Execute()</a:t>
+              </a:r>
+            </a:p>
+            <a:p>
+              <a:endParaRPr lang="ko-KR" altLang="en-US" sz="500" dirty="0">
+                <a:latin typeface="KoPubWorld돋움체 Medium" panose="00000600000000000000" pitchFamily="2" charset="-127"/>
+                <a:ea typeface="KoPubWorld돋움체 Medium" panose="00000600000000000000" pitchFamily="2" charset="-127"/>
+                <a:cs typeface="KoPubWorld돋움체 Medium" panose="00000600000000000000" pitchFamily="2" charset="-127"/>
+              </a:endParaRPr>
+            </a:p>
+          </p:txBody>
+        </p:sp>
+      </p:grpSp>
+      <p:grpSp>
+        <p:nvGrpSpPr>
+          <p:cNvPr id="42" name="그룹 41">
+            <a:extLst>
+              <a:ext uri="{FF2B5EF4-FFF2-40B4-BE49-F238E27FC236}">
+                <a16:creationId xmlns:a16="http://schemas.microsoft.com/office/drawing/2014/main" id="{AB8D0556-EADE-4BFA-A94F-91EE134A189C}"/>
+              </a:ext>
+            </a:extLst>
+          </p:cNvPr>
+          <p:cNvGrpSpPr/>
+          <p:nvPr/>
+        </p:nvGrpSpPr>
+        <p:grpSpPr>
+          <a:xfrm>
+            <a:off x="1733384" y="1588010"/>
+            <a:ext cx="2814174" cy="1108308"/>
+            <a:chOff x="6095999" y="-2012263"/>
+            <a:chExt cx="4010525" cy="859535"/>
+          </a:xfrm>
+        </p:grpSpPr>
+        <p:sp>
+          <p:nvSpPr>
+            <p:cNvPr id="43" name="TextBox 42">
+              <a:extLst>
+                <a:ext uri="{FF2B5EF4-FFF2-40B4-BE49-F238E27FC236}">
+                  <a16:creationId xmlns:a16="http://schemas.microsoft.com/office/drawing/2014/main" id="{4AB2FB72-8FA4-4DA0-8C5B-6238AE7408AA}"/>
+                </a:ext>
+              </a:extLst>
+            </p:cNvPr>
+            <p:cNvSpPr txBox="1"/>
+            <p:nvPr/>
+          </p:nvSpPr>
+          <p:spPr>
+            <a:xfrm>
+              <a:off x="6095999" y="-2012263"/>
+              <a:ext cx="4010524" cy="429646"/>
+            </a:xfrm>
+            <a:prstGeom prst="rect">
+              <a:avLst/>
+            </a:prstGeom>
+            <a:solidFill>
+              <a:schemeClr val="bg1"/>
+            </a:solidFill>
+            <a:ln w="19050">
+              <a:solidFill>
+                <a:schemeClr val="tx1"/>
+              </a:solidFill>
+            </a:ln>
+          </p:spPr>
+          <p:txBody>
+            <a:bodyPr wrap="square" rtlCol="0" anchor="ctr">
+              <a:spAutoFit/>
+            </a:bodyPr>
+            <a:lstStyle/>
+            <a:p>
+              <a:pPr algn="ctr"/>
+              <a:endParaRPr lang="en-US" altLang="ko-KR" sz="500" dirty="0">
+                <a:latin typeface="KoPubWorld돋움체 Medium" panose="00000600000000000000" pitchFamily="2" charset="-127"/>
+                <a:ea typeface="KoPubWorld돋움체 Medium" panose="00000600000000000000" pitchFamily="2" charset="-127"/>
+                <a:cs typeface="KoPubWorld돋움체 Medium" panose="00000600000000000000" pitchFamily="2" charset="-127"/>
+              </a:endParaRPr>
+            </a:p>
+            <a:p>
+              <a:pPr algn="ctr"/>
+              <a:r>
+                <a:rPr lang="en-US" altLang="ko-KR" sz="2000" dirty="0">
+                  <a:latin typeface="KoPubWorld돋움체 Bold" panose="00000800000000000000" pitchFamily="2" charset="-127"/>
+                  <a:ea typeface="KoPubWorld돋움체 Bold" panose="00000800000000000000" pitchFamily="2" charset="-127"/>
+                  <a:cs typeface="KoPubWorld돋움체 Bold" panose="00000800000000000000" pitchFamily="2" charset="-127"/>
+                </a:rPr>
+                <a:t>Context</a:t>
+              </a:r>
+            </a:p>
+            <a:p>
+              <a:pPr algn="ctr"/>
+              <a:endParaRPr lang="ko-KR" altLang="en-US" sz="500" dirty="0">
+                <a:latin typeface="KoPubWorld돋움체 Medium" panose="00000600000000000000" pitchFamily="2" charset="-127"/>
+                <a:ea typeface="KoPubWorld돋움체 Medium" panose="00000600000000000000" pitchFamily="2" charset="-127"/>
+                <a:cs typeface="KoPubWorld돋움체 Medium" panose="00000600000000000000" pitchFamily="2" charset="-127"/>
+              </a:endParaRPr>
+            </a:p>
+          </p:txBody>
+        </p:sp>
+        <p:sp>
+          <p:nvSpPr>
+            <p:cNvPr id="45" name="TextBox 44">
+              <a:extLst>
+                <a:ext uri="{FF2B5EF4-FFF2-40B4-BE49-F238E27FC236}">
+                  <a16:creationId xmlns:a16="http://schemas.microsoft.com/office/drawing/2014/main" id="{0B49B4C1-D60D-400F-9D5A-238A73E5512D}"/>
+                </a:ext>
+              </a:extLst>
+            </p:cNvPr>
+            <p:cNvSpPr txBox="1"/>
+            <p:nvPr/>
+          </p:nvSpPr>
+          <p:spPr>
+            <a:xfrm>
+              <a:off x="6095999" y="-1582374"/>
+              <a:ext cx="4010525" cy="429646"/>
+            </a:xfrm>
+            <a:prstGeom prst="rect">
+              <a:avLst/>
+            </a:prstGeom>
+            <a:solidFill>
+              <a:schemeClr val="bg1"/>
+            </a:solidFill>
+            <a:ln w="19050">
+              <a:solidFill>
+                <a:schemeClr val="tx1"/>
+              </a:solidFill>
+            </a:ln>
+          </p:spPr>
+          <p:txBody>
+            <a:bodyPr wrap="square" rtlCol="0" anchor="ctr">
+              <a:spAutoFit/>
+            </a:bodyPr>
+            <a:lstStyle/>
+            <a:p>
+              <a:endParaRPr lang="en-US" altLang="ko-KR" sz="500" dirty="0">
+                <a:latin typeface="KoPubWorld돋움체 Medium" panose="00000600000000000000" pitchFamily="2" charset="-127"/>
+                <a:ea typeface="KoPubWorld돋움체 Medium" panose="00000600000000000000" pitchFamily="2" charset="-127"/>
+                <a:cs typeface="KoPubWorld돋움체 Medium" panose="00000600000000000000" pitchFamily="2" charset="-127"/>
+              </a:endParaRPr>
+            </a:p>
+            <a:p>
+              <a:endParaRPr lang="en-US" altLang="ko-KR" sz="2000" dirty="0">
+                <a:latin typeface="KoPubWorld돋움체 Medium" panose="00000600000000000000" pitchFamily="2" charset="-127"/>
+                <a:ea typeface="KoPubWorld돋움체 Medium" panose="00000600000000000000" pitchFamily="2" charset="-127"/>
+                <a:cs typeface="KoPubWorld돋움체 Medium" panose="00000600000000000000" pitchFamily="2" charset="-127"/>
+              </a:endParaRPr>
+            </a:p>
+            <a:p>
+              <a:endParaRPr lang="ko-KR" altLang="en-US" sz="500" dirty="0">
+                <a:latin typeface="KoPubWorld돋움체 Medium" panose="00000600000000000000" pitchFamily="2" charset="-127"/>
+                <a:ea typeface="KoPubWorld돋움체 Medium" panose="00000600000000000000" pitchFamily="2" charset="-127"/>
+                <a:cs typeface="KoPubWorld돋움체 Medium" panose="00000600000000000000" pitchFamily="2" charset="-127"/>
+              </a:endParaRPr>
+            </a:p>
+          </p:txBody>
+        </p:sp>
+      </p:grpSp>
+      <p:sp>
+        <p:nvSpPr>
+          <p:cNvPr id="7" name="순서도: 판단 6">
+            <a:extLst>
+              <a:ext uri="{FF2B5EF4-FFF2-40B4-BE49-F238E27FC236}">
+                <a16:creationId xmlns:a16="http://schemas.microsoft.com/office/drawing/2014/main" id="{A501AF54-DB0C-4072-B799-D45A023EAA26}"/>
+              </a:ext>
+            </a:extLst>
+          </p:cNvPr>
+          <p:cNvSpPr/>
+          <p:nvPr/>
+        </p:nvSpPr>
+        <p:spPr>
+          <a:xfrm>
+            <a:off x="4547556" y="1736371"/>
+            <a:ext cx="349624" cy="246728"/>
+          </a:xfrm>
+          <a:prstGeom prst="flowChartDecision">
+            <a:avLst/>
+          </a:prstGeom>
+          <a:solidFill>
+            <a:schemeClr val="tx1"/>
+          </a:solidFill>
+          <a:ln>
+            <a:solidFill>
+              <a:schemeClr val="tx1"/>
+            </a:solidFill>
+          </a:ln>
+        </p:spPr>
+        <p:style>
+          <a:lnRef idx="2">
+            <a:schemeClr val="accent1">
+              <a:shade val="50000"/>
+            </a:schemeClr>
+          </a:lnRef>
+          <a:fillRef idx="1">
+            <a:schemeClr val="accent1"/>
+          </a:fillRef>
+          <a:effectRef idx="0">
+            <a:schemeClr val="accent1"/>
+          </a:effectRef>
+          <a:fontRef idx="minor">
+            <a:schemeClr val="lt1"/>
+          </a:fontRef>
+        </p:style>
+        <p:txBody>
+          <a:bodyPr rtlCol="0" anchor="ctr"/>
+          <a:lstStyle/>
+          <a:p>
+            <a:pPr algn="ctr"/>
+            <a:endParaRPr lang="ko-KR" altLang="en-US"/>
+          </a:p>
+        </p:txBody>
+      </p:sp>
+      <p:cxnSp>
+        <p:nvCxnSpPr>
+          <p:cNvPr id="26" name="연결선: 꺾임 25">
+            <a:extLst>
+              <a:ext uri="{FF2B5EF4-FFF2-40B4-BE49-F238E27FC236}">
+                <a16:creationId xmlns:a16="http://schemas.microsoft.com/office/drawing/2014/main" id="{B5FDFC25-5C2B-4738-AC0B-FBA983FC82B1}"/>
+              </a:ext>
+            </a:extLst>
+          </p:cNvPr>
+          <p:cNvCxnSpPr>
+            <a:cxnSpLocks/>
+            <a:stCxn id="35" idx="0"/>
+            <a:endCxn id="13" idx="2"/>
+          </p:cNvCxnSpPr>
+          <p:nvPr/>
+        </p:nvCxnSpPr>
+        <p:spPr>
+          <a:xfrm rot="5400000" flipH="1" flipV="1">
+            <a:off x="5575180" y="2685803"/>
+            <a:ext cx="1820600" cy="2019496"/>
+          </a:xfrm>
+          <a:prstGeom prst="bentConnector3">
+            <a:avLst/>
+          </a:prstGeom>
+          <a:ln w="19050">
+            <a:solidFill>
+              <a:schemeClr val="tx1"/>
+            </a:solidFill>
+            <a:prstDash val="solid"/>
+            <a:tailEnd type="triangle"/>
+          </a:ln>
+        </p:spPr>
+        <p:style>
+          <a:lnRef idx="1">
+            <a:schemeClr val="dk1"/>
+          </a:lnRef>
+          <a:fillRef idx="0">
+            <a:schemeClr val="dk1"/>
+          </a:fillRef>
+          <a:effectRef idx="0">
+            <a:schemeClr val="dk1"/>
+          </a:effectRef>
+          <a:fontRef idx="minor">
+            <a:schemeClr val="tx1"/>
+          </a:fontRef>
+        </p:style>
+      </p:cxnSp>
+      <p:cxnSp>
+        <p:nvCxnSpPr>
+          <p:cNvPr id="28" name="연결선: 꺾임 27">
+            <a:extLst>
+              <a:ext uri="{FF2B5EF4-FFF2-40B4-BE49-F238E27FC236}">
+                <a16:creationId xmlns:a16="http://schemas.microsoft.com/office/drawing/2014/main" id="{C907F8CA-032A-4541-82F8-3DC859D6A175}"/>
+              </a:ext>
+            </a:extLst>
+          </p:cNvPr>
+          <p:cNvCxnSpPr>
+            <a:cxnSpLocks/>
+            <a:stCxn id="38" idx="0"/>
+            <a:endCxn id="13" idx="2"/>
+          </p:cNvCxnSpPr>
+          <p:nvPr/>
+        </p:nvCxnSpPr>
+        <p:spPr>
+          <a:xfrm rot="16200000" flipV="1">
+            <a:off x="7663321" y="2617159"/>
+            <a:ext cx="1821209" cy="2157393"/>
+          </a:xfrm>
+          <a:prstGeom prst="bentConnector3">
+            <a:avLst/>
+          </a:prstGeom>
+          <a:ln w="19050">
+            <a:solidFill>
+              <a:schemeClr val="tx1"/>
+            </a:solidFill>
+            <a:prstDash val="solid"/>
+            <a:tailEnd type="triangle"/>
+          </a:ln>
+        </p:spPr>
+        <p:style>
+          <a:lnRef idx="1">
+            <a:schemeClr val="dk1"/>
+          </a:lnRef>
+          <a:fillRef idx="0">
+            <a:schemeClr val="dk1"/>
+          </a:fillRef>
+          <a:effectRef idx="0">
+            <a:schemeClr val="dk1"/>
+          </a:effectRef>
+          <a:fontRef idx="minor">
+            <a:schemeClr val="tx1"/>
+          </a:fontRef>
+        </p:style>
+      </p:cxnSp>
+      <p:cxnSp>
+        <p:nvCxnSpPr>
+          <p:cNvPr id="31" name="직선 화살표 연결선 30">
+            <a:extLst>
+              <a:ext uri="{FF2B5EF4-FFF2-40B4-BE49-F238E27FC236}">
+                <a16:creationId xmlns:a16="http://schemas.microsoft.com/office/drawing/2014/main" id="{FACE4136-5216-4053-9B7A-216C2DE0F4C9}"/>
+              </a:ext>
+            </a:extLst>
+          </p:cNvPr>
+          <p:cNvCxnSpPr>
+            <a:cxnSpLocks/>
+            <a:stCxn id="9" idx="1"/>
+            <a:endCxn id="43" idx="3"/>
+          </p:cNvCxnSpPr>
+          <p:nvPr/>
+        </p:nvCxnSpPr>
+        <p:spPr>
+          <a:xfrm flipH="1">
+            <a:off x="4547557" y="1859735"/>
+            <a:ext cx="1584956" cy="5274"/>
+          </a:xfrm>
+          <a:prstGeom prst="straightConnector1">
+            <a:avLst/>
+          </a:prstGeom>
+          <a:ln w="19050">
+            <a:tailEnd type="triangle"/>
+          </a:ln>
+        </p:spPr>
+        <p:style>
+          <a:lnRef idx="1">
+            <a:schemeClr val="dk1"/>
+          </a:lnRef>
+          <a:fillRef idx="0">
+            <a:schemeClr val="dk1"/>
+          </a:fillRef>
+          <a:effectRef idx="0">
+            <a:schemeClr val="dk1"/>
+          </a:effectRef>
+          <a:fontRef idx="minor">
+            <a:schemeClr val="tx1"/>
+          </a:fontRef>
+        </p:style>
+      </p:cxnSp>
+      <p:sp>
+        <p:nvSpPr>
+          <p:cNvPr id="48" name="이등변 삼각형 47">
+            <a:extLst>
+              <a:ext uri="{FF2B5EF4-FFF2-40B4-BE49-F238E27FC236}">
+                <a16:creationId xmlns:a16="http://schemas.microsoft.com/office/drawing/2014/main" id="{DE825EE0-69EF-4AA8-99FC-9C7D55B8DAC1}"/>
+              </a:ext>
+            </a:extLst>
+          </p:cNvPr>
+          <p:cNvSpPr/>
+          <p:nvPr/>
+        </p:nvSpPr>
+        <p:spPr>
+          <a:xfrm>
+            <a:off x="7328676" y="2802597"/>
+            <a:ext cx="333102" cy="333102"/>
+          </a:xfrm>
+          <a:prstGeom prst="triangle">
+            <a:avLst/>
+          </a:prstGeom>
+          <a:solidFill>
+            <a:schemeClr val="bg1"/>
+          </a:solidFill>
+          <a:ln w="19050">
+            <a:solidFill>
+              <a:schemeClr val="tx1"/>
+            </a:solidFill>
+          </a:ln>
+        </p:spPr>
+        <p:style>
+          <a:lnRef idx="2">
+            <a:schemeClr val="accent1">
+              <a:shade val="50000"/>
+            </a:schemeClr>
+          </a:lnRef>
+          <a:fillRef idx="1">
+            <a:schemeClr val="accent1"/>
+          </a:fillRef>
+          <a:effectRef idx="0">
+            <a:schemeClr val="accent1"/>
+          </a:effectRef>
+          <a:fontRef idx="minor">
+            <a:schemeClr val="lt1"/>
+          </a:fontRef>
+        </p:style>
+        <p:txBody>
+          <a:bodyPr rtlCol="0" anchor="ctr"/>
+          <a:lstStyle/>
+          <a:p>
+            <a:pPr algn="ctr"/>
+            <a:endParaRPr lang="ko-KR" altLang="en-US"/>
+          </a:p>
+        </p:txBody>
+      </p:sp>
+    </p:spTree>
+    <p:extLst>
+      <p:ext uri="{BB962C8B-B14F-4D97-AF65-F5344CB8AC3E}">
+        <p14:creationId xmlns:p14="http://schemas.microsoft.com/office/powerpoint/2010/main" val="1435003103"/>
+      </p:ext>
+    </p:extLst>
+  </p:cSld>
+  <p:clrMapOvr>
+    <a:masterClrMapping/>
+  </p:clrMapOvr>
+</p:sld>
+</file>
+
 <file path=ppt/theme/theme1.xml><?xml version="1.0" encoding="utf-8"?>
 <a:theme xmlns:a="http://schemas.openxmlformats.org/drawingml/2006/main" name="Office 테마">
   <a:themeElements>
